--- a/Đóng gói phần mềm [Autosaved].pptx
+++ b/Đóng gói phần mềm [Autosaved].pptx
@@ -5,7 +5,7 @@
     <p:sldMasterId id="2147483661" r:id="rId1"/>
   </p:sldMasterIdLst>
   <p:notesMasterIdLst>
-    <p:notesMasterId r:id="rId11"/>
+    <p:notesMasterId r:id="rId14"/>
   </p:notesMasterIdLst>
   <p:sldIdLst>
     <p:sldId id="256" r:id="rId2"/>
@@ -13,10 +13,13 @@
     <p:sldId id="426" r:id="rId4"/>
     <p:sldId id="430" r:id="rId5"/>
     <p:sldId id="471" r:id="rId6"/>
-    <p:sldId id="472" r:id="rId7"/>
-    <p:sldId id="473" r:id="rId8"/>
-    <p:sldId id="444" r:id="rId9"/>
-    <p:sldId id="323" r:id="rId10"/>
+    <p:sldId id="474" r:id="rId7"/>
+    <p:sldId id="475" r:id="rId8"/>
+    <p:sldId id="476" r:id="rId9"/>
+    <p:sldId id="478" r:id="rId10"/>
+    <p:sldId id="477" r:id="rId11"/>
+    <p:sldId id="444" r:id="rId12"/>
+    <p:sldId id="323" r:id="rId13"/>
   </p:sldIdLst>
   <p:sldSz cx="9144000" cy="6858000" type="screen4x3"/>
   <p:notesSz cx="6858000" cy="9144000"/>
@@ -208,7 +211,7 @@
           <a:p>
             <a:fld id="{BD191DC8-1FE8-7046-A8AC-9F90E86112EC}" type="datetimeFigureOut">
               <a:rPr lang="en-US" smtClean="0"/>
-              <a:t>1/7/2021</a:t>
+              <a:t>1/8/2021</a:t>
             </a:fld>
             <a:endParaRPr lang="en-US"/>
           </a:p>
@@ -722,7 +725,7 @@
           <a:p>
             <a:fld id="{C764DE79-268F-4C1A-8933-263129D2AF90}" type="datetimeFigureOut">
               <a:rPr lang="en-US"/>
-              <a:t>1/7/2021</a:t>
+              <a:t>1/8/2021</a:t>
             </a:fld>
             <a:endParaRPr lang="en-US"/>
           </a:p>
@@ -1081,7 +1084,7 @@
           <a:p>
             <a:fld id="{C764DE79-268F-4C1A-8933-263129D2AF90}" type="datetimeFigureOut">
               <a:rPr lang="en-US"/>
-              <a:t>1/7/2021</a:t>
+              <a:t>1/8/2021</a:t>
             </a:fld>
             <a:endParaRPr lang="en-US"/>
           </a:p>
@@ -1262,7 +1265,7 @@
           <a:p>
             <a:fld id="{C764DE79-268F-4C1A-8933-263129D2AF90}" type="datetimeFigureOut">
               <a:rPr lang="en-US"/>
-              <a:t>1/7/2021</a:t>
+              <a:t>1/8/2021</a:t>
             </a:fld>
             <a:endParaRPr lang="en-US"/>
           </a:p>
@@ -7587,7 +7590,7 @@
           <a:p>
             <a:fld id="{C764DE79-268F-4C1A-8933-263129D2AF90}" type="datetimeFigureOut">
               <a:rPr lang="en-US"/>
-              <a:t>1/7/2021</a:t>
+              <a:t>1/8/2021</a:t>
             </a:fld>
             <a:endParaRPr lang="en-US"/>
           </a:p>
@@ -7832,7 +7835,7 @@
           <a:p>
             <a:fld id="{C764DE79-268F-4C1A-8933-263129D2AF90}" type="datetimeFigureOut">
               <a:rPr lang="en-US"/>
-              <a:t>1/7/2021</a:t>
+              <a:t>1/8/2021</a:t>
             </a:fld>
             <a:endParaRPr lang="en-US"/>
           </a:p>
@@ -8065,7 +8068,7 @@
           <a:p>
             <a:fld id="{C764DE79-268F-4C1A-8933-263129D2AF90}" type="datetimeFigureOut">
               <a:rPr lang="en-US"/>
-              <a:t>1/7/2021</a:t>
+              <a:t>1/8/2021</a:t>
             </a:fld>
             <a:endParaRPr lang="en-US"/>
           </a:p>
@@ -8433,7 +8436,7 @@
           <a:p>
             <a:fld id="{C764DE79-268F-4C1A-8933-263129D2AF90}" type="datetimeFigureOut">
               <a:rPr lang="en-US"/>
-              <a:t>1/7/2021</a:t>
+              <a:t>1/8/2021</a:t>
             </a:fld>
             <a:endParaRPr lang="en-US"/>
           </a:p>
@@ -8552,7 +8555,7 @@
           <a:p>
             <a:fld id="{C764DE79-268F-4C1A-8933-263129D2AF90}" type="datetimeFigureOut">
               <a:rPr lang="en-US"/>
-              <a:t>1/7/2021</a:t>
+              <a:t>1/8/2021</a:t>
             </a:fld>
             <a:endParaRPr lang="en-US"/>
           </a:p>
@@ -8648,7 +8651,7 @@
           <a:p>
             <a:fld id="{C764DE79-268F-4C1A-8933-263129D2AF90}" type="datetimeFigureOut">
               <a:rPr lang="en-US"/>
-              <a:t>1/7/2021</a:t>
+              <a:t>1/8/2021</a:t>
             </a:fld>
             <a:endParaRPr lang="en-US"/>
           </a:p>
@@ -8926,7 +8929,7 @@
           <a:p>
             <a:fld id="{C764DE79-268F-4C1A-8933-263129D2AF90}" type="datetimeFigureOut">
               <a:rPr lang="en-US"/>
-              <a:t>1/7/2021</a:t>
+              <a:t>1/8/2021</a:t>
             </a:fld>
             <a:endParaRPr lang="en-US"/>
           </a:p>
@@ -9183,7 +9186,7 @@
           <a:p>
             <a:fld id="{C764DE79-268F-4C1A-8933-263129D2AF90}" type="datetimeFigureOut">
               <a:rPr lang="en-US"/>
-              <a:t>1/7/2021</a:t>
+              <a:t>1/8/2021</a:t>
             </a:fld>
             <a:endParaRPr lang="en-US"/>
           </a:p>
@@ -9397,7 +9400,7 @@
           <a:p>
             <a:fld id="{C764DE79-268F-4C1A-8933-263129D2AF90}" type="datetimeFigureOut">
               <a:rPr lang="en-US"/>
-              <a:t>1/7/2021</a:t>
+              <a:t>1/8/2021</a:t>
             </a:fld>
             <a:endParaRPr lang="en-US"/>
           </a:p>
@@ -10885,6 +10888,1756 @@
       <p:bldP spid="54" grpId="0"/>
       <p:bldP spid="55" grpId="0"/>
       <p:bldP spid="56" grpId="0"/>
+    </p:bldLst>
+  </p:timing>
+</p:sld>
+</file>
+
+<file path=ppt/slides/slide10.xml><?xml version="1.0" encoding="utf-8"?>
+<p:sld xmlns:a="http://schemas.openxmlformats.org/drawingml/2006/main" xmlns:r="http://schemas.openxmlformats.org/officeDocument/2006/relationships" xmlns:p="http://schemas.openxmlformats.org/presentationml/2006/main">
+  <p:cSld>
+    <p:spTree>
+      <p:nvGrpSpPr>
+        <p:cNvPr id="1" name=""/>
+        <p:cNvGrpSpPr/>
+        <p:nvPr/>
+      </p:nvGrpSpPr>
+      <p:grpSpPr>
+        <a:xfrm>
+          <a:off x="0" y="0"/>
+          <a:ext cx="0" cy="0"/>
+          <a:chOff x="0" y="0"/>
+          <a:chExt cx="0" cy="0"/>
+        </a:xfrm>
+      </p:grpSpPr>
+      <p:pic>
+        <p:nvPicPr>
+          <p:cNvPr id="2" name="Picture 1">
+            <a:extLst>
+              <a:ext uri="{FF2B5EF4-FFF2-40B4-BE49-F238E27FC236}">
+                <a16:creationId xmlns:a16="http://schemas.microsoft.com/office/drawing/2014/main" id="{6F1FDE50-7692-4A0D-8804-5EFB2BE0382F}"/>
+              </a:ext>
+            </a:extLst>
+          </p:cNvPr>
+          <p:cNvPicPr>
+            <a:picLocks noChangeAspect="1"/>
+          </p:cNvPicPr>
+          <p:nvPr/>
+        </p:nvPicPr>
+        <p:blipFill>
+          <a:blip r:embed="rId2"/>
+          <a:stretch>
+            <a:fillRect/>
+          </a:stretch>
+        </p:blipFill>
+        <p:spPr>
+          <a:xfrm>
+            <a:off x="0" y="0"/>
+            <a:ext cx="9144000" cy="6858000"/>
+          </a:xfrm>
+          <a:prstGeom prst="rect">
+            <a:avLst/>
+          </a:prstGeom>
+        </p:spPr>
+      </p:pic>
+      <p:cxnSp>
+        <p:nvCxnSpPr>
+          <p:cNvPr id="3" name="Straight Arrow Connector 2">
+            <a:extLst>
+              <a:ext uri="{FF2B5EF4-FFF2-40B4-BE49-F238E27FC236}">
+                <a16:creationId xmlns:a16="http://schemas.microsoft.com/office/drawing/2014/main" id="{C8AD8F38-2335-42AB-B62A-4CA94ECAAFB3}"/>
+              </a:ext>
+            </a:extLst>
+          </p:cNvPr>
+          <p:cNvCxnSpPr>
+            <a:cxnSpLocks/>
+          </p:cNvCxnSpPr>
+          <p:nvPr/>
+        </p:nvCxnSpPr>
+        <p:spPr>
+          <a:xfrm flipH="1" flipV="1">
+            <a:off x="5288692" y="926756"/>
+            <a:ext cx="1285103" cy="704336"/>
+          </a:xfrm>
+          <a:prstGeom prst="straightConnector1">
+            <a:avLst/>
+          </a:prstGeom>
+          <a:ln>
+            <a:tailEnd type="triangle"/>
+          </a:ln>
+        </p:spPr>
+        <p:style>
+          <a:lnRef idx="3">
+            <a:schemeClr val="accent2"/>
+          </a:lnRef>
+          <a:fillRef idx="0">
+            <a:schemeClr val="accent2"/>
+          </a:fillRef>
+          <a:effectRef idx="2">
+            <a:schemeClr val="accent2"/>
+          </a:effectRef>
+          <a:fontRef idx="minor">
+            <a:schemeClr val="tx1"/>
+          </a:fontRef>
+        </p:style>
+      </p:cxnSp>
+      <p:sp>
+        <p:nvSpPr>
+          <p:cNvPr id="4" name="Rectangle: Rounded Corners 3">
+            <a:extLst>
+              <a:ext uri="{FF2B5EF4-FFF2-40B4-BE49-F238E27FC236}">
+                <a16:creationId xmlns:a16="http://schemas.microsoft.com/office/drawing/2014/main" id="{8FE565EC-B99D-47BB-A083-25F71815F439}"/>
+              </a:ext>
+            </a:extLst>
+          </p:cNvPr>
+          <p:cNvSpPr/>
+          <p:nvPr/>
+        </p:nvSpPr>
+        <p:spPr>
+          <a:xfrm>
+            <a:off x="5857103" y="1631092"/>
+            <a:ext cx="1433384" cy="679622"/>
+          </a:xfrm>
+          <a:prstGeom prst="roundRect">
+            <a:avLst/>
+          </a:prstGeom>
+        </p:spPr>
+        <p:style>
+          <a:lnRef idx="2">
+            <a:schemeClr val="accent2">
+              <a:shade val="50000"/>
+            </a:schemeClr>
+          </a:lnRef>
+          <a:fillRef idx="1">
+            <a:schemeClr val="accent2"/>
+          </a:fillRef>
+          <a:effectRef idx="0">
+            <a:schemeClr val="accent2"/>
+          </a:effectRef>
+          <a:fontRef idx="minor">
+            <a:schemeClr val="lt1"/>
+          </a:fontRef>
+        </p:style>
+        <p:txBody>
+          <a:bodyPr rtlCol="0" anchor="ctr"/>
+          <a:lstStyle/>
+          <a:p>
+            <a:pPr algn="ctr"/>
+            <a:r>
+              <a:rPr lang="en-US" dirty="0" err="1"/>
+              <a:t>Tiêu</a:t>
+            </a:r>
+            <a:r>
+              <a:rPr lang="en-US" dirty="0"/>
+              <a:t> </a:t>
+            </a:r>
+            <a:r>
+              <a:rPr lang="en-US" dirty="0" err="1"/>
+              <a:t>đề</a:t>
+            </a:r>
+            <a:r>
+              <a:rPr lang="en-US" dirty="0"/>
+              <a:t> Snippet</a:t>
+            </a:r>
+          </a:p>
+        </p:txBody>
+      </p:sp>
+      <p:cxnSp>
+        <p:nvCxnSpPr>
+          <p:cNvPr id="6" name="Straight Arrow Connector 5">
+            <a:extLst>
+              <a:ext uri="{FF2B5EF4-FFF2-40B4-BE49-F238E27FC236}">
+                <a16:creationId xmlns:a16="http://schemas.microsoft.com/office/drawing/2014/main" id="{91336451-42D1-47DA-8539-A10C8E77B591}"/>
+              </a:ext>
+            </a:extLst>
+          </p:cNvPr>
+          <p:cNvCxnSpPr>
+            <a:cxnSpLocks/>
+          </p:cNvCxnSpPr>
+          <p:nvPr/>
+        </p:nvCxnSpPr>
+        <p:spPr>
+          <a:xfrm flipV="1">
+            <a:off x="1013254" y="1606378"/>
+            <a:ext cx="296562" cy="568412"/>
+          </a:xfrm>
+          <a:prstGeom prst="straightConnector1">
+            <a:avLst/>
+          </a:prstGeom>
+          <a:ln>
+            <a:tailEnd type="triangle"/>
+          </a:ln>
+        </p:spPr>
+        <p:style>
+          <a:lnRef idx="3">
+            <a:schemeClr val="accent2"/>
+          </a:lnRef>
+          <a:fillRef idx="0">
+            <a:schemeClr val="accent2"/>
+          </a:fillRef>
+          <a:effectRef idx="2">
+            <a:schemeClr val="accent2"/>
+          </a:effectRef>
+          <a:fontRef idx="minor">
+            <a:schemeClr val="tx1"/>
+          </a:fontRef>
+        </p:style>
+      </p:cxnSp>
+      <p:sp>
+        <p:nvSpPr>
+          <p:cNvPr id="7" name="Rectangle: Rounded Corners 6">
+            <a:extLst>
+              <a:ext uri="{FF2B5EF4-FFF2-40B4-BE49-F238E27FC236}">
+                <a16:creationId xmlns:a16="http://schemas.microsoft.com/office/drawing/2014/main" id="{6F523B75-164B-4C34-AE7B-C788F9AA23C3}"/>
+              </a:ext>
+            </a:extLst>
+          </p:cNvPr>
+          <p:cNvSpPr/>
+          <p:nvPr/>
+        </p:nvSpPr>
+        <p:spPr>
+          <a:xfrm>
+            <a:off x="0" y="2174789"/>
+            <a:ext cx="1433384" cy="679622"/>
+          </a:xfrm>
+          <a:prstGeom prst="roundRect">
+            <a:avLst/>
+          </a:prstGeom>
+        </p:spPr>
+        <p:style>
+          <a:lnRef idx="2">
+            <a:schemeClr val="accent2">
+              <a:shade val="50000"/>
+            </a:schemeClr>
+          </a:lnRef>
+          <a:fillRef idx="1">
+            <a:schemeClr val="accent2"/>
+          </a:fillRef>
+          <a:effectRef idx="0">
+            <a:schemeClr val="accent2"/>
+          </a:effectRef>
+          <a:fontRef idx="minor">
+            <a:schemeClr val="lt1"/>
+          </a:fontRef>
+        </p:style>
+        <p:txBody>
+          <a:bodyPr rtlCol="0" anchor="ctr"/>
+          <a:lstStyle/>
+          <a:p>
+            <a:pPr algn="ctr"/>
+            <a:r>
+              <a:rPr lang="en-US" dirty="0" err="1"/>
+              <a:t>Tên</a:t>
+            </a:r>
+            <a:r>
+              <a:rPr lang="en-US" dirty="0"/>
+              <a:t> file</a:t>
+            </a:r>
+          </a:p>
+        </p:txBody>
+      </p:sp>
+      <p:cxnSp>
+        <p:nvCxnSpPr>
+          <p:cNvPr id="9" name="Straight Arrow Connector 8">
+            <a:extLst>
+              <a:ext uri="{FF2B5EF4-FFF2-40B4-BE49-F238E27FC236}">
+                <a16:creationId xmlns:a16="http://schemas.microsoft.com/office/drawing/2014/main" id="{6613FFA9-1ADC-4E2B-AE12-BD42820DE684}"/>
+              </a:ext>
+            </a:extLst>
+          </p:cNvPr>
+          <p:cNvCxnSpPr>
+            <a:cxnSpLocks/>
+          </p:cNvCxnSpPr>
+          <p:nvPr/>
+        </p:nvCxnSpPr>
+        <p:spPr>
+          <a:xfrm flipV="1">
+            <a:off x="2384854" y="2860589"/>
+            <a:ext cx="902043" cy="568411"/>
+          </a:xfrm>
+          <a:prstGeom prst="straightConnector1">
+            <a:avLst/>
+          </a:prstGeom>
+          <a:ln>
+            <a:tailEnd type="triangle"/>
+          </a:ln>
+        </p:spPr>
+        <p:style>
+          <a:lnRef idx="3">
+            <a:schemeClr val="accent2"/>
+          </a:lnRef>
+          <a:fillRef idx="0">
+            <a:schemeClr val="accent2"/>
+          </a:fillRef>
+          <a:effectRef idx="2">
+            <a:schemeClr val="accent2"/>
+          </a:effectRef>
+          <a:fontRef idx="minor">
+            <a:schemeClr val="tx1"/>
+          </a:fontRef>
+        </p:style>
+      </p:cxnSp>
+      <p:sp>
+        <p:nvSpPr>
+          <p:cNvPr id="10" name="Rectangle: Rounded Corners 9">
+            <a:extLst>
+              <a:ext uri="{FF2B5EF4-FFF2-40B4-BE49-F238E27FC236}">
+                <a16:creationId xmlns:a16="http://schemas.microsoft.com/office/drawing/2014/main" id="{090BD54C-9328-40DE-9BAE-5BDED0D5534A}"/>
+              </a:ext>
+            </a:extLst>
+          </p:cNvPr>
+          <p:cNvSpPr/>
+          <p:nvPr/>
+        </p:nvSpPr>
+        <p:spPr>
+          <a:xfrm>
+            <a:off x="1371600" y="3429000"/>
+            <a:ext cx="1433384" cy="679622"/>
+          </a:xfrm>
+          <a:prstGeom prst="roundRect">
+            <a:avLst/>
+          </a:prstGeom>
+        </p:spPr>
+        <p:style>
+          <a:lnRef idx="2">
+            <a:schemeClr val="accent2">
+              <a:shade val="50000"/>
+            </a:schemeClr>
+          </a:lnRef>
+          <a:fillRef idx="1">
+            <a:schemeClr val="accent2"/>
+          </a:fillRef>
+          <a:effectRef idx="0">
+            <a:schemeClr val="accent2"/>
+          </a:effectRef>
+          <a:fontRef idx="minor">
+            <a:schemeClr val="lt1"/>
+          </a:fontRef>
+        </p:style>
+        <p:txBody>
+          <a:bodyPr rtlCol="0" anchor="ctr"/>
+          <a:lstStyle/>
+          <a:p>
+            <a:pPr algn="ctr"/>
+            <a:r>
+              <a:rPr lang="en-US" dirty="0"/>
+              <a:t>N</a:t>
+            </a:r>
+            <a:r>
+              <a:rPr lang="vi-VN" dirty="0"/>
+              <a:t>ơ</a:t>
+            </a:r>
+            <a:r>
+              <a:rPr lang="en-US" dirty="0" err="1"/>
+              <a:t>i</a:t>
+            </a:r>
+            <a:r>
+              <a:rPr lang="en-US" dirty="0"/>
+              <a:t> </a:t>
+            </a:r>
+            <a:r>
+              <a:rPr lang="en-US" dirty="0" err="1"/>
+              <a:t>chứa</a:t>
+            </a:r>
+            <a:r>
+              <a:rPr lang="en-US" dirty="0"/>
+              <a:t> file</a:t>
+            </a:r>
+          </a:p>
+        </p:txBody>
+      </p:sp>
+      <p:cxnSp>
+        <p:nvCxnSpPr>
+          <p:cNvPr id="11" name="Straight Arrow Connector 10">
+            <a:extLst>
+              <a:ext uri="{FF2B5EF4-FFF2-40B4-BE49-F238E27FC236}">
+                <a16:creationId xmlns:a16="http://schemas.microsoft.com/office/drawing/2014/main" id="{93942254-D437-45A8-9B34-0F3A246BA9FC}"/>
+              </a:ext>
+            </a:extLst>
+          </p:cNvPr>
+          <p:cNvCxnSpPr>
+            <a:cxnSpLocks/>
+          </p:cNvCxnSpPr>
+          <p:nvPr/>
+        </p:nvCxnSpPr>
+        <p:spPr>
+          <a:xfrm flipH="1">
+            <a:off x="4312508" y="4547288"/>
+            <a:ext cx="1124467" cy="1383956"/>
+          </a:xfrm>
+          <a:prstGeom prst="straightConnector1">
+            <a:avLst/>
+          </a:prstGeom>
+          <a:ln>
+            <a:tailEnd type="triangle"/>
+          </a:ln>
+        </p:spPr>
+        <p:style>
+          <a:lnRef idx="3">
+            <a:schemeClr val="accent2"/>
+          </a:lnRef>
+          <a:fillRef idx="0">
+            <a:schemeClr val="accent2"/>
+          </a:fillRef>
+          <a:effectRef idx="2">
+            <a:schemeClr val="accent2"/>
+          </a:effectRef>
+          <a:fontRef idx="minor">
+            <a:schemeClr val="tx1"/>
+          </a:fontRef>
+        </p:style>
+      </p:cxnSp>
+      <p:sp>
+        <p:nvSpPr>
+          <p:cNvPr id="12" name="Rectangle: Rounded Corners 11">
+            <a:extLst>
+              <a:ext uri="{FF2B5EF4-FFF2-40B4-BE49-F238E27FC236}">
+                <a16:creationId xmlns:a16="http://schemas.microsoft.com/office/drawing/2014/main" id="{13581FA4-CD01-4B63-94C7-7F05B899FFA7}"/>
+              </a:ext>
+            </a:extLst>
+          </p:cNvPr>
+          <p:cNvSpPr/>
+          <p:nvPr/>
+        </p:nvSpPr>
+        <p:spPr>
+          <a:xfrm>
+            <a:off x="4423721" y="4547287"/>
+            <a:ext cx="1433384" cy="679622"/>
+          </a:xfrm>
+          <a:prstGeom prst="roundRect">
+            <a:avLst/>
+          </a:prstGeom>
+        </p:spPr>
+        <p:style>
+          <a:lnRef idx="2">
+            <a:schemeClr val="accent2">
+              <a:shade val="50000"/>
+            </a:schemeClr>
+          </a:lnRef>
+          <a:fillRef idx="1">
+            <a:schemeClr val="accent2"/>
+          </a:fillRef>
+          <a:effectRef idx="0">
+            <a:schemeClr val="accent2"/>
+          </a:effectRef>
+          <a:fontRef idx="minor">
+            <a:schemeClr val="lt1"/>
+          </a:fontRef>
+        </p:style>
+        <p:txBody>
+          <a:bodyPr rtlCol="0" anchor="ctr"/>
+          <a:lstStyle/>
+          <a:p>
+            <a:pPr algn="ctr"/>
+            <a:r>
+              <a:rPr lang="en-US" dirty="0" err="1"/>
+              <a:t>Cài</a:t>
+            </a:r>
+            <a:r>
+              <a:rPr lang="en-US" dirty="0"/>
+              <a:t> </a:t>
+            </a:r>
+            <a:r>
+              <a:rPr lang="en-US" dirty="0" err="1"/>
+              <a:t>đặt</a:t>
+            </a:r>
+            <a:r>
+              <a:rPr lang="en-US" dirty="0"/>
+              <a:t> </a:t>
+            </a:r>
+            <a:r>
+              <a:rPr lang="en-US" dirty="0" err="1"/>
+              <a:t>quyền</a:t>
+            </a:r>
+            <a:endParaRPr lang="en-US" dirty="0"/>
+          </a:p>
+        </p:txBody>
+      </p:sp>
+    </p:spTree>
+    <p:extLst>
+      <p:ext uri="{BB962C8B-B14F-4D97-AF65-F5344CB8AC3E}">
+        <p14:creationId xmlns:p14="http://schemas.microsoft.com/office/powerpoint/2010/main" val="791864952"/>
+      </p:ext>
+    </p:extLst>
+  </p:cSld>
+  <p:clrMapOvr>
+    <a:masterClrMapping/>
+  </p:clrMapOvr>
+</p:sld>
+</file>
+
+<file path=ppt/slides/slide11.xml><?xml version="1.0" encoding="utf-8"?>
+<p:sld xmlns:a="http://schemas.openxmlformats.org/drawingml/2006/main" xmlns:r="http://schemas.openxmlformats.org/officeDocument/2006/relationships" xmlns:p="http://schemas.openxmlformats.org/presentationml/2006/main">
+  <p:cSld>
+    <p:spTree>
+      <p:nvGrpSpPr>
+        <p:cNvPr id="1" name=""/>
+        <p:cNvGrpSpPr/>
+        <p:nvPr/>
+      </p:nvGrpSpPr>
+      <p:grpSpPr>
+        <a:xfrm>
+          <a:off x="0" y="0"/>
+          <a:ext cx="0" cy="0"/>
+          <a:chOff x="0" y="0"/>
+          <a:chExt cx="0" cy="0"/>
+        </a:xfrm>
+      </p:grpSpPr>
+      <p:sp>
+        <p:nvSpPr>
+          <p:cNvPr id="2" name="Text Placeholder 11">
+            <a:extLst>
+              <a:ext uri="{FF2B5EF4-FFF2-40B4-BE49-F238E27FC236}">
+                <a16:creationId xmlns:a16="http://schemas.microsoft.com/office/drawing/2014/main" id="{B21D954C-6834-4B83-B664-F9E911371198}"/>
+              </a:ext>
+            </a:extLst>
+          </p:cNvPr>
+          <p:cNvSpPr txBox="1">
+            <a:spLocks/>
+          </p:cNvSpPr>
+          <p:nvPr/>
+        </p:nvSpPr>
+        <p:spPr>
+          <a:xfrm>
+            <a:off x="0" y="948975"/>
+            <a:ext cx="9144000" cy="772133"/>
+          </a:xfrm>
+          <a:prstGeom prst="rect">
+            <a:avLst/>
+          </a:prstGeom>
+        </p:spPr>
+        <p:txBody>
+          <a:bodyPr vert="horz" lIns="68580" tIns="34290" rIns="68580" bIns="34290" rtlCol="0" anchor="ctr"/>
+          <a:lstStyle>
+            <a:defPPr>
+              <a:defRPr lang="en-US"/>
+            </a:defPPr>
+            <a:lvl1pPr marL="0" algn="l" defTabSz="914400" rtl="0" eaLnBrk="1" latinLnBrk="0" hangingPunct="1">
+              <a:defRPr sz="1200" kern="1200">
+                <a:solidFill>
+                  <a:schemeClr val="tx1">
+                    <a:tint val="75000"/>
+                  </a:schemeClr>
+                </a:solidFill>
+                <a:latin typeface="+mn-lt"/>
+                <a:ea typeface="+mn-ea"/>
+                <a:cs typeface="+mn-cs"/>
+              </a:defRPr>
+            </a:lvl1pPr>
+            <a:lvl2pPr marL="457200" algn="l" defTabSz="914400" rtl="0" eaLnBrk="1" latinLnBrk="0" hangingPunct="1">
+              <a:defRPr sz="1800" kern="1200">
+                <a:solidFill>
+                  <a:schemeClr val="tx1"/>
+                </a:solidFill>
+                <a:latin typeface="+mn-lt"/>
+                <a:ea typeface="+mn-ea"/>
+                <a:cs typeface="+mn-cs"/>
+              </a:defRPr>
+            </a:lvl2pPr>
+            <a:lvl3pPr marL="914400" algn="l" defTabSz="914400" rtl="0" eaLnBrk="1" latinLnBrk="0" hangingPunct="1">
+              <a:defRPr sz="1800" kern="1200">
+                <a:solidFill>
+                  <a:schemeClr val="tx1"/>
+                </a:solidFill>
+                <a:latin typeface="+mn-lt"/>
+                <a:ea typeface="+mn-ea"/>
+                <a:cs typeface="+mn-cs"/>
+              </a:defRPr>
+            </a:lvl3pPr>
+            <a:lvl4pPr marL="1371600" algn="l" defTabSz="914400" rtl="0" eaLnBrk="1" latinLnBrk="0" hangingPunct="1">
+              <a:defRPr sz="1800" kern="1200">
+                <a:solidFill>
+                  <a:schemeClr val="tx1"/>
+                </a:solidFill>
+                <a:latin typeface="+mn-lt"/>
+                <a:ea typeface="+mn-ea"/>
+                <a:cs typeface="+mn-cs"/>
+              </a:defRPr>
+            </a:lvl4pPr>
+            <a:lvl5pPr marL="1828800" algn="l" defTabSz="914400" rtl="0" eaLnBrk="1" latinLnBrk="0" hangingPunct="1">
+              <a:defRPr sz="1800" kern="1200">
+                <a:solidFill>
+                  <a:schemeClr val="tx1"/>
+                </a:solidFill>
+                <a:latin typeface="+mn-lt"/>
+                <a:ea typeface="+mn-ea"/>
+                <a:cs typeface="+mn-cs"/>
+              </a:defRPr>
+            </a:lvl5pPr>
+            <a:lvl6pPr marL="2286000" algn="l" defTabSz="914400" rtl="0" eaLnBrk="1" latinLnBrk="0" hangingPunct="1">
+              <a:defRPr sz="1800" kern="1200">
+                <a:solidFill>
+                  <a:schemeClr val="tx1"/>
+                </a:solidFill>
+                <a:latin typeface="+mn-lt"/>
+                <a:ea typeface="+mn-ea"/>
+                <a:cs typeface="+mn-cs"/>
+              </a:defRPr>
+            </a:lvl6pPr>
+            <a:lvl7pPr marL="2743200" algn="l" defTabSz="914400" rtl="0" eaLnBrk="1" latinLnBrk="0" hangingPunct="1">
+              <a:defRPr sz="1800" kern="1200">
+                <a:solidFill>
+                  <a:schemeClr val="tx1"/>
+                </a:solidFill>
+                <a:latin typeface="+mn-lt"/>
+                <a:ea typeface="+mn-ea"/>
+                <a:cs typeface="+mn-cs"/>
+              </a:defRPr>
+            </a:lvl7pPr>
+            <a:lvl8pPr marL="3200400" algn="l" defTabSz="914400" rtl="0" eaLnBrk="1" latinLnBrk="0" hangingPunct="1">
+              <a:defRPr sz="1800" kern="1200">
+                <a:solidFill>
+                  <a:schemeClr val="tx1"/>
+                </a:solidFill>
+                <a:latin typeface="+mn-lt"/>
+                <a:ea typeface="+mn-ea"/>
+                <a:cs typeface="+mn-cs"/>
+              </a:defRPr>
+            </a:lvl8pPr>
+            <a:lvl9pPr marL="3657600" algn="l" defTabSz="914400" rtl="0" eaLnBrk="1" latinLnBrk="0" hangingPunct="1">
+              <a:defRPr sz="1800" kern="1200">
+                <a:solidFill>
+                  <a:schemeClr val="tx1"/>
+                </a:solidFill>
+                <a:latin typeface="+mn-lt"/>
+                <a:ea typeface="+mn-ea"/>
+                <a:cs typeface="+mn-cs"/>
+              </a:defRPr>
+            </a:lvl9pPr>
+          </a:lstStyle>
+          <a:p>
+            <a:pPr algn="ctr"/>
+            <a:r>
+              <a:rPr lang="en-US" sz="3000" b="1" dirty="0">
+                <a:solidFill>
+                  <a:srgbClr val="FF0000"/>
+                </a:solidFill>
+                <a:latin typeface="Times New Roman" panose="02020603050405020304" pitchFamily="18" charset="0"/>
+                <a:cs typeface="Times New Roman" panose="02020603050405020304" pitchFamily="18" charset="0"/>
+              </a:rPr>
+              <a:t>So </a:t>
+            </a:r>
+            <a:r>
+              <a:rPr lang="en-US" sz="3000" b="1" dirty="0" err="1">
+                <a:solidFill>
+                  <a:srgbClr val="FF0000"/>
+                </a:solidFill>
+                <a:latin typeface="Times New Roman" panose="02020603050405020304" pitchFamily="18" charset="0"/>
+                <a:cs typeface="Times New Roman" panose="02020603050405020304" pitchFamily="18" charset="0"/>
+              </a:rPr>
+              <a:t>Sánh</a:t>
+            </a:r>
+            <a:r>
+              <a:rPr lang="en-US" sz="3000" b="1" dirty="0">
+                <a:solidFill>
+                  <a:srgbClr val="FF0000"/>
+                </a:solidFill>
+                <a:latin typeface="Times New Roman" panose="02020603050405020304" pitchFamily="18" charset="0"/>
+                <a:cs typeface="Times New Roman" panose="02020603050405020304" pitchFamily="18" charset="0"/>
+              </a:rPr>
+              <a:t> Bitbucket &amp; </a:t>
+            </a:r>
+            <a:r>
+              <a:rPr lang="en-US" sz="3000" b="1" dirty="0" err="1">
+                <a:solidFill>
+                  <a:srgbClr val="FF0000"/>
+                </a:solidFill>
+                <a:latin typeface="Times New Roman" panose="02020603050405020304" pitchFamily="18" charset="0"/>
+                <a:cs typeface="Times New Roman" panose="02020603050405020304" pitchFamily="18" charset="0"/>
+              </a:rPr>
+              <a:t>Github</a:t>
+            </a:r>
+            <a:endParaRPr lang="en-US" sz="3000" b="1" dirty="0">
+              <a:solidFill>
+                <a:srgbClr val="FF0000"/>
+              </a:solidFill>
+              <a:latin typeface="Times New Roman" panose="02020603050405020304" pitchFamily="18" charset="0"/>
+              <a:cs typeface="Times New Roman" panose="02020603050405020304" pitchFamily="18" charset="0"/>
+            </a:endParaRPr>
+          </a:p>
+        </p:txBody>
+      </p:sp>
+      <p:graphicFrame>
+        <p:nvGraphicFramePr>
+          <p:cNvPr id="5" name="Table 5">
+            <a:extLst>
+              <a:ext uri="{FF2B5EF4-FFF2-40B4-BE49-F238E27FC236}">
+                <a16:creationId xmlns:a16="http://schemas.microsoft.com/office/drawing/2014/main" id="{4C78874A-430A-4AE6-A7EE-B842733E5758}"/>
+              </a:ext>
+            </a:extLst>
+          </p:cNvPr>
+          <p:cNvGraphicFramePr>
+            <a:graphicFrameLocks noGrp="1"/>
+          </p:cNvGraphicFramePr>
+          <p:nvPr>
+            <p:extLst>
+              <p:ext uri="{D42A27DB-BD31-4B8C-83A1-F6EECF244321}">
+                <p14:modId xmlns:p14="http://schemas.microsoft.com/office/powerpoint/2010/main" val="154176432"/>
+              </p:ext>
+            </p:extLst>
+          </p:nvPr>
+        </p:nvGraphicFramePr>
+        <p:xfrm>
+          <a:off x="0" y="1585184"/>
+          <a:ext cx="9144000" cy="4689198"/>
+        </p:xfrm>
+        <a:graphic>
+          <a:graphicData uri="http://schemas.openxmlformats.org/drawingml/2006/table">
+            <a:tbl>
+              <a:tblPr firstRow="1" bandRow="1">
+                <a:tableStyleId>{5C22544A-7EE6-4342-B048-85BDC9FD1C3A}</a:tableStyleId>
+              </a:tblPr>
+              <a:tblGrid>
+                <a:gridCol w="1902941">
+                  <a:extLst>
+                    <a:ext uri="{9D8B030D-6E8A-4147-A177-3AD203B41FA5}">
+                      <a16:colId xmlns:a16="http://schemas.microsoft.com/office/drawing/2014/main" val="3564408920"/>
+                    </a:ext>
+                  </a:extLst>
+                </a:gridCol>
+                <a:gridCol w="4193059">
+                  <a:extLst>
+                    <a:ext uri="{9D8B030D-6E8A-4147-A177-3AD203B41FA5}">
+                      <a16:colId xmlns:a16="http://schemas.microsoft.com/office/drawing/2014/main" val="2652272397"/>
+                    </a:ext>
+                  </a:extLst>
+                </a:gridCol>
+                <a:gridCol w="3048000">
+                  <a:extLst>
+                    <a:ext uri="{9D8B030D-6E8A-4147-A177-3AD203B41FA5}">
+                      <a16:colId xmlns:a16="http://schemas.microsoft.com/office/drawing/2014/main" val="3752606907"/>
+                    </a:ext>
+                  </a:extLst>
+                </a:gridCol>
+              </a:tblGrid>
+              <a:tr h="470079">
+                <a:tc>
+                  <a:txBody>
+                    <a:bodyPr/>
+                    <a:lstStyle/>
+                    <a:p>
+                      <a:r>
+                        <a:rPr lang="en-US" dirty="0" err="1"/>
+                        <a:t>Tính</a:t>
+                      </a:r>
+                      <a:r>
+                        <a:rPr lang="en-US" dirty="0"/>
+                        <a:t> </a:t>
+                      </a:r>
+                      <a:r>
+                        <a:rPr lang="en-US" dirty="0" err="1"/>
+                        <a:t>Năng</a:t>
+                      </a:r>
+                      <a:endParaRPr lang="en-US" dirty="0"/>
+                    </a:p>
+                  </a:txBody>
+                  <a:tcPr/>
+                </a:tc>
+                <a:tc>
+                  <a:txBody>
+                    <a:bodyPr/>
+                    <a:lstStyle/>
+                    <a:p>
+                      <a:r>
+                        <a:rPr lang="en-US" dirty="0"/>
+                        <a:t>Bitbucket</a:t>
+                      </a:r>
+                    </a:p>
+                  </a:txBody>
+                  <a:tcPr/>
+                </a:tc>
+                <a:tc>
+                  <a:txBody>
+                    <a:bodyPr/>
+                    <a:lstStyle/>
+                    <a:p>
+                      <a:r>
+                        <a:rPr lang="en-US" dirty="0" err="1"/>
+                        <a:t>Github</a:t>
+                      </a:r>
+                      <a:endParaRPr lang="en-US" dirty="0"/>
+                    </a:p>
+                  </a:txBody>
+                  <a:tcPr/>
+                </a:tc>
+                <a:extLst>
+                  <a:ext uri="{0D108BD9-81ED-4DB2-BD59-A6C34878D82A}">
+                    <a16:rowId xmlns:a16="http://schemas.microsoft.com/office/drawing/2014/main" val="665703505"/>
+                  </a:ext>
+                </a:extLst>
+              </a:tr>
+              <a:tr h="470079">
+                <a:tc>
+                  <a:txBody>
+                    <a:bodyPr/>
+                    <a:lstStyle/>
+                    <a:p>
+                      <a:r>
+                        <a:rPr lang="en-US" dirty="0"/>
+                        <a:t>VCS đ</a:t>
+                      </a:r>
+                      <a:r>
+                        <a:rPr lang="vi-VN" dirty="0"/>
+                        <a:t>ư</a:t>
+                      </a:r>
+                      <a:r>
+                        <a:rPr lang="en-US" dirty="0" err="1"/>
+                        <a:t>ợc</a:t>
+                      </a:r>
+                      <a:r>
+                        <a:rPr lang="en-US" dirty="0"/>
+                        <a:t> </a:t>
+                      </a:r>
+                      <a:r>
+                        <a:rPr lang="en-US" dirty="0" err="1"/>
+                        <a:t>hỗ</a:t>
+                      </a:r>
+                      <a:r>
+                        <a:rPr lang="en-US" dirty="0"/>
+                        <a:t> </a:t>
+                      </a:r>
+                      <a:r>
+                        <a:rPr lang="en-US" dirty="0" err="1"/>
+                        <a:t>trợ</a:t>
+                      </a:r>
+                      <a:endParaRPr lang="en-US" dirty="0"/>
+                    </a:p>
+                  </a:txBody>
+                  <a:tcPr/>
+                </a:tc>
+                <a:tc>
+                  <a:txBody>
+                    <a:bodyPr/>
+                    <a:lstStyle/>
+                    <a:p>
+                      <a:r>
+                        <a:rPr lang="en-US" dirty="0"/>
+                        <a:t>Mercurial, Git</a:t>
+                      </a:r>
+                    </a:p>
+                  </a:txBody>
+                  <a:tcPr/>
+                </a:tc>
+                <a:tc>
+                  <a:txBody>
+                    <a:bodyPr/>
+                    <a:lstStyle/>
+                    <a:p>
+                      <a:r>
+                        <a:rPr lang="en-US" dirty="0"/>
+                        <a:t>Git</a:t>
+                      </a:r>
+                    </a:p>
+                  </a:txBody>
+                  <a:tcPr/>
+                </a:tc>
+                <a:extLst>
+                  <a:ext uri="{0D108BD9-81ED-4DB2-BD59-A6C34878D82A}">
+                    <a16:rowId xmlns:a16="http://schemas.microsoft.com/office/drawing/2014/main" val="2110928280"/>
+                  </a:ext>
+                </a:extLst>
+              </a:tr>
+              <a:tr h="570947">
+                <a:tc>
+                  <a:txBody>
+                    <a:bodyPr/>
+                    <a:lstStyle/>
+                    <a:p>
+                      <a:r>
+                        <a:rPr lang="en-US" dirty="0"/>
+                        <a:t>Public Repositories</a:t>
+                      </a:r>
+                    </a:p>
+                  </a:txBody>
+                  <a:tcPr/>
+                </a:tc>
+                <a:tc>
+                  <a:txBody>
+                    <a:bodyPr/>
+                    <a:lstStyle/>
+                    <a:p>
+                      <a:r>
+                        <a:rPr lang="en-US" dirty="0" err="1"/>
+                        <a:t>Miễn</a:t>
+                      </a:r>
+                      <a:r>
+                        <a:rPr lang="en-US" dirty="0"/>
+                        <a:t> </a:t>
+                      </a:r>
+                      <a:r>
+                        <a:rPr lang="en-US" dirty="0" err="1"/>
+                        <a:t>phí</a:t>
+                      </a:r>
+                      <a:r>
+                        <a:rPr lang="en-US" dirty="0"/>
+                        <a:t>, </a:t>
+                      </a:r>
+                      <a:r>
+                        <a:rPr lang="en-US" dirty="0" err="1"/>
+                        <a:t>không</a:t>
+                      </a:r>
+                      <a:r>
+                        <a:rPr lang="en-US" dirty="0"/>
+                        <a:t> </a:t>
+                      </a:r>
+                      <a:r>
+                        <a:rPr lang="en-US" dirty="0" err="1"/>
+                        <a:t>giới</a:t>
+                      </a:r>
+                      <a:r>
+                        <a:rPr lang="en-US" dirty="0"/>
+                        <a:t> </a:t>
+                      </a:r>
+                      <a:r>
+                        <a:rPr lang="en-US" dirty="0" err="1"/>
+                        <a:t>hạn</a:t>
+                      </a:r>
+                      <a:r>
+                        <a:rPr lang="en-US" dirty="0"/>
+                        <a:t> </a:t>
+                      </a:r>
+                      <a:r>
+                        <a:rPr lang="en-US" dirty="0" err="1"/>
+                        <a:t>số</a:t>
+                      </a:r>
+                      <a:r>
+                        <a:rPr lang="en-US" dirty="0"/>
+                        <a:t> l</a:t>
+                      </a:r>
+                      <a:r>
+                        <a:rPr lang="vi-VN" dirty="0"/>
+                        <a:t>ư</a:t>
+                      </a:r>
+                      <a:r>
+                        <a:rPr lang="en-US" dirty="0" err="1"/>
+                        <a:t>ợng</a:t>
+                      </a:r>
+                      <a:endParaRPr lang="en-US" dirty="0"/>
+                    </a:p>
+                  </a:txBody>
+                  <a:tcPr/>
+                </a:tc>
+                <a:tc>
+                  <a:txBody>
+                    <a:bodyPr/>
+                    <a:lstStyle/>
+                    <a:p>
+                      <a:pPr marL="0" marR="0" lvl="0" indent="0" algn="l" defTabSz="914400" rtl="0" eaLnBrk="1" fontAlgn="auto" latinLnBrk="0" hangingPunct="1">
+                        <a:lnSpc>
+                          <a:spcPct val="100000"/>
+                        </a:lnSpc>
+                        <a:spcBef>
+                          <a:spcPts val="0"/>
+                        </a:spcBef>
+                        <a:spcAft>
+                          <a:spcPts val="0"/>
+                        </a:spcAft>
+                        <a:buClrTx/>
+                        <a:buSzTx/>
+                        <a:buFontTx/>
+                        <a:buNone/>
+                        <a:tabLst/>
+                        <a:defRPr/>
+                      </a:pPr>
+                      <a:r>
+                        <a:rPr lang="en-US" dirty="0" err="1"/>
+                        <a:t>Miễn</a:t>
+                      </a:r>
+                      <a:r>
+                        <a:rPr lang="en-US" dirty="0"/>
+                        <a:t> </a:t>
+                      </a:r>
+                      <a:r>
+                        <a:rPr lang="en-US" dirty="0" err="1"/>
+                        <a:t>phí</a:t>
+                      </a:r>
+                      <a:r>
+                        <a:rPr lang="en-US" dirty="0"/>
+                        <a:t>, </a:t>
+                      </a:r>
+                      <a:r>
+                        <a:rPr lang="en-US" dirty="0" err="1"/>
+                        <a:t>không</a:t>
+                      </a:r>
+                      <a:r>
+                        <a:rPr lang="en-US" dirty="0"/>
+                        <a:t> </a:t>
+                      </a:r>
+                      <a:r>
+                        <a:rPr lang="en-US" dirty="0" err="1"/>
+                        <a:t>giới</a:t>
+                      </a:r>
+                      <a:r>
+                        <a:rPr lang="en-US" dirty="0"/>
+                        <a:t> </a:t>
+                      </a:r>
+                      <a:r>
+                        <a:rPr lang="en-US" dirty="0" err="1"/>
+                        <a:t>hạn</a:t>
+                      </a:r>
+                      <a:r>
+                        <a:rPr lang="en-US" dirty="0"/>
+                        <a:t> </a:t>
+                      </a:r>
+                      <a:r>
+                        <a:rPr lang="en-US" dirty="0" err="1"/>
+                        <a:t>số</a:t>
+                      </a:r>
+                      <a:r>
+                        <a:rPr lang="en-US" dirty="0"/>
+                        <a:t> l</a:t>
+                      </a:r>
+                      <a:r>
+                        <a:rPr lang="vi-VN" dirty="0"/>
+                        <a:t>ư</a:t>
+                      </a:r>
+                      <a:r>
+                        <a:rPr lang="en-US" dirty="0" err="1"/>
+                        <a:t>ợng</a:t>
+                      </a:r>
+                      <a:endParaRPr lang="en-US" dirty="0"/>
+                    </a:p>
+                  </a:txBody>
+                  <a:tcPr/>
+                </a:tc>
+                <a:extLst>
+                  <a:ext uri="{0D108BD9-81ED-4DB2-BD59-A6C34878D82A}">
+                    <a16:rowId xmlns:a16="http://schemas.microsoft.com/office/drawing/2014/main" val="3566849602"/>
+                  </a:ext>
+                </a:extLst>
+              </a:tr>
+              <a:tr h="570947">
+                <a:tc>
+                  <a:txBody>
+                    <a:bodyPr/>
+                    <a:lstStyle/>
+                    <a:p>
+                      <a:pPr marL="0" marR="0" lvl="0" indent="0" algn="l" defTabSz="914400" rtl="0" eaLnBrk="1" fontAlgn="auto" latinLnBrk="0" hangingPunct="1">
+                        <a:lnSpc>
+                          <a:spcPct val="100000"/>
+                        </a:lnSpc>
+                        <a:spcBef>
+                          <a:spcPts val="0"/>
+                        </a:spcBef>
+                        <a:spcAft>
+                          <a:spcPts val="0"/>
+                        </a:spcAft>
+                        <a:buClrTx/>
+                        <a:buSzTx/>
+                        <a:buFontTx/>
+                        <a:buNone/>
+                        <a:tabLst/>
+                        <a:defRPr/>
+                      </a:pPr>
+                      <a:r>
+                        <a:rPr lang="en-US" dirty="0"/>
+                        <a:t>Private Repositories</a:t>
+                      </a:r>
+                    </a:p>
+                  </a:txBody>
+                  <a:tcPr/>
+                </a:tc>
+                <a:tc>
+                  <a:txBody>
+                    <a:bodyPr/>
+                    <a:lstStyle/>
+                    <a:p>
+                      <a:r>
+                        <a:rPr lang="en-US" dirty="0" err="1"/>
+                        <a:t>Miễn</a:t>
+                      </a:r>
+                      <a:r>
+                        <a:rPr lang="en-US" dirty="0"/>
+                        <a:t> </a:t>
+                      </a:r>
+                      <a:r>
+                        <a:rPr lang="en-US" dirty="0" err="1"/>
+                        <a:t>phí</a:t>
+                      </a:r>
+                      <a:r>
+                        <a:rPr lang="en-US" dirty="0"/>
+                        <a:t> </a:t>
+                      </a:r>
+                      <a:r>
+                        <a:rPr lang="en-US" dirty="0" err="1"/>
+                        <a:t>cho</a:t>
+                      </a:r>
+                      <a:r>
+                        <a:rPr lang="en-US" dirty="0"/>
+                        <a:t> </a:t>
+                      </a:r>
+                      <a:r>
+                        <a:rPr lang="en-US" dirty="0" err="1"/>
+                        <a:t>nhóm</a:t>
+                      </a:r>
+                      <a:r>
+                        <a:rPr lang="en-US" dirty="0"/>
+                        <a:t> 5 ng</a:t>
+                      </a:r>
+                      <a:r>
+                        <a:rPr lang="vi-VN" dirty="0"/>
+                        <a:t>ư</a:t>
+                      </a:r>
+                      <a:r>
+                        <a:rPr lang="en-US" dirty="0" err="1"/>
+                        <a:t>ời</a:t>
+                      </a:r>
+                      <a:r>
+                        <a:rPr lang="en-US" dirty="0"/>
+                        <a:t> </a:t>
+                      </a:r>
+                      <a:r>
+                        <a:rPr lang="en-US" dirty="0" err="1"/>
+                        <a:t>trở</a:t>
+                      </a:r>
+                      <a:r>
+                        <a:rPr lang="en-US" dirty="0"/>
+                        <a:t> </a:t>
+                      </a:r>
+                      <a:r>
+                        <a:rPr lang="en-US" dirty="0" err="1"/>
+                        <a:t>xuống</a:t>
+                      </a:r>
+                      <a:endParaRPr lang="en-US" dirty="0"/>
+                    </a:p>
+                  </a:txBody>
+                  <a:tcPr/>
+                </a:tc>
+                <a:tc>
+                  <a:txBody>
+                    <a:bodyPr/>
+                    <a:lstStyle/>
+                    <a:p>
+                      <a:r>
+                        <a:rPr lang="en-US" dirty="0"/>
+                        <a:t>7$/</a:t>
+                      </a:r>
+                      <a:r>
+                        <a:rPr lang="en-US" dirty="0" err="1"/>
+                        <a:t>tháng</a:t>
+                      </a:r>
+                      <a:r>
+                        <a:rPr lang="en-US" dirty="0"/>
+                        <a:t>, </a:t>
+                      </a:r>
+                      <a:r>
+                        <a:rPr lang="en-US" dirty="0" err="1"/>
+                        <a:t>không</a:t>
+                      </a:r>
+                      <a:r>
+                        <a:rPr lang="en-US" dirty="0"/>
+                        <a:t> </a:t>
+                      </a:r>
+                      <a:r>
+                        <a:rPr lang="en-US" dirty="0" err="1"/>
+                        <a:t>giới</a:t>
+                      </a:r>
+                      <a:r>
+                        <a:rPr lang="en-US" dirty="0"/>
+                        <a:t> </a:t>
+                      </a:r>
+                      <a:r>
+                        <a:rPr lang="en-US" dirty="0" err="1"/>
+                        <a:t>hạn</a:t>
+                      </a:r>
+                      <a:r>
+                        <a:rPr lang="en-US" dirty="0"/>
+                        <a:t> </a:t>
+                      </a:r>
+                      <a:r>
+                        <a:rPr lang="en-US" dirty="0" err="1"/>
+                        <a:t>số</a:t>
+                      </a:r>
+                      <a:r>
+                        <a:rPr lang="en-US" dirty="0"/>
+                        <a:t> ng</a:t>
+                      </a:r>
+                      <a:r>
+                        <a:rPr lang="vi-VN" dirty="0"/>
+                        <a:t>ư</a:t>
+                      </a:r>
+                      <a:r>
+                        <a:rPr lang="en-US" dirty="0" err="1"/>
+                        <a:t>ời</a:t>
+                      </a:r>
+                      <a:r>
+                        <a:rPr lang="en-US" dirty="0"/>
+                        <a:t> </a:t>
+                      </a:r>
+                      <a:r>
+                        <a:rPr lang="en-US" dirty="0" err="1"/>
+                        <a:t>dùng</a:t>
+                      </a:r>
+                      <a:endParaRPr lang="en-US" dirty="0"/>
+                    </a:p>
+                  </a:txBody>
+                  <a:tcPr/>
+                </a:tc>
+                <a:extLst>
+                  <a:ext uri="{0D108BD9-81ED-4DB2-BD59-A6C34878D82A}">
+                    <a16:rowId xmlns:a16="http://schemas.microsoft.com/office/drawing/2014/main" val="3161730755"/>
+                  </a:ext>
+                </a:extLst>
+              </a:tr>
+              <a:tr h="815639">
+                <a:tc>
+                  <a:txBody>
+                    <a:bodyPr/>
+                    <a:lstStyle/>
+                    <a:p>
+                      <a:r>
+                        <a:rPr lang="en-US" dirty="0" err="1"/>
+                        <a:t>Tích</a:t>
+                      </a:r>
+                      <a:r>
+                        <a:rPr lang="en-US" dirty="0"/>
+                        <a:t> </a:t>
+                      </a:r>
+                      <a:r>
+                        <a:rPr lang="en-US" dirty="0" err="1"/>
+                        <a:t>hợp</a:t>
+                      </a:r>
+                      <a:endParaRPr lang="en-US" dirty="0"/>
+                    </a:p>
+                  </a:txBody>
+                  <a:tcPr/>
+                </a:tc>
+                <a:tc>
+                  <a:txBody>
+                    <a:bodyPr/>
+                    <a:lstStyle/>
+                    <a:p>
+                      <a:r>
+                        <a:rPr lang="en-US" dirty="0"/>
+                        <a:t>Jira, Crucible, Jenkins, Bamboo</a:t>
+                      </a:r>
+                    </a:p>
+                  </a:txBody>
+                  <a:tcPr/>
+                </a:tc>
+                <a:tc>
+                  <a:txBody>
+                    <a:bodyPr/>
+                    <a:lstStyle/>
+                    <a:p>
+                      <a:r>
+                        <a:rPr lang="en-US" dirty="0"/>
+                        <a:t>Asana, Zendesk, </a:t>
+                      </a:r>
+                      <a:r>
+                        <a:rPr lang="en-US" dirty="0" err="1"/>
+                        <a:t>CloudBees</a:t>
+                      </a:r>
+                      <a:r>
+                        <a:rPr lang="en-US" dirty="0"/>
+                        <a:t>, </a:t>
+                      </a:r>
+                      <a:r>
+                        <a:rPr lang="en-US" dirty="0" err="1"/>
+                        <a:t>CodeClimate</a:t>
+                      </a:r>
+                      <a:r>
+                        <a:rPr lang="en-US" dirty="0"/>
+                        <a:t>, AWS, Windows Azure, Google Cloud, Heroku</a:t>
+                      </a:r>
+                    </a:p>
+                  </a:txBody>
+                  <a:tcPr/>
+                </a:tc>
+                <a:extLst>
+                  <a:ext uri="{0D108BD9-81ED-4DB2-BD59-A6C34878D82A}">
+                    <a16:rowId xmlns:a16="http://schemas.microsoft.com/office/drawing/2014/main" val="3249433736"/>
+                  </a:ext>
+                </a:extLst>
+              </a:tr>
+              <a:tr h="570947">
+                <a:tc>
+                  <a:txBody>
+                    <a:bodyPr/>
+                    <a:lstStyle/>
+                    <a:p>
+                      <a:r>
+                        <a:rPr lang="en-US" dirty="0"/>
+                        <a:t>Host l</a:t>
+                      </a:r>
+                      <a:r>
+                        <a:rPr lang="vi-VN" dirty="0"/>
+                        <a:t>ư</a:t>
+                      </a:r>
+                      <a:r>
+                        <a:rPr lang="en-US" dirty="0"/>
+                        <a:t>u </a:t>
+                      </a:r>
+                      <a:r>
+                        <a:rPr lang="en-US" dirty="0" err="1"/>
+                        <a:t>trữ</a:t>
+                      </a:r>
+                      <a:r>
+                        <a:rPr lang="en-US" dirty="0"/>
+                        <a:t> </a:t>
+                      </a:r>
+                      <a:r>
+                        <a:rPr lang="en-US" dirty="0" err="1"/>
+                        <a:t>dự</a:t>
+                      </a:r>
+                      <a:r>
+                        <a:rPr lang="en-US" dirty="0"/>
+                        <a:t> </a:t>
+                      </a:r>
+                      <a:r>
+                        <a:rPr lang="en-US" dirty="0" err="1"/>
+                        <a:t>án</a:t>
+                      </a:r>
+                      <a:r>
+                        <a:rPr lang="en-US" dirty="0"/>
+                        <a:t> </a:t>
+                      </a:r>
+                      <a:r>
+                        <a:rPr lang="en-US" dirty="0" err="1"/>
+                        <a:t>phổ</a:t>
+                      </a:r>
+                      <a:r>
+                        <a:rPr lang="en-US" dirty="0"/>
+                        <a:t> </a:t>
+                      </a:r>
+                      <a:r>
+                        <a:rPr lang="en-US" dirty="0" err="1"/>
+                        <a:t>biến</a:t>
+                      </a:r>
+                      <a:endParaRPr lang="en-US" dirty="0"/>
+                    </a:p>
+                  </a:txBody>
+                  <a:tcPr/>
+                </a:tc>
+                <a:tc>
+                  <a:txBody>
+                    <a:bodyPr/>
+                    <a:lstStyle/>
+                    <a:p>
+                      <a:r>
+                        <a:rPr lang="en-US" dirty="0" err="1"/>
+                        <a:t>Adium</a:t>
+                      </a:r>
+                      <a:r>
+                        <a:rPr lang="en-US" dirty="0"/>
+                        <a:t>, Mailchimp, Opera, Python, Django</a:t>
+                      </a:r>
+                    </a:p>
+                  </a:txBody>
+                  <a:tcPr/>
+                </a:tc>
+                <a:tc>
+                  <a:txBody>
+                    <a:bodyPr/>
+                    <a:lstStyle/>
+                    <a:p>
+                      <a:r>
+                        <a:rPr lang="en-US" dirty="0"/>
+                        <a:t>Bootstrap, Node.js, jQuery, Rails, Homebrew</a:t>
+                      </a:r>
+                    </a:p>
+                  </a:txBody>
+                  <a:tcPr/>
+                </a:tc>
+                <a:extLst>
+                  <a:ext uri="{0D108BD9-81ED-4DB2-BD59-A6C34878D82A}">
+                    <a16:rowId xmlns:a16="http://schemas.microsoft.com/office/drawing/2014/main" val="3029666413"/>
+                  </a:ext>
+                </a:extLst>
+              </a:tr>
+              <a:tr h="815639">
+                <a:tc>
+                  <a:txBody>
+                    <a:bodyPr/>
+                    <a:lstStyle/>
+                    <a:p>
+                      <a:r>
+                        <a:rPr lang="en-US" dirty="0" err="1"/>
+                        <a:t>Tính</a:t>
+                      </a:r>
+                      <a:r>
+                        <a:rPr lang="en-US" dirty="0"/>
+                        <a:t> </a:t>
+                      </a:r>
+                      <a:r>
+                        <a:rPr lang="en-US" dirty="0" err="1"/>
+                        <a:t>năng</a:t>
+                      </a:r>
+                      <a:r>
+                        <a:rPr lang="en-US" dirty="0"/>
+                        <a:t> </a:t>
+                      </a:r>
+                      <a:r>
+                        <a:rPr lang="en-US" dirty="0" err="1"/>
+                        <a:t>mở</a:t>
+                      </a:r>
+                      <a:r>
+                        <a:rPr lang="en-US" dirty="0"/>
+                        <a:t> </a:t>
+                      </a:r>
+                      <a:r>
+                        <a:rPr lang="en-US" dirty="0" err="1"/>
+                        <a:t>rộng</a:t>
+                      </a:r>
+                      <a:r>
+                        <a:rPr lang="en-US" dirty="0"/>
+                        <a:t> </a:t>
+                      </a:r>
+                      <a:r>
+                        <a:rPr lang="en-US" dirty="0" err="1"/>
+                        <a:t>nổi</a:t>
+                      </a:r>
+                      <a:r>
+                        <a:rPr lang="en-US" dirty="0"/>
+                        <a:t> </a:t>
+                      </a:r>
+                      <a:r>
+                        <a:rPr lang="en-US" dirty="0" err="1"/>
+                        <a:t>bật</a:t>
+                      </a:r>
+                      <a:endParaRPr lang="en-US" dirty="0"/>
+                    </a:p>
+                  </a:txBody>
+                  <a:tcPr/>
+                </a:tc>
+                <a:tc>
+                  <a:txBody>
+                    <a:bodyPr/>
+                    <a:lstStyle/>
+                    <a:p>
+                      <a:r>
+                        <a:rPr lang="en-US" dirty="0"/>
+                        <a:t>Spoon, Jira Integration, External Authentication, Via </a:t>
+                      </a:r>
+                      <a:r>
+                        <a:rPr lang="en-US" dirty="0" err="1"/>
+                        <a:t>Github</a:t>
+                      </a:r>
+                      <a:r>
+                        <a:rPr lang="en-US" dirty="0"/>
+                        <a:t>, Twitter, Facebook, Google</a:t>
+                      </a:r>
+                    </a:p>
+                  </a:txBody>
+                  <a:tcPr/>
+                </a:tc>
+                <a:tc>
+                  <a:txBody>
+                    <a:bodyPr/>
+                    <a:lstStyle/>
+                    <a:p>
+                      <a:r>
+                        <a:rPr lang="en-US" dirty="0" err="1"/>
+                        <a:t>Xác</a:t>
+                      </a:r>
+                      <a:r>
+                        <a:rPr lang="en-US" dirty="0"/>
+                        <a:t> </a:t>
+                      </a:r>
+                      <a:r>
+                        <a:rPr lang="en-US" dirty="0" err="1"/>
+                        <a:t>nhận</a:t>
+                      </a:r>
+                      <a:r>
+                        <a:rPr lang="en-US" dirty="0"/>
+                        <a:t> 2 </a:t>
+                      </a:r>
+                      <a:r>
+                        <a:rPr lang="en-US" dirty="0" err="1"/>
+                        <a:t>lớp</a:t>
+                      </a:r>
+                      <a:r>
+                        <a:rPr lang="en-US" dirty="0"/>
+                        <a:t>, </a:t>
+                      </a:r>
+                      <a:r>
+                        <a:rPr lang="en-US" dirty="0" err="1"/>
+                        <a:t>Github</a:t>
+                      </a:r>
+                      <a:r>
+                        <a:rPr lang="en-US" dirty="0"/>
+                        <a:t> Pages, </a:t>
+                      </a:r>
+                      <a:r>
+                        <a:rPr lang="en-US" dirty="0" err="1"/>
+                        <a:t>Github</a:t>
+                      </a:r>
+                      <a:r>
+                        <a:rPr lang="en-US" dirty="0"/>
+                        <a:t> </a:t>
+                      </a:r>
+                      <a:r>
+                        <a:rPr lang="en-US" dirty="0" err="1"/>
+                        <a:t>Gists</a:t>
+                      </a:r>
+                      <a:endParaRPr lang="en-US" dirty="0"/>
+                    </a:p>
+                  </a:txBody>
+                  <a:tcPr/>
+                </a:tc>
+                <a:extLst>
+                  <a:ext uri="{0D108BD9-81ED-4DB2-BD59-A6C34878D82A}">
+                    <a16:rowId xmlns:a16="http://schemas.microsoft.com/office/drawing/2014/main" val="179163796"/>
+                  </a:ext>
+                </a:extLst>
+              </a:tr>
+            </a:tbl>
+          </a:graphicData>
+        </a:graphic>
+      </p:graphicFrame>
+    </p:spTree>
+    <p:extLst>
+      <p:ext uri="{BB962C8B-B14F-4D97-AF65-F5344CB8AC3E}">
+        <p14:creationId xmlns:p14="http://schemas.microsoft.com/office/powerpoint/2010/main" val="3474235683"/>
+      </p:ext>
+    </p:extLst>
+  </p:cSld>
+  <p:clrMapOvr>
+    <a:masterClrMapping/>
+  </p:clrMapOvr>
+</p:sld>
+</file>
+
+<file path=ppt/slides/slide12.xml><?xml version="1.0" encoding="utf-8"?>
+<p:sld xmlns:a="http://schemas.openxmlformats.org/drawingml/2006/main" xmlns:r="http://schemas.openxmlformats.org/officeDocument/2006/relationships" xmlns:p="http://schemas.openxmlformats.org/presentationml/2006/main">
+  <p:cSld>
+    <p:spTree>
+      <p:nvGrpSpPr>
+        <p:cNvPr id="1" name="Shape 605"/>
+        <p:cNvGrpSpPr/>
+        <p:nvPr/>
+      </p:nvGrpSpPr>
+      <p:grpSpPr>
+        <a:xfrm>
+          <a:off x="0" y="0"/>
+          <a:ext cx="0" cy="0"/>
+          <a:chOff x="0" y="0"/>
+          <a:chExt cx="0" cy="0"/>
+        </a:xfrm>
+      </p:grpSpPr>
+      <p:sp>
+        <p:nvSpPr>
+          <p:cNvPr id="32" name="Rectangle 31">
+            <a:extLst>
+              <a:ext uri="{FF2B5EF4-FFF2-40B4-BE49-F238E27FC236}">
+                <a16:creationId xmlns:a16="http://schemas.microsoft.com/office/drawing/2014/main" id="{3D793483-F58F-402A-B803-364EF2E02B12}"/>
+              </a:ext>
+            </a:extLst>
+          </p:cNvPr>
+          <p:cNvSpPr/>
+          <p:nvPr/>
+        </p:nvSpPr>
+        <p:spPr>
+          <a:xfrm>
+            <a:off x="-391075" y="2558848"/>
+            <a:ext cx="6210780" cy="553998"/>
+          </a:xfrm>
+          <a:prstGeom prst="rect">
+            <a:avLst/>
+          </a:prstGeom>
+          <a:noFill/>
+          <a:ln>
+            <a:noFill/>
+          </a:ln>
+        </p:spPr>
+        <p:txBody>
+          <a:bodyPr wrap="square">
+            <a:spAutoFit/>
+          </a:bodyPr>
+          <a:lstStyle/>
+          <a:p>
+            <a:pPr algn="ctr"/>
+            <a:r>
+              <a:rPr lang="en-US" sz="3000" b="1" dirty="0" err="1">
+                <a:solidFill>
+                  <a:srgbClr val="002060"/>
+                </a:solidFill>
+                <a:latin typeface="Times New Roman" panose="02020603050405020304" pitchFamily="18" charset="0"/>
+                <a:ea typeface="Arial" charset="0"/>
+                <a:cs typeface="Times New Roman" panose="02020603050405020304" pitchFamily="18" charset="0"/>
+              </a:rPr>
+              <a:t>Mọi</a:t>
+            </a:r>
+            <a:r>
+              <a:rPr lang="en-US" sz="3000" b="1" dirty="0">
+                <a:solidFill>
+                  <a:srgbClr val="002060"/>
+                </a:solidFill>
+                <a:latin typeface="Times New Roman" panose="02020603050405020304" pitchFamily="18" charset="0"/>
+                <a:ea typeface="Arial" charset="0"/>
+                <a:cs typeface="Times New Roman" panose="02020603050405020304" pitchFamily="18" charset="0"/>
+              </a:rPr>
+              <a:t> </a:t>
+            </a:r>
+            <a:r>
+              <a:rPr lang="en-US" sz="3000" b="1" dirty="0" err="1">
+                <a:solidFill>
+                  <a:srgbClr val="002060"/>
+                </a:solidFill>
+                <a:latin typeface="Times New Roman" panose="02020603050405020304" pitchFamily="18" charset="0"/>
+                <a:ea typeface="Arial" charset="0"/>
+                <a:cs typeface="Times New Roman" panose="02020603050405020304" pitchFamily="18" charset="0"/>
+              </a:rPr>
+              <a:t>Người</a:t>
+            </a:r>
+            <a:r>
+              <a:rPr lang="en-US" sz="3000" b="1" dirty="0">
+                <a:solidFill>
+                  <a:srgbClr val="002060"/>
+                </a:solidFill>
+                <a:latin typeface="Times New Roman" panose="02020603050405020304" pitchFamily="18" charset="0"/>
+                <a:ea typeface="Arial" charset="0"/>
+                <a:cs typeface="Times New Roman" panose="02020603050405020304" pitchFamily="18" charset="0"/>
+              </a:rPr>
+              <a:t> </a:t>
+            </a:r>
+            <a:r>
+              <a:rPr lang="en-US" sz="3000" b="1" dirty="0" err="1">
+                <a:solidFill>
+                  <a:srgbClr val="002060"/>
+                </a:solidFill>
+                <a:latin typeface="Times New Roman" panose="02020603050405020304" pitchFamily="18" charset="0"/>
+                <a:ea typeface="Arial" charset="0"/>
+                <a:cs typeface="Times New Roman" panose="02020603050405020304" pitchFamily="18" charset="0"/>
+              </a:rPr>
+              <a:t>Đã</a:t>
+            </a:r>
+            <a:r>
+              <a:rPr lang="en-US" sz="3000" b="1" dirty="0">
+                <a:solidFill>
+                  <a:srgbClr val="002060"/>
+                </a:solidFill>
+                <a:latin typeface="Times New Roman" panose="02020603050405020304" pitchFamily="18" charset="0"/>
+                <a:ea typeface="Arial" charset="0"/>
+                <a:cs typeface="Times New Roman" panose="02020603050405020304" pitchFamily="18" charset="0"/>
+              </a:rPr>
+              <a:t> </a:t>
+            </a:r>
+            <a:r>
+              <a:rPr lang="en-US" sz="3000" b="1" dirty="0" err="1">
+                <a:solidFill>
+                  <a:srgbClr val="002060"/>
+                </a:solidFill>
+                <a:latin typeface="Times New Roman" panose="02020603050405020304" pitchFamily="18" charset="0"/>
+                <a:ea typeface="Arial" charset="0"/>
+                <a:cs typeface="Times New Roman" panose="02020603050405020304" pitchFamily="18" charset="0"/>
+              </a:rPr>
+              <a:t>Lắng</a:t>
+            </a:r>
+            <a:r>
+              <a:rPr lang="en-US" sz="3000" b="1" dirty="0">
+                <a:solidFill>
+                  <a:srgbClr val="002060"/>
+                </a:solidFill>
+                <a:latin typeface="Times New Roman" panose="02020603050405020304" pitchFamily="18" charset="0"/>
+                <a:ea typeface="Arial" charset="0"/>
+                <a:cs typeface="Times New Roman" panose="02020603050405020304" pitchFamily="18" charset="0"/>
+              </a:rPr>
+              <a:t> Nghe</a:t>
+            </a:r>
+          </a:p>
+        </p:txBody>
+      </p:sp>
+    </p:spTree>
+    <p:extLst>
+      <p:ext uri="{BB962C8B-B14F-4D97-AF65-F5344CB8AC3E}">
+        <p14:creationId xmlns:p14="http://schemas.microsoft.com/office/powerpoint/2010/main" val="3347329854"/>
+      </p:ext>
+    </p:extLst>
+  </p:cSld>
+  <p:clrMapOvr>
+    <a:masterClrMapping/>
+  </p:clrMapOvr>
+  <p:transition spd="slow" advClick="0">
+    <p:push/>
+  </p:transition>
+  <p:timing>
+    <p:tnLst>
+      <p:par>
+        <p:cTn id="1" dur="indefinite" restart="never" nodeType="tmRoot">
+          <p:childTnLst>
+            <p:seq concurrent="1" nextAc="seek">
+              <p:cTn id="2" dur="indefinite" nodeType="mainSeq">
+                <p:childTnLst>
+                  <p:par>
+                    <p:cTn id="3" fill="hold">
+                      <p:stCondLst>
+                        <p:cond delay="indefinite"/>
+                        <p:cond evt="onBegin" delay="0">
+                          <p:tn val="2"/>
+                        </p:cond>
+                      </p:stCondLst>
+                      <p:childTnLst>
+                        <p:par>
+                          <p:cTn id="4" fill="hold">
+                            <p:stCondLst>
+                              <p:cond delay="0"/>
+                            </p:stCondLst>
+                            <p:childTnLst>
+                              <p:par>
+                                <p:cTn id="5" presetID="10" presetClass="entr" presetSubtype="0" fill="hold" grpId="0" nodeType="afterEffect">
+                                  <p:stCondLst>
+                                    <p:cond delay="0"/>
+                                  </p:stCondLst>
+                                  <p:childTnLst>
+                                    <p:set>
+                                      <p:cBhvr>
+                                        <p:cTn id="6" dur="1" fill="hold">
+                                          <p:stCondLst>
+                                            <p:cond delay="0"/>
+                                          </p:stCondLst>
+                                        </p:cTn>
+                                        <p:tgtEl>
+                                          <p:spTgt spid="32"/>
+                                        </p:tgtEl>
+                                        <p:attrNameLst>
+                                          <p:attrName>style.visibility</p:attrName>
+                                        </p:attrNameLst>
+                                      </p:cBhvr>
+                                      <p:to>
+                                        <p:strVal val="visible"/>
+                                      </p:to>
+                                    </p:set>
+                                    <p:animEffect transition="in" filter="fade">
+                                      <p:cBhvr>
+                                        <p:cTn id="7" dur="500"/>
+                                        <p:tgtEl>
+                                          <p:spTgt spid="32"/>
+                                        </p:tgtEl>
+                                      </p:cBhvr>
+                                    </p:animEffect>
+                                  </p:childTnLst>
+                                </p:cTn>
+                              </p:par>
+                            </p:childTnLst>
+                          </p:cTn>
+                        </p:par>
+                      </p:childTnLst>
+                    </p:cTn>
+                  </p:par>
+                </p:childTnLst>
+              </p:cTn>
+              <p:prevCondLst>
+                <p:cond evt="onPrev" delay="0">
+                  <p:tgtEl>
+                    <p:sldTgt/>
+                  </p:tgtEl>
+                </p:cond>
+              </p:prevCondLst>
+              <p:nextCondLst>
+                <p:cond evt="onNext" delay="0">
+                  <p:tgtEl>
+                    <p:sldTgt/>
+                  </p:tgtEl>
+                </p:cond>
+              </p:nextCondLst>
+            </p:seq>
+          </p:childTnLst>
+        </p:cTn>
+      </p:par>
+    </p:tnLst>
+    <p:bldLst>
+      <p:bldP spid="32" grpId="0"/>
     </p:bldLst>
   </p:timing>
 </p:sld>
@@ -19662,8 +21415,8 @@
         </p:nvSpPr>
         <p:spPr>
           <a:xfrm>
-            <a:off x="308919" y="1794857"/>
-            <a:ext cx="8560761" cy="3908762"/>
+            <a:off x="308920" y="1773271"/>
+            <a:ext cx="5881815" cy="4524315"/>
           </a:xfrm>
           <a:prstGeom prst="rect">
             <a:avLst/>
@@ -19676,17 +21429,13 @@
           </a:bodyPr>
           <a:lstStyle/>
           <a:p>
-            <a:pPr marL="285750" indent="-285750">
+            <a:pPr marL="285750" indent="-285750" algn="just">
               <a:buFont typeface="Wingdings" panose="05000000000000000000" pitchFamily="2" charset="2"/>
               <a:buChar char="v"/>
             </a:pPr>
             <a:r>
-              <a:rPr lang="en-US" sz="2000" dirty="0"/>
-              <a:t>Bitbucket </a:t>
-            </a:r>
-            <a:r>
               <a:rPr lang="en-US" sz="2000" dirty="0" err="1"/>
-              <a:t>là</a:t>
+              <a:t>Là</a:t>
             </a:r>
             <a:r>
               <a:rPr lang="en-US" sz="2000" dirty="0"/>
@@ -19798,20 +21547,20 @@
             </a:r>
           </a:p>
           <a:p>
-            <a:pPr marL="285750" indent="-285750">
+            <a:pPr marL="285750" indent="-285750" algn="just">
               <a:buFont typeface="Wingdings" panose="05000000000000000000" pitchFamily="2" charset="2"/>
               <a:buChar char="v"/>
             </a:pPr>
             <a:endParaRPr lang="en-US" sz="2000" dirty="0"/>
           </a:p>
           <a:p>
-            <a:pPr marL="285750" indent="-285750">
+            <a:pPr marL="285750" indent="-285750" algn="just">
               <a:buFont typeface="Wingdings" panose="05000000000000000000" pitchFamily="2" charset="2"/>
               <a:buChar char="v"/>
             </a:pPr>
             <a:r>
               <a:rPr lang="en-US" sz="2000" dirty="0" err="1"/>
-              <a:t>Dành</a:t>
+              <a:t>Hỗ</a:t>
             </a:r>
             <a:r>
               <a:rPr lang="en-US" sz="2000" dirty="0"/>
@@ -19819,7 +21568,7 @@
             </a:r>
             <a:r>
               <a:rPr lang="en-US" sz="2000" dirty="0" err="1"/>
-              <a:t>cho</a:t>
+              <a:t>trợ</a:t>
             </a:r>
             <a:r>
               <a:rPr lang="en-US" sz="2000" dirty="0"/>
@@ -19827,19 +21576,11 @@
             </a:r>
             <a:r>
               <a:rPr lang="en-US" sz="2000" dirty="0" err="1"/>
-              <a:t>mã</a:t>
+              <a:t>cả</a:t>
             </a:r>
             <a:r>
               <a:rPr lang="en-US" sz="2000" dirty="0"/>
-              <a:t> </a:t>
-            </a:r>
-            <a:r>
-              <a:rPr lang="en-US" sz="2000" dirty="0" err="1"/>
-              <a:t>nguồn</a:t>
-            </a:r>
-            <a:r>
-              <a:rPr lang="en-US" sz="2000" dirty="0"/>
-              <a:t> </a:t>
+              <a:t> Git </a:t>
             </a:r>
             <a:r>
               <a:rPr lang="en-US" sz="2000" dirty="0" err="1"/>
@@ -19847,140 +21588,28 @@
             </a:r>
             <a:r>
               <a:rPr lang="en-US" sz="2000" dirty="0"/>
-              <a:t> </a:t>
-            </a:r>
-            <a:r>
-              <a:rPr lang="en-US" sz="2000" dirty="0" err="1"/>
-              <a:t>các</a:t>
-            </a:r>
-            <a:r>
-              <a:rPr lang="en-US" sz="2000" dirty="0"/>
-              <a:t> </a:t>
-            </a:r>
-            <a:r>
-              <a:rPr lang="en-US" sz="2000" dirty="0" err="1"/>
-              <a:t>dự</a:t>
-            </a:r>
-            <a:r>
-              <a:rPr lang="en-US" sz="2000" dirty="0"/>
-              <a:t> </a:t>
-            </a:r>
-            <a:r>
-              <a:rPr lang="en-US" sz="2000" dirty="0" err="1"/>
-              <a:t>án</a:t>
-            </a:r>
-            <a:r>
-              <a:rPr lang="en-US" sz="2000" dirty="0"/>
-              <a:t> </a:t>
-            </a:r>
-            <a:r>
-              <a:rPr lang="en-US" sz="2000" dirty="0" err="1"/>
-              <a:t>phát</a:t>
-            </a:r>
-            <a:r>
-              <a:rPr lang="en-US" sz="2000" dirty="0"/>
-              <a:t> </a:t>
-            </a:r>
-            <a:r>
-              <a:rPr lang="en-US" sz="2000" dirty="0" err="1"/>
-              <a:t>triển</a:t>
-            </a:r>
-            <a:r>
-              <a:rPr lang="en-US" sz="2000" dirty="0"/>
-              <a:t> </a:t>
-            </a:r>
-            <a:r>
-              <a:rPr lang="en-US" sz="2000" dirty="0" err="1"/>
-              <a:t>sử</a:t>
-            </a:r>
-            <a:r>
-              <a:rPr lang="en-US" sz="2000" dirty="0"/>
-              <a:t> </a:t>
-            </a:r>
-            <a:r>
-              <a:rPr lang="en-US" sz="2000" dirty="0" err="1"/>
-              <a:t>dụng</a:t>
-            </a:r>
-            <a:r>
-              <a:rPr lang="en-US" sz="2000" dirty="0"/>
-              <a:t> </a:t>
-            </a:r>
-            <a:r>
-              <a:rPr lang="en-US" sz="2000" dirty="0" err="1"/>
-              <a:t>hệ</a:t>
-            </a:r>
-            <a:r>
-              <a:rPr lang="en-US" sz="2000" dirty="0"/>
-              <a:t> </a:t>
-            </a:r>
-            <a:r>
-              <a:rPr lang="en-US" sz="2000" dirty="0" err="1"/>
-              <a:t>thống</a:t>
-            </a:r>
-            <a:r>
-              <a:rPr lang="en-US" sz="2000" dirty="0"/>
-              <a:t> </a:t>
-            </a:r>
-            <a:r>
-              <a:rPr lang="en-US" sz="2000" dirty="0" err="1"/>
-              <a:t>kiểm</a:t>
-            </a:r>
-            <a:r>
-              <a:rPr lang="en-US" sz="2000" dirty="0"/>
-              <a:t> </a:t>
-            </a:r>
-            <a:r>
-              <a:rPr lang="en-US" sz="2000" dirty="0" err="1"/>
-              <a:t>soát</a:t>
-            </a:r>
-            <a:r>
-              <a:rPr lang="en-US" sz="2000" dirty="0"/>
-              <a:t> </a:t>
-            </a:r>
-            <a:r>
-              <a:rPr lang="en-US" sz="2000" dirty="0" err="1"/>
-              <a:t>sửa</a:t>
-            </a:r>
-            <a:r>
-              <a:rPr lang="en-US" sz="2000" dirty="0"/>
-              <a:t> </a:t>
-            </a:r>
-            <a:r>
-              <a:rPr lang="en-US" sz="2000" dirty="0" err="1"/>
-              <a:t>đổi</a:t>
-            </a:r>
-            <a:r>
-              <a:rPr lang="en-US" sz="2000" dirty="0"/>
-              <a:t> Mercurial </a:t>
-            </a:r>
-            <a:r>
-              <a:rPr lang="en-US" sz="2000" dirty="0" err="1"/>
-              <a:t>hoặc</a:t>
-            </a:r>
-            <a:r>
-              <a:rPr lang="en-US" sz="2000" dirty="0"/>
-              <a:t> Git.</a:t>
+              <a:t> Mercurial VCS.</a:t>
             </a:r>
           </a:p>
           <a:p>
-            <a:pPr marL="285750" indent="-285750">
+            <a:pPr marL="285750" indent="-285750" algn="just">
               <a:buFont typeface="Wingdings" panose="05000000000000000000" pitchFamily="2" charset="2"/>
               <a:buChar char="v"/>
             </a:pPr>
             <a:endParaRPr lang="en-US" sz="2000" dirty="0"/>
           </a:p>
           <a:p>
-            <a:pPr marL="285750" indent="-285750">
+            <a:pPr marL="285750" indent="-285750" algn="just">
               <a:buFont typeface="Wingdings" panose="05000000000000000000" pitchFamily="2" charset="2"/>
               <a:buChar char="v"/>
             </a:pPr>
             <a:r>
               <a:rPr lang="en-US" sz="2000" dirty="0"/>
-              <a:t>Bitbucket </a:t>
+              <a:t>Cho </a:t>
             </a:r>
             <a:r>
               <a:rPr lang="en-US" sz="2000" dirty="0" err="1"/>
-              <a:t>cho</a:t>
+              <a:t>phép</a:t>
             </a:r>
             <a:r>
               <a:rPr lang="en-US" sz="2000" dirty="0"/>
@@ -19988,7 +21617,7 @@
             </a:r>
             <a:r>
               <a:rPr lang="en-US" sz="2000" dirty="0" err="1"/>
-              <a:t>phép</a:t>
+              <a:t>tạo</a:t>
             </a:r>
             <a:r>
               <a:rPr lang="en-US" sz="2000" dirty="0"/>
@@ -19996,7 +21625,7 @@
             </a:r>
             <a:r>
               <a:rPr lang="en-US" sz="2000" dirty="0" err="1"/>
-              <a:t>tạo</a:t>
+              <a:t>không</a:t>
             </a:r>
             <a:r>
               <a:rPr lang="en-US" sz="2000" dirty="0"/>
@@ -20004,7 +21633,7 @@
             </a:r>
             <a:r>
               <a:rPr lang="en-US" sz="2000" dirty="0" err="1"/>
-              <a:t>không</a:t>
+              <a:t>giới</a:t>
             </a:r>
             <a:r>
               <a:rPr lang="en-US" sz="2000" dirty="0"/>
@@ -20012,7 +21641,7 @@
             </a:r>
             <a:r>
               <a:rPr lang="en-US" sz="2000" dirty="0" err="1"/>
-              <a:t>giới</a:t>
+              <a:t>hạn</a:t>
             </a:r>
             <a:r>
               <a:rPr lang="en-US" sz="2000" dirty="0"/>
@@ -20020,7 +21649,7 @@
             </a:r>
             <a:r>
               <a:rPr lang="en-US" sz="2000" dirty="0" err="1"/>
-              <a:t>hạn</a:t>
+              <a:t>dự</a:t>
             </a:r>
             <a:r>
               <a:rPr lang="en-US" sz="2000" dirty="0"/>
@@ -20028,7 +21657,7 @@
             </a:r>
             <a:r>
               <a:rPr lang="en-US" sz="2000" dirty="0" err="1"/>
-              <a:t>dự</a:t>
+              <a:t>án</a:t>
             </a:r>
             <a:r>
               <a:rPr lang="en-US" sz="2000" dirty="0"/>
@@ -20036,7 +21665,7 @@
             </a:r>
             <a:r>
               <a:rPr lang="en-US" sz="2000" dirty="0" err="1"/>
-              <a:t>án</a:t>
+              <a:t>riêng</a:t>
             </a:r>
             <a:r>
               <a:rPr lang="en-US" sz="2000" dirty="0"/>
@@ -20044,14 +21673,6 @@
             </a:r>
             <a:r>
               <a:rPr lang="en-US" sz="2000" dirty="0" err="1"/>
-              <a:t>riêng</a:t>
-            </a:r>
-            <a:r>
-              <a:rPr lang="en-US" sz="2000" dirty="0"/>
-              <a:t> </a:t>
-            </a:r>
-            <a:r>
-              <a:rPr lang="en-US" sz="2000" dirty="0" err="1"/>
               <a:t>tư</a:t>
             </a:r>
             <a:r>
@@ -20060,14 +21681,14 @@
             </a:r>
           </a:p>
           <a:p>
-            <a:pPr marL="285750" indent="-285750">
+            <a:pPr marL="285750" indent="-285750" algn="just">
               <a:buFont typeface="Wingdings" panose="05000000000000000000" pitchFamily="2" charset="2"/>
               <a:buChar char="v"/>
             </a:pPr>
             <a:endParaRPr lang="en-US" sz="2000" dirty="0"/>
           </a:p>
           <a:p>
-            <a:pPr marL="285750" indent="-285750">
+            <a:pPr marL="285750" indent="-285750" algn="just">
               <a:buFont typeface="Wingdings" panose="05000000000000000000" pitchFamily="2" charset="2"/>
               <a:buChar char="v"/>
             </a:pPr>
@@ -20161,14 +21782,14 @@
             </a:r>
           </a:p>
           <a:p>
-            <a:pPr marL="285750" indent="-285750">
+            <a:pPr marL="285750" indent="-285750" algn="just">
               <a:buFont typeface="Wingdings" panose="05000000000000000000" pitchFamily="2" charset="2"/>
               <a:buChar char="v"/>
             </a:pPr>
             <a:endParaRPr lang="en-US" sz="2000" dirty="0"/>
           </a:p>
           <a:p>
-            <a:pPr marL="285750" indent="-285750">
+            <a:pPr marL="285750" indent="-285750" algn="just">
               <a:buFont typeface="Wingdings" panose="05000000000000000000" pitchFamily="2" charset="2"/>
               <a:buChar char="v"/>
             </a:pPr>
@@ -20194,39 +21815,7 @@
             </a:r>
             <a:r>
               <a:rPr lang="en-US" sz="2000" dirty="0"/>
-              <a:t> </a:t>
-            </a:r>
-            <a:r>
-              <a:rPr lang="en-US" sz="2000" dirty="0" err="1"/>
-              <a:t>ngôn</a:t>
-            </a:r>
-            <a:r>
-              <a:rPr lang="en-US" sz="2000" dirty="0"/>
-              <a:t> </a:t>
-            </a:r>
-            <a:r>
-              <a:rPr lang="en-US" sz="2000" dirty="0" err="1"/>
-              <a:t>ngữ</a:t>
-            </a:r>
-            <a:r>
-              <a:rPr lang="en-US" sz="2000" dirty="0"/>
-              <a:t> </a:t>
-            </a:r>
-            <a:r>
-              <a:rPr lang="en-US" sz="2000" dirty="0" err="1"/>
-              <a:t>lập</a:t>
-            </a:r>
-            <a:r>
-              <a:rPr lang="en-US" sz="2000" dirty="0"/>
-              <a:t> </a:t>
-            </a:r>
-            <a:r>
-              <a:rPr lang="en-US" sz="2000" dirty="0" err="1"/>
-              <a:t>trình</a:t>
-            </a:r>
-            <a:r>
-              <a:rPr lang="en-US" sz="2000" dirty="0"/>
-              <a:t> Python </a:t>
+              <a:t> Python </a:t>
             </a:r>
             <a:r>
               <a:rPr lang="en-US" sz="2000" dirty="0" err="1"/>
@@ -20265,6 +21854,83 @@
           </a:p>
         </p:txBody>
       </p:sp>
+      <p:pic>
+        <p:nvPicPr>
+          <p:cNvPr id="1026" name="Picture 2" descr="Free icons - Free vector icons - Free SVG, PSD, PNG, EPS, Ai &amp; Icon Font">
+            <a:extLst>
+              <a:ext uri="{FF2B5EF4-FFF2-40B4-BE49-F238E27FC236}">
+                <a16:creationId xmlns:a16="http://schemas.microsoft.com/office/drawing/2014/main" id="{066848FE-2F03-414D-8CFE-8DF9D4565AC8}"/>
+              </a:ext>
+            </a:extLst>
+          </p:cNvPr>
+          <p:cNvPicPr>
+            <a:picLocks noChangeAspect="1" noChangeArrowheads="1"/>
+          </p:cNvPicPr>
+          <p:nvPr/>
+        </p:nvPicPr>
+        <p:blipFill>
+          <a:blip r:embed="rId2">
+            <a:extLst>
+              <a:ext uri="{28A0092B-C50C-407E-A947-70E740481C1C}">
+                <a14:useLocalDpi xmlns:a14="http://schemas.microsoft.com/office/drawing/2010/main" val="0"/>
+              </a:ext>
+            </a:extLst>
+          </a:blip>
+          <a:srcRect/>
+          <a:stretch>
+            <a:fillRect/>
+          </a:stretch>
+        </p:blipFill>
+        <p:spPr bwMode="auto">
+          <a:xfrm>
+            <a:off x="6190735" y="1683572"/>
+            <a:ext cx="2815282" cy="2815282"/>
+          </a:xfrm>
+          <a:prstGeom prst="rect">
+            <a:avLst/>
+          </a:prstGeom>
+          <a:noFill/>
+          <a:extLst>
+            <a:ext uri="{909E8E84-426E-40DD-AFC4-6F175D3DCCD1}">
+              <a14:hiddenFill xmlns:a14="http://schemas.microsoft.com/office/drawing/2010/main">
+                <a:solidFill>
+                  <a:srgbClr val="FFFFFF"/>
+                </a:solidFill>
+              </a14:hiddenFill>
+            </a:ext>
+          </a:extLst>
+        </p:spPr>
+      </p:pic>
+      <p:pic>
+        <p:nvPicPr>
+          <p:cNvPr id="3" name="Picture 2">
+            <a:extLst>
+              <a:ext uri="{FF2B5EF4-FFF2-40B4-BE49-F238E27FC236}">
+                <a16:creationId xmlns:a16="http://schemas.microsoft.com/office/drawing/2014/main" id="{246F69D7-03F4-4DC6-94D5-A00DB681E551}"/>
+              </a:ext>
+            </a:extLst>
+          </p:cNvPr>
+          <p:cNvPicPr>
+            <a:picLocks noChangeAspect="1"/>
+          </p:cNvPicPr>
+          <p:nvPr/>
+        </p:nvPicPr>
+        <p:blipFill>
+          <a:blip r:embed="rId3"/>
+          <a:stretch>
+            <a:fillRect/>
+          </a:stretch>
+        </p:blipFill>
+        <p:spPr>
+          <a:xfrm>
+            <a:off x="6350536" y="3913731"/>
+            <a:ext cx="2495679" cy="551172"/>
+          </a:xfrm>
+          <a:prstGeom prst="rect">
+            <a:avLst/>
+          </a:prstGeom>
+        </p:spPr>
+      </p:pic>
     </p:spTree>
     <p:extLst>
       <p:ext uri="{BB962C8B-B14F-4D97-AF65-F5344CB8AC3E}">
@@ -20299,7 +21965,7 @@
                             </p:stCondLst>
                             <p:childTnLst>
                               <p:par>
-                                <p:cTn id="5" presetID="53" presetClass="entr" presetSubtype="16" fill="hold" grpId="0" nodeType="withEffect">
+                                <p:cTn id="5" presetID="14" presetClass="entr" presetSubtype="10" fill="hold" nodeType="withEffect">
                                   <p:stCondLst>
                                     <p:cond delay="0"/>
                                   </p:stCondLst>
@@ -20312,7 +21978,11 @@
                                           </p:stCondLst>
                                         </p:cTn>
                                         <p:tgtEl>
-                                          <p:spTgt spid="2"/>
+                                          <p:spTgt spid="5">
+                                            <p:txEl>
+                                              <p:pRg st="0" end="0"/>
+                                            </p:txEl>
+                                          </p:spTgt>
                                         </p:tgtEl>
                                         <p:attrNameLst>
                                           <p:attrName>style.visibility</p:attrName>
@@ -20322,74 +21992,66 @@
                                         <p:strVal val="visible"/>
                                       </p:to>
                                     </p:set>
-                                    <p:anim calcmode="lin" valueType="num">
+                                    <p:animEffect transition="in" filter="randombar(horizontal)">
                                       <p:cBhvr>
-                                        <p:cTn id="7" dur="500" fill="hold"/>
+                                        <p:cTn id="7" dur="1000"/>
                                         <p:tgtEl>
-                                          <p:spTgt spid="2"/>
-                                        </p:tgtEl>
-                                        <p:attrNameLst>
-                                          <p:attrName>ppt_w</p:attrName>
-                                        </p:attrNameLst>
-                                      </p:cBhvr>
-                                      <p:tavLst>
-                                        <p:tav tm="0">
-                                          <p:val>
-                                            <p:fltVal val="0"/>
-                                          </p:val>
-                                        </p:tav>
-                                        <p:tav tm="100000">
-                                          <p:val>
-                                            <p:strVal val="#ppt_w"/>
-                                          </p:val>
-                                        </p:tav>
-                                      </p:tavLst>
-                                    </p:anim>
-                                    <p:anim calcmode="lin" valueType="num">
-                                      <p:cBhvr>
-                                        <p:cTn id="8" dur="500" fill="hold"/>
-                                        <p:tgtEl>
-                                          <p:spTgt spid="2"/>
-                                        </p:tgtEl>
-                                        <p:attrNameLst>
-                                          <p:attrName>ppt_h</p:attrName>
-                                        </p:attrNameLst>
-                                      </p:cBhvr>
-                                      <p:tavLst>
-                                        <p:tav tm="0">
-                                          <p:val>
-                                            <p:fltVal val="0"/>
-                                          </p:val>
-                                        </p:tav>
-                                        <p:tav tm="100000">
-                                          <p:val>
-                                            <p:strVal val="#ppt_h"/>
-                                          </p:val>
-                                        </p:tav>
-                                      </p:tavLst>
-                                    </p:anim>
-                                    <p:animEffect transition="in" filter="fade">
-                                      <p:cBhvr>
-                                        <p:cTn id="9" dur="500"/>
-                                        <p:tgtEl>
-                                          <p:spTgt spid="2"/>
+                                          <p:spTgt spid="5">
+                                            <p:txEl>
+                                              <p:pRg st="0" end="0"/>
+                                            </p:txEl>
+                                          </p:spTgt>
                                         </p:tgtEl>
                                       </p:cBhvr>
                                     </p:animEffect>
                                   </p:childTnLst>
                                 </p:cTn>
                               </p:par>
-                            </p:childTnLst>
-                          </p:cTn>
-                        </p:par>
-                        <p:par>
-                          <p:cTn id="10" fill="hold">
-                            <p:stCondLst>
-                              <p:cond delay="500"/>
-                            </p:stCondLst>
-                            <p:childTnLst>
                               <p:par>
-                                <p:cTn id="11" presetID="14" presetClass="entr" presetSubtype="10" fill="hold" grpId="0" nodeType="afterEffect">
+                                <p:cTn id="8" presetID="14" presetClass="entr" presetSubtype="10" fill="hold" nodeType="withEffect">
+                                  <p:stCondLst>
+                                    <p:cond delay="0"/>
+                                  </p:stCondLst>
+                                  <p:childTnLst>
+                                    <p:set>
+                                      <p:cBhvr>
+                                        <p:cTn id="9" dur="1" fill="hold">
+                                          <p:stCondLst>
+                                            <p:cond delay="0"/>
+                                          </p:stCondLst>
+                                        </p:cTn>
+                                        <p:tgtEl>
+                                          <p:spTgt spid="5">
+                                            <p:txEl>
+                                              <p:pRg st="2" end="2"/>
+                                            </p:txEl>
+                                          </p:spTgt>
+                                        </p:tgtEl>
+                                        <p:attrNameLst>
+                                          <p:attrName>style.visibility</p:attrName>
+                                        </p:attrNameLst>
+                                      </p:cBhvr>
+                                      <p:to>
+                                        <p:strVal val="visible"/>
+                                      </p:to>
+                                    </p:set>
+                                    <p:animEffect transition="in" filter="randombar(horizontal)">
+                                      <p:cBhvr>
+                                        <p:cTn id="10" dur="500"/>
+                                        <p:tgtEl>
+                                          <p:spTgt spid="5">
+                                            <p:txEl>
+                                              <p:pRg st="2" end="2"/>
+                                            </p:txEl>
+                                          </p:spTgt>
+                                        </p:tgtEl>
+                                      </p:cBhvr>
+                                    </p:animEffect>
+                                  </p:childTnLst>
+                                </p:cTn>
+                              </p:par>
+                              <p:par>
+                                <p:cTn id="11" presetID="14" presetClass="entr" presetSubtype="10" fill="hold" nodeType="withEffect">
                                   <p:stCondLst>
                                     <p:cond delay="0"/>
                                   </p:stCondLst>
@@ -20402,7 +22064,11 @@
                                           </p:stCondLst>
                                         </p:cTn>
                                         <p:tgtEl>
-                                          <p:spTgt spid="5"/>
+                                          <p:spTgt spid="5">
+                                            <p:txEl>
+                                              <p:pRg st="4" end="4"/>
+                                            </p:txEl>
+                                          </p:spTgt>
                                         </p:tgtEl>
                                         <p:attrNameLst>
                                           <p:attrName>style.visibility</p:attrName>
@@ -20416,7 +22082,97 @@
                                       <p:cBhvr>
                                         <p:cTn id="13" dur="500"/>
                                         <p:tgtEl>
-                                          <p:spTgt spid="5"/>
+                                          <p:spTgt spid="5">
+                                            <p:txEl>
+                                              <p:pRg st="4" end="4"/>
+                                            </p:txEl>
+                                          </p:spTgt>
+                                        </p:tgtEl>
+                                      </p:cBhvr>
+                                    </p:animEffect>
+                                  </p:childTnLst>
+                                </p:cTn>
+                              </p:par>
+                              <p:par>
+                                <p:cTn id="14" presetID="14" presetClass="entr" presetSubtype="10" fill="hold" nodeType="withEffect">
+                                  <p:stCondLst>
+                                    <p:cond delay="0"/>
+                                  </p:stCondLst>
+                                  <p:childTnLst>
+                                    <p:set>
+                                      <p:cBhvr>
+                                        <p:cTn id="15" dur="1" fill="hold">
+                                          <p:stCondLst>
+                                            <p:cond delay="0"/>
+                                          </p:stCondLst>
+                                        </p:cTn>
+                                        <p:tgtEl>
+                                          <p:spTgt spid="5">
+                                            <p:txEl>
+                                              <p:pRg st="6" end="6"/>
+                                            </p:txEl>
+                                          </p:spTgt>
+                                        </p:tgtEl>
+                                        <p:attrNameLst>
+                                          <p:attrName>style.visibility</p:attrName>
+                                        </p:attrNameLst>
+                                      </p:cBhvr>
+                                      <p:to>
+                                        <p:strVal val="visible"/>
+                                      </p:to>
+                                    </p:set>
+                                    <p:animEffect transition="in" filter="randombar(horizontal)">
+                                      <p:cBhvr>
+                                        <p:cTn id="16" dur="500"/>
+                                        <p:tgtEl>
+                                          <p:spTgt spid="5">
+                                            <p:txEl>
+                                              <p:pRg st="6" end="6"/>
+                                            </p:txEl>
+                                          </p:spTgt>
+                                        </p:tgtEl>
+                                      </p:cBhvr>
+                                    </p:animEffect>
+                                  </p:childTnLst>
+                                </p:cTn>
+                              </p:par>
+                              <p:par>
+                                <p:cTn id="17" presetID="14" presetClass="entr" presetSubtype="10" fill="hold" nodeType="withEffect">
+                                  <p:stCondLst>
+                                    <p:cond delay="0"/>
+                                  </p:stCondLst>
+                                  <p:childTnLst>
+                                    <p:set>
+                                      <p:cBhvr>
+                                        <p:cTn id="18" dur="1" fill="hold">
+                                          <p:stCondLst>
+                                            <p:cond delay="0"/>
+                                          </p:stCondLst>
+                                        </p:cTn>
+                                        <p:tgtEl>
+                                          <p:spTgt spid="5">
+                                            <p:txEl>
+                                              <p:pRg st="8" end="8"/>
+                                            </p:txEl>
+                                          </p:spTgt>
+                                        </p:tgtEl>
+                                        <p:attrNameLst>
+                                          <p:attrName>style.visibility</p:attrName>
+                                        </p:attrNameLst>
+                                      </p:cBhvr>
+                                      <p:to>
+                                        <p:strVal val="visible"/>
+                                      </p:to>
+                                    </p:set>
+                                    <p:animEffect transition="in" filter="randombar(horizontal)">
+                                      <p:cBhvr>
+                                        <p:cTn id="19" dur="500"/>
+                                        <p:tgtEl>
+                                          <p:spTgt spid="5">
+                                            <p:txEl>
+                                              <p:pRg st="8" end="8"/>
+                                            </p:txEl>
+                                          </p:spTgt>
                                         </p:tgtEl>
                                       </p:cBhvr>
                                     </p:animEffect>
@@ -20450,10 +22206,6 @@
         </p:cTn>
       </p:par>
     </p:tnLst>
-    <p:bldLst>
-      <p:bldP spid="2" grpId="0"/>
-      <p:bldP spid="5" grpId="0"/>
-    </p:bldLst>
   </p:timing>
 </p:sld>
 </file>
@@ -20491,7 +22243,7 @@
         </p:nvSpPr>
         <p:spPr>
           <a:xfrm>
-            <a:off x="0" y="1519427"/>
+            <a:off x="0" y="1009793"/>
             <a:ext cx="9144000" cy="772133"/>
           </a:xfrm>
           <a:prstGeom prst="rect">
@@ -20653,8 +22405,8 @@
         </p:nvSpPr>
         <p:spPr>
           <a:xfrm>
-            <a:off x="465589" y="2291560"/>
-            <a:ext cx="8212822" cy="2246769"/>
+            <a:off x="317308" y="1781926"/>
+            <a:ext cx="5317373" cy="2862322"/>
           </a:xfrm>
           <a:prstGeom prst="rect">
             <a:avLst/>
@@ -20667,7 +22419,7 @@
           </a:bodyPr>
           <a:lstStyle/>
           <a:p>
-            <a:pPr marL="457200" indent="-457200">
+            <a:pPr marL="457200" indent="-457200" algn="just">
               <a:buFont typeface="Wingdings" panose="05000000000000000000" pitchFamily="2" charset="2"/>
               <a:buChar char="v"/>
             </a:pPr>
@@ -20805,14 +22557,14 @@
             </a:r>
           </a:p>
           <a:p>
-            <a:pPr marL="457200" indent="-457200">
+            <a:pPr marL="457200" indent="-457200" algn="just">
               <a:buFont typeface="Wingdings" panose="05000000000000000000" pitchFamily="2" charset="2"/>
               <a:buChar char="v"/>
             </a:pPr>
             <a:endParaRPr lang="en-US" sz="2000" dirty="0"/>
           </a:p>
           <a:p>
-            <a:pPr marL="457200" indent="-457200">
+            <a:pPr marL="457200" indent="-457200" algn="just">
               <a:buFont typeface="Wingdings" panose="05000000000000000000" pitchFamily="2" charset="2"/>
               <a:buChar char="v"/>
             </a:pPr>
@@ -20854,14 +22606,14 @@
             </a:r>
           </a:p>
           <a:p>
-            <a:pPr marL="457200" indent="-457200">
+            <a:pPr marL="457200" indent="-457200" algn="just">
               <a:buFont typeface="Wingdings" panose="05000000000000000000" pitchFamily="2" charset="2"/>
               <a:buChar char="v"/>
             </a:pPr>
             <a:endParaRPr lang="en-US" sz="2000" dirty="0"/>
           </a:p>
           <a:p>
-            <a:pPr marL="457200" indent="-457200">
+            <a:pPr marL="457200" indent="-457200" algn="just">
               <a:buFont typeface="Wingdings" panose="05000000000000000000" pitchFamily="2" charset="2"/>
               <a:buChar char="v"/>
             </a:pPr>
@@ -20947,6 +22699,83 @@
           </a:p>
         </p:txBody>
       </p:sp>
+      <p:pic>
+        <p:nvPicPr>
+          <p:cNvPr id="4" name="Picture 2" descr="Free icons - Free vector icons - Free SVG, PSD, PNG, EPS, Ai &amp; Icon Font">
+            <a:extLst>
+              <a:ext uri="{FF2B5EF4-FFF2-40B4-BE49-F238E27FC236}">
+                <a16:creationId xmlns:a16="http://schemas.microsoft.com/office/drawing/2014/main" id="{86A3883E-28C1-4131-B8BE-F04356155F99}"/>
+              </a:ext>
+            </a:extLst>
+          </p:cNvPr>
+          <p:cNvPicPr>
+            <a:picLocks noChangeAspect="1" noChangeArrowheads="1"/>
+          </p:cNvPicPr>
+          <p:nvPr/>
+        </p:nvPicPr>
+        <p:blipFill>
+          <a:blip r:embed="rId2">
+            <a:extLst>
+              <a:ext uri="{28A0092B-C50C-407E-A947-70E740481C1C}">
+                <a14:useLocalDpi xmlns:a14="http://schemas.microsoft.com/office/drawing/2010/main" val="0"/>
+              </a:ext>
+            </a:extLst>
+          </a:blip>
+          <a:srcRect/>
+          <a:stretch>
+            <a:fillRect/>
+          </a:stretch>
+        </p:blipFill>
+        <p:spPr bwMode="auto">
+          <a:xfrm>
+            <a:off x="6190735" y="1683572"/>
+            <a:ext cx="2815282" cy="2815282"/>
+          </a:xfrm>
+          <a:prstGeom prst="rect">
+            <a:avLst/>
+          </a:prstGeom>
+          <a:noFill/>
+          <a:extLst>
+            <a:ext uri="{909E8E84-426E-40DD-AFC4-6F175D3DCCD1}">
+              <a14:hiddenFill xmlns:a14="http://schemas.microsoft.com/office/drawing/2010/main">
+                <a:solidFill>
+                  <a:srgbClr val="FFFFFF"/>
+                </a:solidFill>
+              </a14:hiddenFill>
+            </a:ext>
+          </a:extLst>
+        </p:spPr>
+      </p:pic>
+      <p:pic>
+        <p:nvPicPr>
+          <p:cNvPr id="5" name="Picture 4">
+            <a:extLst>
+              <a:ext uri="{FF2B5EF4-FFF2-40B4-BE49-F238E27FC236}">
+                <a16:creationId xmlns:a16="http://schemas.microsoft.com/office/drawing/2014/main" id="{6802143F-C37E-4C18-AF37-05304D1D6640}"/>
+              </a:ext>
+            </a:extLst>
+          </p:cNvPr>
+          <p:cNvPicPr>
+            <a:picLocks noChangeAspect="1"/>
+          </p:cNvPicPr>
+          <p:nvPr/>
+        </p:nvPicPr>
+        <p:blipFill>
+          <a:blip r:embed="rId3"/>
+          <a:stretch>
+            <a:fillRect/>
+          </a:stretch>
+        </p:blipFill>
+        <p:spPr>
+          <a:xfrm>
+            <a:off x="6350536" y="3913731"/>
+            <a:ext cx="2495679" cy="551172"/>
+          </a:xfrm>
+          <a:prstGeom prst="rect">
+            <a:avLst/>
+          </a:prstGeom>
+        </p:spPr>
+      </p:pic>
     </p:spTree>
     <p:extLst>
       <p:ext uri="{BB962C8B-B14F-4D97-AF65-F5344CB8AC3E}">
@@ -20981,7 +22810,7 @@
                             </p:stCondLst>
                             <p:childTnLst>
                               <p:par>
-                                <p:cTn id="5" presetID="26" presetClass="entr" presetSubtype="0" fill="hold" grpId="0" nodeType="withEffect">
+                                <p:cTn id="5" presetID="14" presetClass="entr" presetSubtype="10" fill="hold" nodeType="withEffect">
                                   <p:stCondLst>
                                     <p:cond delay="0"/>
                                   </p:stCondLst>
@@ -20994,7 +22823,11 @@
                                           </p:stCondLst>
                                         </p:cTn>
                                         <p:tgtEl>
-                                          <p:spTgt spid="2"/>
+                                          <p:spTgt spid="3">
+                                            <p:txEl>
+                                              <p:pRg st="0" end="0"/>
+                                            </p:txEl>
+                                          </p:spTgt>
                                         </p:tgtEl>
                                         <p:attrNameLst>
                                           <p:attrName>style.visibility</p:attrName>
@@ -21004,284 +22837,40 @@
                                         <p:strVal val="visible"/>
                                       </p:to>
                                     </p:set>
-                                    <p:animEffect transition="in" filter="wipe(down)">
+                                    <p:animEffect transition="in" filter="randombar(horizontal)">
                                       <p:cBhvr>
-                                        <p:cTn id="7" dur="290">
-                                          <p:stCondLst>
-                                            <p:cond delay="0"/>
-                                          </p:stCondLst>
-                                        </p:cTn>
+                                        <p:cTn id="7" dur="1000"/>
                                         <p:tgtEl>
-                                          <p:spTgt spid="2"/>
+                                          <p:spTgt spid="3">
+                                            <p:txEl>
+                                              <p:pRg st="0" end="0"/>
+                                            </p:txEl>
+                                          </p:spTgt>
                                         </p:tgtEl>
                                       </p:cBhvr>
                                     </p:animEffect>
-                                    <p:anim calcmode="lin" valueType="num">
-                                      <p:cBhvr>
-                                        <p:cTn id="8" dur="911" tmFilter="0,0; 0.14,0.36; 0.43,0.73; 0.71,0.91; 1.0,1.0">
-                                          <p:stCondLst>
-                                            <p:cond delay="0"/>
-                                          </p:stCondLst>
-                                        </p:cTn>
-                                        <p:tgtEl>
-                                          <p:spTgt spid="2"/>
-                                        </p:tgtEl>
-                                        <p:attrNameLst>
-                                          <p:attrName>ppt_x</p:attrName>
-                                        </p:attrNameLst>
-                                      </p:cBhvr>
-                                      <p:tavLst>
-                                        <p:tav tm="0">
-                                          <p:val>
-                                            <p:strVal val="#ppt_x-0.25"/>
-                                          </p:val>
-                                        </p:tav>
-                                        <p:tav tm="100000">
-                                          <p:val>
-                                            <p:strVal val="#ppt_x"/>
-                                          </p:val>
-                                        </p:tav>
-                                      </p:tavLst>
-                                    </p:anim>
-                                    <p:anim calcmode="lin" valueType="num">
-                                      <p:cBhvr>
-                                        <p:cTn id="9" dur="332" tmFilter="0.0,0.0; 0.25,0.07; 0.50,0.2; 0.75,0.467; 1.0,1.0">
-                                          <p:stCondLst>
-                                            <p:cond delay="0"/>
-                                          </p:stCondLst>
-                                        </p:cTn>
-                                        <p:tgtEl>
-                                          <p:spTgt spid="2"/>
-                                        </p:tgtEl>
-                                        <p:attrNameLst>
-                                          <p:attrName>ppt_y</p:attrName>
-                                        </p:attrNameLst>
-                                      </p:cBhvr>
-                                      <p:tavLst>
-                                        <p:tav tm="0" fmla="#ppt_y-sin(pi*$)/3">
-                                          <p:val>
-                                            <p:fltVal val="0.5"/>
-                                          </p:val>
-                                        </p:tav>
-                                        <p:tav tm="100000">
-                                          <p:val>
-                                            <p:fltVal val="1"/>
-                                          </p:val>
-                                        </p:tav>
-                                      </p:tavLst>
-                                    </p:anim>
-                                    <p:anim calcmode="lin" valueType="num">
-                                      <p:cBhvr>
-                                        <p:cTn id="10" dur="332" tmFilter="0, 0; 0.125,0.2665; 0.25,0.4; 0.375,0.465; 0.5,0.5;  0.625,0.535; 0.75,0.6; 0.875,0.7335; 1,1">
-                                          <p:stCondLst>
-                                            <p:cond delay="332"/>
-                                          </p:stCondLst>
-                                        </p:cTn>
-                                        <p:tgtEl>
-                                          <p:spTgt spid="2"/>
-                                        </p:tgtEl>
-                                        <p:attrNameLst>
-                                          <p:attrName>ppt_y</p:attrName>
-                                        </p:attrNameLst>
-                                      </p:cBhvr>
-                                      <p:tavLst>
-                                        <p:tav tm="0" fmla="#ppt_y-sin(pi*$)/9">
-                                          <p:val>
-                                            <p:fltVal val="0"/>
-                                          </p:val>
-                                        </p:tav>
-                                        <p:tav tm="100000">
-                                          <p:val>
-                                            <p:fltVal val="1"/>
-                                          </p:val>
-                                        </p:tav>
-                                      </p:tavLst>
-                                    </p:anim>
-                                    <p:anim calcmode="lin" valueType="num">
-                                      <p:cBhvr>
-                                        <p:cTn id="11" dur="166" tmFilter="0, 0; 0.125,0.2665; 0.25,0.4; 0.375,0.465; 0.5,0.5;  0.625,0.535; 0.75,0.6; 0.875,0.7335; 1,1">
-                                          <p:stCondLst>
-                                            <p:cond delay="662"/>
-                                          </p:stCondLst>
-                                        </p:cTn>
-                                        <p:tgtEl>
-                                          <p:spTgt spid="2"/>
-                                        </p:tgtEl>
-                                        <p:attrNameLst>
-                                          <p:attrName>ppt_y</p:attrName>
-                                        </p:attrNameLst>
-                                      </p:cBhvr>
-                                      <p:tavLst>
-                                        <p:tav tm="0" fmla="#ppt_y-sin(pi*$)/27">
-                                          <p:val>
-                                            <p:fltVal val="0"/>
-                                          </p:val>
-                                        </p:tav>
-                                        <p:tav tm="100000">
-                                          <p:val>
-                                            <p:fltVal val="1"/>
-                                          </p:val>
-                                        </p:tav>
-                                      </p:tavLst>
-                                    </p:anim>
-                                    <p:anim calcmode="lin" valueType="num">
-                                      <p:cBhvr>
-                                        <p:cTn id="12" dur="82" tmFilter="0, 0; 0.125,0.2665; 0.25,0.4; 0.375,0.465; 0.5,0.5;  0.625,0.535; 0.75,0.6; 0.875,0.7335; 1,1">
-                                          <p:stCondLst>
-                                            <p:cond delay="828"/>
-                                          </p:stCondLst>
-                                        </p:cTn>
-                                        <p:tgtEl>
-                                          <p:spTgt spid="2"/>
-                                        </p:tgtEl>
-                                        <p:attrNameLst>
-                                          <p:attrName>ppt_y</p:attrName>
-                                        </p:attrNameLst>
-                                      </p:cBhvr>
-                                      <p:tavLst>
-                                        <p:tav tm="0" fmla="#ppt_y-sin(pi*$)/81">
-                                          <p:val>
-                                            <p:fltVal val="0"/>
-                                          </p:val>
-                                        </p:tav>
-                                        <p:tav tm="100000">
-                                          <p:val>
-                                            <p:fltVal val="1"/>
-                                          </p:val>
-                                        </p:tav>
-                                      </p:tavLst>
-                                    </p:anim>
-                                    <p:animScale>
-                                      <p:cBhvr>
-                                        <p:cTn id="13" dur="13">
-                                          <p:stCondLst>
-                                            <p:cond delay="325"/>
-                                          </p:stCondLst>
-                                        </p:cTn>
-                                        <p:tgtEl>
-                                          <p:spTgt spid="2"/>
-                                        </p:tgtEl>
-                                      </p:cBhvr>
-                                      <p:to x="100000" y="60000"/>
-                                    </p:animScale>
-                                    <p:animScale>
-                                      <p:cBhvr>
-                                        <p:cTn id="14" dur="83" decel="50000">
-                                          <p:stCondLst>
-                                            <p:cond delay="338"/>
-                                          </p:stCondLst>
-                                        </p:cTn>
-                                        <p:tgtEl>
-                                          <p:spTgt spid="2"/>
-                                        </p:tgtEl>
-                                      </p:cBhvr>
-                                      <p:to x="100000" y="100000"/>
-                                    </p:animScale>
-                                    <p:animScale>
-                                      <p:cBhvr>
-                                        <p:cTn id="15" dur="13">
-                                          <p:stCondLst>
-                                            <p:cond delay="656"/>
-                                          </p:stCondLst>
-                                        </p:cTn>
-                                        <p:tgtEl>
-                                          <p:spTgt spid="2"/>
-                                        </p:tgtEl>
-                                      </p:cBhvr>
-                                      <p:to x="100000" y="80000"/>
-                                    </p:animScale>
-                                    <p:animScale>
-                                      <p:cBhvr>
-                                        <p:cTn id="16" dur="83" decel="50000">
-                                          <p:stCondLst>
-                                            <p:cond delay="669"/>
-                                          </p:stCondLst>
-                                        </p:cTn>
-                                        <p:tgtEl>
-                                          <p:spTgt spid="2"/>
-                                        </p:tgtEl>
-                                      </p:cBhvr>
-                                      <p:to x="100000" y="100000"/>
-                                    </p:animScale>
-                                    <p:animScale>
-                                      <p:cBhvr>
-                                        <p:cTn id="17" dur="13">
-                                          <p:stCondLst>
-                                            <p:cond delay="821"/>
-                                          </p:stCondLst>
-                                        </p:cTn>
-                                        <p:tgtEl>
-                                          <p:spTgt spid="2"/>
-                                        </p:tgtEl>
-                                      </p:cBhvr>
-                                      <p:to x="100000" y="90000"/>
-                                    </p:animScale>
-                                    <p:animScale>
-                                      <p:cBhvr>
-                                        <p:cTn id="18" dur="83" decel="50000">
-                                          <p:stCondLst>
-                                            <p:cond delay="834"/>
-                                          </p:stCondLst>
-                                        </p:cTn>
-                                        <p:tgtEl>
-                                          <p:spTgt spid="2"/>
-                                        </p:tgtEl>
-                                      </p:cBhvr>
-                                      <p:to x="100000" y="100000"/>
-                                    </p:animScale>
-                                    <p:animScale>
-                                      <p:cBhvr>
-                                        <p:cTn id="19" dur="13">
-                                          <p:stCondLst>
-                                            <p:cond delay="904"/>
-                                          </p:stCondLst>
-                                        </p:cTn>
-                                        <p:tgtEl>
-                                          <p:spTgt spid="2"/>
-                                        </p:tgtEl>
-                                      </p:cBhvr>
-                                      <p:to x="100000" y="95000"/>
-                                    </p:animScale>
-                                    <p:animScale>
-                                      <p:cBhvr>
-                                        <p:cTn id="20" dur="83" decel="50000">
-                                          <p:stCondLst>
-                                            <p:cond delay="917"/>
-                                          </p:stCondLst>
-                                        </p:cTn>
-                                        <p:tgtEl>
-                                          <p:spTgt spid="2"/>
-                                        </p:tgtEl>
-                                      </p:cBhvr>
-                                      <p:to x="100000" y="100000"/>
-                                    </p:animScale>
                                   </p:childTnLst>
                                 </p:cTn>
                               </p:par>
-                            </p:childTnLst>
-                          </p:cTn>
-                        </p:par>
-                        <p:par>
-                          <p:cTn id="21" fill="hold">
-                            <p:stCondLst>
-                              <p:cond delay="1000"/>
-                            </p:stCondLst>
-                            <p:childTnLst>
                               <p:par>
-                                <p:cTn id="22" presetID="31" presetClass="entr" presetSubtype="0" fill="hold" grpId="0" nodeType="afterEffect">
+                                <p:cTn id="8" presetID="14" presetClass="entr" presetSubtype="10" fill="hold" nodeType="withEffect">
                                   <p:stCondLst>
                                     <p:cond delay="0"/>
                                   </p:stCondLst>
                                   <p:childTnLst>
                                     <p:set>
                                       <p:cBhvr>
-                                        <p:cTn id="23" dur="1" fill="hold">
+                                        <p:cTn id="9" dur="1" fill="hold">
                                           <p:stCondLst>
                                             <p:cond delay="0"/>
                                           </p:stCondLst>
                                         </p:cTn>
                                         <p:tgtEl>
-                                          <p:spTgt spid="3"/>
+                                          <p:spTgt spid="3">
+                                            <p:txEl>
+                                              <p:pRg st="2" end="2"/>
+                                            </p:txEl>
+                                          </p:spTgt>
                                         </p:tgtEl>
                                         <p:attrNameLst>
                                           <p:attrName>style.visibility</p:attrName>
@@ -21291,80 +22880,58 @@
                                         <p:strVal val="visible"/>
                                       </p:to>
                                     </p:set>
-                                    <p:anim calcmode="lin" valueType="num">
+                                    <p:animEffect transition="in" filter="randombar(horizontal)">
                                       <p:cBhvr>
-                                        <p:cTn id="24" dur="1000" fill="hold"/>
+                                        <p:cTn id="10" dur="1000"/>
                                         <p:tgtEl>
-                                          <p:spTgt spid="3"/>
+                                          <p:spTgt spid="3">
+                                            <p:txEl>
+                                              <p:pRg st="2" end="2"/>
+                                            </p:txEl>
+                                          </p:spTgt>
+                                        </p:tgtEl>
+                                      </p:cBhvr>
+                                    </p:animEffect>
+                                  </p:childTnLst>
+                                </p:cTn>
+                              </p:par>
+                              <p:par>
+                                <p:cTn id="11" presetID="14" presetClass="entr" presetSubtype="10" fill="hold" nodeType="withEffect">
+                                  <p:stCondLst>
+                                    <p:cond delay="0"/>
+                                  </p:stCondLst>
+                                  <p:childTnLst>
+                                    <p:set>
+                                      <p:cBhvr>
+                                        <p:cTn id="12" dur="1" fill="hold">
+                                          <p:stCondLst>
+                                            <p:cond delay="0"/>
+                                          </p:stCondLst>
+                                        </p:cTn>
+                                        <p:tgtEl>
+                                          <p:spTgt spid="3">
+                                            <p:txEl>
+                                              <p:pRg st="4" end="4"/>
+                                            </p:txEl>
+                                          </p:spTgt>
                                         </p:tgtEl>
                                         <p:attrNameLst>
-                                          <p:attrName>ppt_w</p:attrName>
+                                          <p:attrName>style.visibility</p:attrName>
                                         </p:attrNameLst>
                                       </p:cBhvr>
-                                      <p:tavLst>
-                                        <p:tav tm="0">
-                                          <p:val>
-                                            <p:fltVal val="0"/>
-                                          </p:val>
-                                        </p:tav>
-                                        <p:tav tm="100000">
-                                          <p:val>
-                                            <p:strVal val="#ppt_w"/>
-                                          </p:val>
-                                        </p:tav>
-                                      </p:tavLst>
-                                    </p:anim>
-                                    <p:anim calcmode="lin" valueType="num">
+                                      <p:to>
+                                        <p:strVal val="visible"/>
+                                      </p:to>
+                                    </p:set>
+                                    <p:animEffect transition="in" filter="randombar(horizontal)">
                                       <p:cBhvr>
-                                        <p:cTn id="25" dur="1000" fill="hold"/>
+                                        <p:cTn id="13" dur="1000"/>
                                         <p:tgtEl>
-                                          <p:spTgt spid="3"/>
-                                        </p:tgtEl>
-                                        <p:attrNameLst>
-                                          <p:attrName>ppt_h</p:attrName>
-                                        </p:attrNameLst>
-                                      </p:cBhvr>
-                                      <p:tavLst>
-                                        <p:tav tm="0">
-                                          <p:val>
-                                            <p:fltVal val="0"/>
-                                          </p:val>
-                                        </p:tav>
-                                        <p:tav tm="100000">
-                                          <p:val>
-                                            <p:strVal val="#ppt_h"/>
-                                          </p:val>
-                                        </p:tav>
-                                      </p:tavLst>
-                                    </p:anim>
-                                    <p:anim calcmode="lin" valueType="num">
-                                      <p:cBhvr>
-                                        <p:cTn id="26" dur="1000" fill="hold"/>
-                                        <p:tgtEl>
-                                          <p:spTgt spid="3"/>
-                                        </p:tgtEl>
-                                        <p:attrNameLst>
-                                          <p:attrName>style.rotation</p:attrName>
-                                        </p:attrNameLst>
-                                      </p:cBhvr>
-                                      <p:tavLst>
-                                        <p:tav tm="0">
-                                          <p:val>
-                                            <p:fltVal val="90"/>
-                                          </p:val>
-                                        </p:tav>
-                                        <p:tav tm="100000">
-                                          <p:val>
-                                            <p:fltVal val="0"/>
-                                          </p:val>
-                                        </p:tav>
-                                      </p:tavLst>
-                                    </p:anim>
-                                    <p:animEffect transition="in" filter="fade">
-                                      <p:cBhvr>
-                                        <p:cTn id="27" dur="1000"/>
-                                        <p:tgtEl>
-                                          <p:spTgt spid="3"/>
+                                          <p:spTgt spid="3">
+                                            <p:txEl>
+                                              <p:pRg st="4" end="4"/>
+                                            </p:txEl>
+                                          </p:spTgt>
                                         </p:tgtEl>
                                       </p:cBhvr>
                                     </p:animEffect>
@@ -21398,10 +22965,6 @@
         </p:cTn>
       </p:par>
     </p:tnLst>
-    <p:bldLst>
-      <p:bldP spid="2" grpId="0"/>
-      <p:bldP spid="3" grpId="0"/>
-    </p:bldLst>
   </p:timing>
 </p:sld>
 </file>
@@ -21439,7 +23002,7 @@
         </p:nvSpPr>
         <p:spPr>
           <a:xfrm>
-            <a:off x="0" y="1519427"/>
+            <a:off x="0" y="995535"/>
             <a:ext cx="9144000" cy="772133"/>
           </a:xfrm>
           <a:prstGeom prst="rect">
@@ -21621,8 +23184,8 @@
         </p:nvSpPr>
         <p:spPr>
           <a:xfrm>
-            <a:off x="465589" y="2291560"/>
-            <a:ext cx="8212822" cy="2862322"/>
+            <a:off x="329665" y="1767668"/>
+            <a:ext cx="5453297" cy="4093428"/>
           </a:xfrm>
           <a:prstGeom prst="rect">
             <a:avLst/>
@@ -21793,19 +23356,20 @@
               <a:buFont typeface="Wingdings" panose="05000000000000000000" pitchFamily="2" charset="2"/>
               <a:buChar char="v"/>
             </a:pPr>
-            <a:r>
-              <a:rPr lang="en-US" sz="2000" dirty="0"/>
-              <a:t>Trello boards</a:t>
-            </a:r>
+            <a:endParaRPr lang="en-US" sz="2000" dirty="0"/>
           </a:p>
           <a:p>
-            <a:pPr marL="457200" indent="-457200">
+            <a:pPr marL="457200" indent="-457200" algn="just">
               <a:buFont typeface="Wingdings" panose="05000000000000000000" pitchFamily="2" charset="2"/>
               <a:buChar char="v"/>
             </a:pPr>
             <a:r>
+              <a:rPr lang="en-US" sz="2000" dirty="0"/>
+              <a:t>Trello boards: </a:t>
+            </a:r>
+            <a:r>
               <a:rPr lang="en-US" sz="2000" dirty="0" err="1"/>
-              <a:t>Xây</a:t>
+              <a:t>Tổ</a:t>
             </a:r>
             <a:r>
               <a:rPr lang="en-US" sz="2000" dirty="0"/>
@@ -21813,7 +23377,7 @@
             </a:r>
             <a:r>
               <a:rPr lang="en-US" sz="2000" dirty="0" err="1"/>
-              <a:t>dựng</a:t>
+              <a:t>chức</a:t>
             </a:r>
             <a:r>
               <a:rPr lang="en-US" sz="2000" dirty="0"/>
@@ -21821,7 +23385,7 @@
             </a:r>
             <a:r>
               <a:rPr lang="en-US" sz="2000" dirty="0" err="1"/>
-              <a:t>sự</a:t>
+              <a:t>và</a:t>
             </a:r>
             <a:r>
               <a:rPr lang="en-US" sz="2000" dirty="0"/>
@@ -21829,7 +23393,7 @@
             </a:r>
             <a:r>
               <a:rPr lang="en-US" sz="2000" dirty="0" err="1"/>
-              <a:t>tích</a:t>
+              <a:t>hợp</a:t>
             </a:r>
             <a:r>
               <a:rPr lang="en-US" sz="2000" dirty="0"/>
@@ -21837,18 +23401,92 @@
             </a:r>
             <a:r>
               <a:rPr lang="en-US" sz="2000" dirty="0" err="1"/>
-              <a:t>hợp</a:t>
-            </a:r>
+              <a:t>tác</a:t>
+            </a:r>
+            <a:r>
+              <a:rPr lang="en-US" sz="2000" dirty="0"/>
+              <a:t> </a:t>
+            </a:r>
+            <a:r>
+              <a:rPr lang="en-US" sz="2000" dirty="0" err="1"/>
+              <a:t>với</a:t>
+            </a:r>
+            <a:r>
+              <a:rPr lang="en-US" sz="2000" dirty="0"/>
+              <a:t> </a:t>
+            </a:r>
+            <a:r>
+              <a:rPr lang="en-US" sz="2000" dirty="0" err="1"/>
+              <a:t>các</a:t>
+            </a:r>
+            <a:r>
+              <a:rPr lang="en-US" sz="2000" dirty="0"/>
+              <a:t> </a:t>
+            </a:r>
+            <a:r>
+              <a:rPr lang="en-US" sz="2000" dirty="0" err="1"/>
+              <a:t>thành</a:t>
+            </a:r>
+            <a:r>
+              <a:rPr lang="en-US" sz="2000" dirty="0"/>
+              <a:t> </a:t>
+            </a:r>
+            <a:r>
+              <a:rPr lang="en-US" sz="2000" dirty="0" err="1"/>
+              <a:t>viên</a:t>
+            </a:r>
+            <a:r>
+              <a:rPr lang="en-US" sz="2000" dirty="0"/>
+              <a:t> </a:t>
+            </a:r>
+            <a:r>
+              <a:rPr lang="en-US" sz="2000" dirty="0" err="1"/>
+              <a:t>trong</a:t>
+            </a:r>
+            <a:r>
+              <a:rPr lang="en-US" sz="2000" dirty="0"/>
+              <a:t> </a:t>
+            </a:r>
+            <a:r>
+              <a:rPr lang="en-US" sz="2000" dirty="0" err="1"/>
+              <a:t>nhóm</a:t>
+            </a:r>
+            <a:r>
+              <a:rPr lang="en-US" sz="2000" dirty="0"/>
+              <a:t> qua </a:t>
+            </a:r>
+            <a:r>
+              <a:rPr lang="en-US" sz="2000" dirty="0" err="1"/>
+              <a:t>công</a:t>
+            </a:r>
+            <a:r>
+              <a:rPr lang="en-US" sz="2000" dirty="0"/>
+              <a:t> </a:t>
+            </a:r>
+            <a:r>
+              <a:rPr lang="en-US" sz="2000" dirty="0" err="1"/>
+              <a:t>cụ</a:t>
+            </a:r>
+            <a:r>
+              <a:rPr lang="en-US" sz="2000" dirty="0"/>
+              <a:t> Trello.</a:t>
+            </a:r>
+          </a:p>
+          <a:p>
+            <a:pPr marL="457200" indent="-457200" algn="just">
+              <a:buFont typeface="Wingdings" panose="05000000000000000000" pitchFamily="2" charset="2"/>
+              <a:buChar char="v"/>
+            </a:pPr>
             <a:endParaRPr lang="en-US" sz="2000" dirty="0"/>
           </a:p>
           <a:p>
-            <a:pPr marL="457200" indent="-457200">
+            <a:pPr marL="457200" indent="-457200" algn="just">
               <a:buFont typeface="Wingdings" panose="05000000000000000000" pitchFamily="2" charset="2"/>
               <a:buChar char="v"/>
             </a:pPr>
             <a:r>
               <a:rPr lang="en-US" sz="2000" dirty="0" err="1"/>
-              <a:t>Tích</a:t>
+              <a:t>Xây</a:t>
             </a:r>
             <a:r>
               <a:rPr lang="en-US" sz="2000" dirty="0"/>
@@ -21856,21 +23494,7 @@
             </a:r>
             <a:r>
               <a:rPr lang="en-US" sz="2000" dirty="0" err="1"/>
-              <a:t>hợp</a:t>
-            </a:r>
-            <a:r>
-              <a:rPr lang="en-US" sz="2000" dirty="0"/>
-              <a:t> Jira</a:t>
-            </a:r>
-          </a:p>
-          <a:p>
-            <a:pPr marL="457200" indent="-457200">
-              <a:buFont typeface="Wingdings" panose="05000000000000000000" pitchFamily="2" charset="2"/>
-              <a:buChar char="v"/>
-            </a:pPr>
-            <a:r>
-              <a:rPr lang="en-US" sz="2000" dirty="0" err="1"/>
-              <a:t>Hợp</a:t>
+              <a:t>dựng</a:t>
             </a:r>
             <a:r>
               <a:rPr lang="en-US" sz="2000" dirty="0"/>
@@ -21878,7 +23502,7 @@
             </a:r>
             <a:r>
               <a:rPr lang="en-US" sz="2000" dirty="0" err="1"/>
-              <a:t>nhất</a:t>
+              <a:t>sự</a:t>
             </a:r>
             <a:r>
               <a:rPr lang="en-US" sz="2000" dirty="0"/>
@@ -21886,7 +23510,7 @@
             </a:r>
             <a:r>
               <a:rPr lang="en-US" sz="2000" dirty="0" err="1"/>
-              <a:t>với</a:t>
+              <a:t>tích</a:t>
             </a:r>
             <a:r>
               <a:rPr lang="en-US" sz="2000" dirty="0"/>
@@ -21894,7 +23518,15 @@
             </a:r>
             <a:r>
               <a:rPr lang="en-US" sz="2000" dirty="0" err="1"/>
-              <a:t>bên</a:t>
+              <a:t>hợp</a:t>
+            </a:r>
+            <a:r>
+              <a:rPr lang="en-US" sz="2000" dirty="0"/>
+              <a:t>: Cho </a:t>
+            </a:r>
+            <a:r>
+              <a:rPr lang="en-US" sz="2000" dirty="0" err="1"/>
+              <a:t>biết</a:t>
             </a:r>
             <a:r>
               <a:rPr lang="en-US" sz="2000" dirty="0"/>
@@ -21902,22 +23534,252 @@
             </a:r>
             <a:r>
               <a:rPr lang="en-US" sz="2000" dirty="0" err="1"/>
-              <a:t>thứ</a:t>
+              <a:t>độ</a:t>
             </a:r>
             <a:r>
               <a:rPr lang="en-US" sz="2000" dirty="0"/>
-              <a:t> 3</a:t>
-            </a:r>
-            <a:endParaRPr lang="en-US" sz="2000" b="1" dirty="0">
-              <a:solidFill>
-                <a:srgbClr val="00B050"/>
-              </a:solidFill>
-              <a:latin typeface="Arial" panose="020B0604020202020204" pitchFamily="34" charset="0"/>
-              <a:cs typeface="Arial" panose="020B0604020202020204" pitchFamily="34" charset="0"/>
-            </a:endParaRPr>
+              <a:t> </a:t>
+            </a:r>
+            <a:r>
+              <a:rPr lang="en-US" sz="2000" dirty="0" err="1"/>
+              <a:t>mạnh</a:t>
+            </a:r>
+            <a:r>
+              <a:rPr lang="en-US" sz="2000" dirty="0"/>
+              <a:t>, </a:t>
+            </a:r>
+            <a:r>
+              <a:rPr lang="en-US" sz="2000" dirty="0" err="1"/>
+              <a:t>yếu</a:t>
+            </a:r>
+            <a:r>
+              <a:rPr lang="en-US" sz="2000" dirty="0"/>
+              <a:t> </a:t>
+            </a:r>
+            <a:r>
+              <a:rPr lang="en-US" sz="2000" dirty="0" err="1"/>
+              <a:t>của</a:t>
+            </a:r>
+            <a:r>
+              <a:rPr lang="en-US" sz="2000" dirty="0"/>
+              <a:t> code </a:t>
+            </a:r>
+            <a:r>
+              <a:rPr lang="en-US" sz="2000" dirty="0" err="1"/>
+              <a:t>bằng</a:t>
+            </a:r>
+            <a:r>
+              <a:rPr lang="en-US" sz="2000" dirty="0"/>
+              <a:t> </a:t>
+            </a:r>
+            <a:r>
+              <a:rPr lang="en-US" sz="2000" dirty="0" err="1"/>
+              <a:t>cách</a:t>
+            </a:r>
+            <a:r>
+              <a:rPr lang="en-US" sz="2000" dirty="0"/>
+              <a:t> </a:t>
+            </a:r>
+            <a:r>
+              <a:rPr lang="en-US" sz="2000" dirty="0" err="1"/>
+              <a:t>trả</a:t>
+            </a:r>
+            <a:r>
+              <a:rPr lang="en-US" sz="2000" dirty="0"/>
+              <a:t> </a:t>
+            </a:r>
+            <a:r>
+              <a:rPr lang="en-US" sz="2000" dirty="0" err="1"/>
+              <a:t>về</a:t>
+            </a:r>
+            <a:r>
+              <a:rPr lang="en-US" sz="2000" dirty="0"/>
+              <a:t> icon </a:t>
+            </a:r>
+            <a:r>
+              <a:rPr lang="en-US" sz="2000" dirty="0" err="1"/>
+              <a:t>thành</a:t>
+            </a:r>
+            <a:r>
+              <a:rPr lang="en-US" sz="2000" dirty="0"/>
+              <a:t> </a:t>
+            </a:r>
+            <a:r>
+              <a:rPr lang="en-US" sz="2000" dirty="0" err="1"/>
+              <a:t>công</a:t>
+            </a:r>
+            <a:r>
+              <a:rPr lang="en-US" sz="2000" dirty="0"/>
+              <a:t> </a:t>
+            </a:r>
+            <a:r>
+              <a:rPr lang="en-US" sz="2000" dirty="0" err="1"/>
+              <a:t>hoặc</a:t>
+            </a:r>
+            <a:r>
+              <a:rPr lang="en-US" sz="2000" dirty="0"/>
+              <a:t> </a:t>
+            </a:r>
+            <a:r>
+              <a:rPr lang="en-US" sz="2000" dirty="0" err="1"/>
+              <a:t>thất</a:t>
+            </a:r>
+            <a:r>
+              <a:rPr lang="en-US" sz="2000" dirty="0"/>
+              <a:t> </a:t>
+            </a:r>
+            <a:r>
+              <a:rPr lang="en-US" sz="2000" dirty="0" err="1"/>
+              <a:t>bại</a:t>
+            </a:r>
+            <a:r>
+              <a:rPr lang="en-US" sz="2000" dirty="0"/>
+              <a:t> </a:t>
+            </a:r>
+            <a:r>
+              <a:rPr lang="en-US" sz="2000" dirty="0" err="1"/>
+              <a:t>dựa</a:t>
+            </a:r>
+            <a:r>
+              <a:rPr lang="en-US" sz="2000" dirty="0"/>
+              <a:t> </a:t>
+            </a:r>
+            <a:r>
+              <a:rPr lang="en-US" sz="2000" dirty="0" err="1"/>
+              <a:t>trên</a:t>
+            </a:r>
+            <a:r>
+              <a:rPr lang="en-US" sz="2000" dirty="0"/>
+              <a:t> </a:t>
+            </a:r>
+            <a:r>
+              <a:rPr lang="en-US" sz="2000" dirty="0" err="1"/>
+              <a:t>hệ</a:t>
+            </a:r>
+            <a:r>
+              <a:rPr lang="en-US" sz="2000" dirty="0"/>
+              <a:t> </a:t>
+            </a:r>
+            <a:r>
+              <a:rPr lang="en-US" sz="2000" dirty="0" err="1"/>
+              <a:t>thống</a:t>
+            </a:r>
+            <a:r>
+              <a:rPr lang="en-US" sz="2000" dirty="0"/>
+              <a:t> CI – </a:t>
+            </a:r>
+            <a:r>
+              <a:rPr lang="en-US" sz="2000" dirty="0" err="1"/>
+              <a:t>Tích</a:t>
+            </a:r>
+            <a:r>
+              <a:rPr lang="en-US" sz="2000" dirty="0"/>
+              <a:t> </a:t>
+            </a:r>
+            <a:r>
+              <a:rPr lang="en-US" sz="2000" dirty="0" err="1"/>
+              <a:t>hợp</a:t>
+            </a:r>
+            <a:r>
+              <a:rPr lang="en-US" sz="2000" dirty="0"/>
+              <a:t> </a:t>
+            </a:r>
+            <a:r>
+              <a:rPr lang="en-US" sz="2000" dirty="0" err="1"/>
+              <a:t>liên</a:t>
+            </a:r>
+            <a:r>
+              <a:rPr lang="en-US" sz="2000" dirty="0"/>
+              <a:t> </a:t>
+            </a:r>
+            <a:r>
+              <a:rPr lang="en-US" sz="2000" dirty="0" err="1"/>
+              <a:t>tục</a:t>
+            </a:r>
+            <a:r>
+              <a:rPr lang="en-US" sz="2000" dirty="0"/>
+              <a:t>.</a:t>
+            </a:r>
           </a:p>
         </p:txBody>
       </p:sp>
+      <p:pic>
+        <p:nvPicPr>
+          <p:cNvPr id="4" name="Picture 2" descr="Free icons - Free vector icons - Free SVG, PSD, PNG, EPS, Ai &amp; Icon Font">
+            <a:extLst>
+              <a:ext uri="{FF2B5EF4-FFF2-40B4-BE49-F238E27FC236}">
+                <a16:creationId xmlns:a16="http://schemas.microsoft.com/office/drawing/2014/main" id="{35A6EB2A-1F7E-4747-95B1-BDB3309359C2}"/>
+              </a:ext>
+            </a:extLst>
+          </p:cNvPr>
+          <p:cNvPicPr>
+            <a:picLocks noChangeAspect="1" noChangeArrowheads="1"/>
+          </p:cNvPicPr>
+          <p:nvPr/>
+        </p:nvPicPr>
+        <p:blipFill>
+          <a:blip r:embed="rId2">
+            <a:extLst>
+              <a:ext uri="{28A0092B-C50C-407E-A947-70E740481C1C}">
+                <a14:useLocalDpi xmlns:a14="http://schemas.microsoft.com/office/drawing/2010/main" val="0"/>
+              </a:ext>
+            </a:extLst>
+          </a:blip>
+          <a:srcRect/>
+          <a:stretch>
+            <a:fillRect/>
+          </a:stretch>
+        </p:blipFill>
+        <p:spPr bwMode="auto">
+          <a:xfrm>
+            <a:off x="6190735" y="1683572"/>
+            <a:ext cx="2815282" cy="2815282"/>
+          </a:xfrm>
+          <a:prstGeom prst="rect">
+            <a:avLst/>
+          </a:prstGeom>
+          <a:noFill/>
+          <a:extLst>
+            <a:ext uri="{909E8E84-426E-40DD-AFC4-6F175D3DCCD1}">
+              <a14:hiddenFill xmlns:a14="http://schemas.microsoft.com/office/drawing/2010/main">
+                <a:solidFill>
+                  <a:srgbClr val="FFFFFF"/>
+                </a:solidFill>
+              </a14:hiddenFill>
+            </a:ext>
+          </a:extLst>
+        </p:spPr>
+      </p:pic>
+      <p:pic>
+        <p:nvPicPr>
+          <p:cNvPr id="5" name="Picture 4">
+            <a:extLst>
+              <a:ext uri="{FF2B5EF4-FFF2-40B4-BE49-F238E27FC236}">
+                <a16:creationId xmlns:a16="http://schemas.microsoft.com/office/drawing/2014/main" id="{1D573630-7047-400E-882F-87A12FFC8A8F}"/>
+              </a:ext>
+            </a:extLst>
+          </p:cNvPr>
+          <p:cNvPicPr>
+            <a:picLocks noChangeAspect="1"/>
+          </p:cNvPicPr>
+          <p:nvPr/>
+        </p:nvPicPr>
+        <p:blipFill>
+          <a:blip r:embed="rId3"/>
+          <a:stretch>
+            <a:fillRect/>
+          </a:stretch>
+        </p:blipFill>
+        <p:spPr>
+          <a:xfrm>
+            <a:off x="6350536" y="3913731"/>
+            <a:ext cx="2495679" cy="551172"/>
+          </a:xfrm>
+          <a:prstGeom prst="rect">
+            <a:avLst/>
+          </a:prstGeom>
+        </p:spPr>
+      </p:pic>
     </p:spTree>
     <p:extLst>
       <p:ext uri="{BB962C8B-B14F-4D97-AF65-F5344CB8AC3E}">
@@ -21952,7 +23814,7 @@
                             </p:stCondLst>
                             <p:childTnLst>
                               <p:par>
-                                <p:cTn id="5" presetID="26" presetClass="entr" presetSubtype="0" fill="hold" grpId="0" nodeType="withEffect">
+                                <p:cTn id="5" presetID="14" presetClass="entr" presetSubtype="10" fill="hold" nodeType="withEffect">
                                   <p:stCondLst>
                                     <p:cond delay="0"/>
                                   </p:stCondLst>
@@ -21965,7 +23827,11 @@
                                           </p:stCondLst>
                                         </p:cTn>
                                         <p:tgtEl>
-                                          <p:spTgt spid="2"/>
+                                          <p:spTgt spid="3">
+                                            <p:txEl>
+                                              <p:pRg st="0" end="0"/>
+                                            </p:txEl>
+                                          </p:spTgt>
                                         </p:tgtEl>
                                         <p:attrNameLst>
                                           <p:attrName>style.visibility</p:attrName>
@@ -21975,284 +23841,40 @@
                                         <p:strVal val="visible"/>
                                       </p:to>
                                     </p:set>
-                                    <p:animEffect transition="in" filter="wipe(down)">
+                                    <p:animEffect transition="in" filter="randombar(horizontal)">
                                       <p:cBhvr>
-                                        <p:cTn id="7" dur="290">
-                                          <p:stCondLst>
-                                            <p:cond delay="0"/>
-                                          </p:stCondLst>
-                                        </p:cTn>
+                                        <p:cTn id="7" dur="1000"/>
                                         <p:tgtEl>
-                                          <p:spTgt spid="2"/>
+                                          <p:spTgt spid="3">
+                                            <p:txEl>
+                                              <p:pRg st="0" end="0"/>
+                                            </p:txEl>
+                                          </p:spTgt>
                                         </p:tgtEl>
                                       </p:cBhvr>
                                     </p:animEffect>
-                                    <p:anim calcmode="lin" valueType="num">
-                                      <p:cBhvr>
-                                        <p:cTn id="8" dur="911" tmFilter="0,0; 0.14,0.36; 0.43,0.73; 0.71,0.91; 1.0,1.0">
-                                          <p:stCondLst>
-                                            <p:cond delay="0"/>
-                                          </p:stCondLst>
-                                        </p:cTn>
-                                        <p:tgtEl>
-                                          <p:spTgt spid="2"/>
-                                        </p:tgtEl>
-                                        <p:attrNameLst>
-                                          <p:attrName>ppt_x</p:attrName>
-                                        </p:attrNameLst>
-                                      </p:cBhvr>
-                                      <p:tavLst>
-                                        <p:tav tm="0">
-                                          <p:val>
-                                            <p:strVal val="#ppt_x-0.25"/>
-                                          </p:val>
-                                        </p:tav>
-                                        <p:tav tm="100000">
-                                          <p:val>
-                                            <p:strVal val="#ppt_x"/>
-                                          </p:val>
-                                        </p:tav>
-                                      </p:tavLst>
-                                    </p:anim>
-                                    <p:anim calcmode="lin" valueType="num">
-                                      <p:cBhvr>
-                                        <p:cTn id="9" dur="332" tmFilter="0.0,0.0; 0.25,0.07; 0.50,0.2; 0.75,0.467; 1.0,1.0">
-                                          <p:stCondLst>
-                                            <p:cond delay="0"/>
-                                          </p:stCondLst>
-                                        </p:cTn>
-                                        <p:tgtEl>
-                                          <p:spTgt spid="2"/>
-                                        </p:tgtEl>
-                                        <p:attrNameLst>
-                                          <p:attrName>ppt_y</p:attrName>
-                                        </p:attrNameLst>
-                                      </p:cBhvr>
-                                      <p:tavLst>
-                                        <p:tav tm="0" fmla="#ppt_y-sin(pi*$)/3">
-                                          <p:val>
-                                            <p:fltVal val="0.5"/>
-                                          </p:val>
-                                        </p:tav>
-                                        <p:tav tm="100000">
-                                          <p:val>
-                                            <p:fltVal val="1"/>
-                                          </p:val>
-                                        </p:tav>
-                                      </p:tavLst>
-                                    </p:anim>
-                                    <p:anim calcmode="lin" valueType="num">
-                                      <p:cBhvr>
-                                        <p:cTn id="10" dur="332" tmFilter="0, 0; 0.125,0.2665; 0.25,0.4; 0.375,0.465; 0.5,0.5;  0.625,0.535; 0.75,0.6; 0.875,0.7335; 1,1">
-                                          <p:stCondLst>
-                                            <p:cond delay="332"/>
-                                          </p:stCondLst>
-                                        </p:cTn>
-                                        <p:tgtEl>
-                                          <p:spTgt spid="2"/>
-                                        </p:tgtEl>
-                                        <p:attrNameLst>
-                                          <p:attrName>ppt_y</p:attrName>
-                                        </p:attrNameLst>
-                                      </p:cBhvr>
-                                      <p:tavLst>
-                                        <p:tav tm="0" fmla="#ppt_y-sin(pi*$)/9">
-                                          <p:val>
-                                            <p:fltVal val="0"/>
-                                          </p:val>
-                                        </p:tav>
-                                        <p:tav tm="100000">
-                                          <p:val>
-                                            <p:fltVal val="1"/>
-                                          </p:val>
-                                        </p:tav>
-                                      </p:tavLst>
-                                    </p:anim>
-                                    <p:anim calcmode="lin" valueType="num">
-                                      <p:cBhvr>
-                                        <p:cTn id="11" dur="166" tmFilter="0, 0; 0.125,0.2665; 0.25,0.4; 0.375,0.465; 0.5,0.5;  0.625,0.535; 0.75,0.6; 0.875,0.7335; 1,1">
-                                          <p:stCondLst>
-                                            <p:cond delay="662"/>
-                                          </p:stCondLst>
-                                        </p:cTn>
-                                        <p:tgtEl>
-                                          <p:spTgt spid="2"/>
-                                        </p:tgtEl>
-                                        <p:attrNameLst>
-                                          <p:attrName>ppt_y</p:attrName>
-                                        </p:attrNameLst>
-                                      </p:cBhvr>
-                                      <p:tavLst>
-                                        <p:tav tm="0" fmla="#ppt_y-sin(pi*$)/27">
-                                          <p:val>
-                                            <p:fltVal val="0"/>
-                                          </p:val>
-                                        </p:tav>
-                                        <p:tav tm="100000">
-                                          <p:val>
-                                            <p:fltVal val="1"/>
-                                          </p:val>
-                                        </p:tav>
-                                      </p:tavLst>
-                                    </p:anim>
-                                    <p:anim calcmode="lin" valueType="num">
-                                      <p:cBhvr>
-                                        <p:cTn id="12" dur="82" tmFilter="0, 0; 0.125,0.2665; 0.25,0.4; 0.375,0.465; 0.5,0.5;  0.625,0.535; 0.75,0.6; 0.875,0.7335; 1,1">
-                                          <p:stCondLst>
-                                            <p:cond delay="828"/>
-                                          </p:stCondLst>
-                                        </p:cTn>
-                                        <p:tgtEl>
-                                          <p:spTgt spid="2"/>
-                                        </p:tgtEl>
-                                        <p:attrNameLst>
-                                          <p:attrName>ppt_y</p:attrName>
-                                        </p:attrNameLst>
-                                      </p:cBhvr>
-                                      <p:tavLst>
-                                        <p:tav tm="0" fmla="#ppt_y-sin(pi*$)/81">
-                                          <p:val>
-                                            <p:fltVal val="0"/>
-                                          </p:val>
-                                        </p:tav>
-                                        <p:tav tm="100000">
-                                          <p:val>
-                                            <p:fltVal val="1"/>
-                                          </p:val>
-                                        </p:tav>
-                                      </p:tavLst>
-                                    </p:anim>
-                                    <p:animScale>
-                                      <p:cBhvr>
-                                        <p:cTn id="13" dur="13">
-                                          <p:stCondLst>
-                                            <p:cond delay="325"/>
-                                          </p:stCondLst>
-                                        </p:cTn>
-                                        <p:tgtEl>
-                                          <p:spTgt spid="2"/>
-                                        </p:tgtEl>
-                                      </p:cBhvr>
-                                      <p:to x="100000" y="60000"/>
-                                    </p:animScale>
-                                    <p:animScale>
-                                      <p:cBhvr>
-                                        <p:cTn id="14" dur="83" decel="50000">
-                                          <p:stCondLst>
-                                            <p:cond delay="338"/>
-                                          </p:stCondLst>
-                                        </p:cTn>
-                                        <p:tgtEl>
-                                          <p:spTgt spid="2"/>
-                                        </p:tgtEl>
-                                      </p:cBhvr>
-                                      <p:to x="100000" y="100000"/>
-                                    </p:animScale>
-                                    <p:animScale>
-                                      <p:cBhvr>
-                                        <p:cTn id="15" dur="13">
-                                          <p:stCondLst>
-                                            <p:cond delay="656"/>
-                                          </p:stCondLst>
-                                        </p:cTn>
-                                        <p:tgtEl>
-                                          <p:spTgt spid="2"/>
-                                        </p:tgtEl>
-                                      </p:cBhvr>
-                                      <p:to x="100000" y="80000"/>
-                                    </p:animScale>
-                                    <p:animScale>
-                                      <p:cBhvr>
-                                        <p:cTn id="16" dur="83" decel="50000">
-                                          <p:stCondLst>
-                                            <p:cond delay="669"/>
-                                          </p:stCondLst>
-                                        </p:cTn>
-                                        <p:tgtEl>
-                                          <p:spTgt spid="2"/>
-                                        </p:tgtEl>
-                                      </p:cBhvr>
-                                      <p:to x="100000" y="100000"/>
-                                    </p:animScale>
-                                    <p:animScale>
-                                      <p:cBhvr>
-                                        <p:cTn id="17" dur="13">
-                                          <p:stCondLst>
-                                            <p:cond delay="821"/>
-                                          </p:stCondLst>
-                                        </p:cTn>
-                                        <p:tgtEl>
-                                          <p:spTgt spid="2"/>
-                                        </p:tgtEl>
-                                      </p:cBhvr>
-                                      <p:to x="100000" y="90000"/>
-                                    </p:animScale>
-                                    <p:animScale>
-                                      <p:cBhvr>
-                                        <p:cTn id="18" dur="83" decel="50000">
-                                          <p:stCondLst>
-                                            <p:cond delay="834"/>
-                                          </p:stCondLst>
-                                        </p:cTn>
-                                        <p:tgtEl>
-                                          <p:spTgt spid="2"/>
-                                        </p:tgtEl>
-                                      </p:cBhvr>
-                                      <p:to x="100000" y="100000"/>
-                                    </p:animScale>
-                                    <p:animScale>
-                                      <p:cBhvr>
-                                        <p:cTn id="19" dur="13">
-                                          <p:stCondLst>
-                                            <p:cond delay="904"/>
-                                          </p:stCondLst>
-                                        </p:cTn>
-                                        <p:tgtEl>
-                                          <p:spTgt spid="2"/>
-                                        </p:tgtEl>
-                                      </p:cBhvr>
-                                      <p:to x="100000" y="95000"/>
-                                    </p:animScale>
-                                    <p:animScale>
-                                      <p:cBhvr>
-                                        <p:cTn id="20" dur="83" decel="50000">
-                                          <p:stCondLst>
-                                            <p:cond delay="917"/>
-                                          </p:stCondLst>
-                                        </p:cTn>
-                                        <p:tgtEl>
-                                          <p:spTgt spid="2"/>
-                                        </p:tgtEl>
-                                      </p:cBhvr>
-                                      <p:to x="100000" y="100000"/>
-                                    </p:animScale>
                                   </p:childTnLst>
                                 </p:cTn>
                               </p:par>
-                            </p:childTnLst>
-                          </p:cTn>
-                        </p:par>
-                        <p:par>
-                          <p:cTn id="21" fill="hold">
-                            <p:stCondLst>
-                              <p:cond delay="1000"/>
-                            </p:stCondLst>
-                            <p:childTnLst>
                               <p:par>
-                                <p:cTn id="22" presetID="31" presetClass="entr" presetSubtype="0" fill="hold" grpId="0" nodeType="afterEffect">
+                                <p:cTn id="8" presetID="14" presetClass="entr" presetSubtype="10" fill="hold" nodeType="withEffect">
                                   <p:stCondLst>
                                     <p:cond delay="0"/>
                                   </p:stCondLst>
                                   <p:childTnLst>
                                     <p:set>
                                       <p:cBhvr>
-                                        <p:cTn id="23" dur="1" fill="hold">
+                                        <p:cTn id="9" dur="1" fill="hold">
                                           <p:stCondLst>
                                             <p:cond delay="0"/>
                                           </p:stCondLst>
                                         </p:cTn>
                                         <p:tgtEl>
-                                          <p:spTgt spid="3"/>
+                                          <p:spTgt spid="3">
+                                            <p:txEl>
+                                              <p:pRg st="1" end="1"/>
+                                            </p:txEl>
+                                          </p:spTgt>
                                         </p:tgtEl>
                                         <p:attrNameLst>
                                           <p:attrName>style.visibility</p:attrName>
@@ -22262,80 +23884,230 @@
                                         <p:strVal val="visible"/>
                                       </p:to>
                                     </p:set>
-                                    <p:anim calcmode="lin" valueType="num">
+                                    <p:animEffect transition="in" filter="randombar(horizontal)">
                                       <p:cBhvr>
-                                        <p:cTn id="24" dur="1000" fill="hold"/>
+                                        <p:cTn id="10" dur="1000"/>
                                         <p:tgtEl>
-                                          <p:spTgt spid="3"/>
+                                          <p:spTgt spid="3">
+                                            <p:txEl>
+                                              <p:pRg st="1" end="1"/>
+                                            </p:txEl>
+                                          </p:spTgt>
+                                        </p:tgtEl>
+                                      </p:cBhvr>
+                                    </p:animEffect>
+                                  </p:childTnLst>
+                                </p:cTn>
+                              </p:par>
+                              <p:par>
+                                <p:cTn id="11" presetID="14" presetClass="entr" presetSubtype="10" fill="hold" nodeType="withEffect">
+                                  <p:stCondLst>
+                                    <p:cond delay="0"/>
+                                  </p:stCondLst>
+                                  <p:childTnLst>
+                                    <p:set>
+                                      <p:cBhvr>
+                                        <p:cTn id="12" dur="1" fill="hold">
+                                          <p:stCondLst>
+                                            <p:cond delay="0"/>
+                                          </p:stCondLst>
+                                        </p:cTn>
+                                        <p:tgtEl>
+                                          <p:spTgt spid="3">
+                                            <p:txEl>
+                                              <p:pRg st="2" end="2"/>
+                                            </p:txEl>
+                                          </p:spTgt>
                                         </p:tgtEl>
                                         <p:attrNameLst>
-                                          <p:attrName>ppt_w</p:attrName>
+                                          <p:attrName>style.visibility</p:attrName>
                                         </p:attrNameLst>
                                       </p:cBhvr>
-                                      <p:tavLst>
-                                        <p:tav tm="0">
-                                          <p:val>
-                                            <p:fltVal val="0"/>
-                                          </p:val>
-                                        </p:tav>
-                                        <p:tav tm="100000">
-                                          <p:val>
-                                            <p:strVal val="#ppt_w"/>
-                                          </p:val>
-                                        </p:tav>
-                                      </p:tavLst>
-                                    </p:anim>
-                                    <p:anim calcmode="lin" valueType="num">
+                                      <p:to>
+                                        <p:strVal val="visible"/>
+                                      </p:to>
+                                    </p:set>
+                                    <p:animEffect transition="in" filter="randombar(horizontal)">
                                       <p:cBhvr>
-                                        <p:cTn id="25" dur="1000" fill="hold"/>
+                                        <p:cTn id="13" dur="1000"/>
                                         <p:tgtEl>
-                                          <p:spTgt spid="3"/>
+                                          <p:spTgt spid="3">
+                                            <p:txEl>
+                                              <p:pRg st="2" end="2"/>
+                                            </p:txEl>
+                                          </p:spTgt>
+                                        </p:tgtEl>
+                                      </p:cBhvr>
+                                    </p:animEffect>
+                                  </p:childTnLst>
+                                </p:cTn>
+                              </p:par>
+                              <p:par>
+                                <p:cTn id="14" presetID="14" presetClass="entr" presetSubtype="10" fill="hold" nodeType="withEffect">
+                                  <p:stCondLst>
+                                    <p:cond delay="0"/>
+                                  </p:stCondLst>
+                                  <p:childTnLst>
+                                    <p:set>
+                                      <p:cBhvr>
+                                        <p:cTn id="15" dur="1" fill="hold">
+                                          <p:stCondLst>
+                                            <p:cond delay="0"/>
+                                          </p:stCondLst>
+                                        </p:cTn>
+                                        <p:tgtEl>
+                                          <p:spTgt spid="3">
+                                            <p:txEl>
+                                              <p:pRg st="3" end="3"/>
+                                            </p:txEl>
+                                          </p:spTgt>
                                         </p:tgtEl>
                                         <p:attrNameLst>
-                                          <p:attrName>ppt_h</p:attrName>
+                                          <p:attrName>style.visibility</p:attrName>
                                         </p:attrNameLst>
                                       </p:cBhvr>
-                                      <p:tavLst>
-                                        <p:tav tm="0">
-                                          <p:val>
-                                            <p:fltVal val="0"/>
-                                          </p:val>
-                                        </p:tav>
-                                        <p:tav tm="100000">
-                                          <p:val>
-                                            <p:strVal val="#ppt_h"/>
-                                          </p:val>
-                                        </p:tav>
-                                      </p:tavLst>
-                                    </p:anim>
-                                    <p:anim calcmode="lin" valueType="num">
+                                      <p:to>
+                                        <p:strVal val="visible"/>
+                                      </p:to>
+                                    </p:set>
+                                    <p:animEffect transition="in" filter="randombar(horizontal)">
                                       <p:cBhvr>
-                                        <p:cTn id="26" dur="1000" fill="hold"/>
+                                        <p:cTn id="16" dur="1000"/>
                                         <p:tgtEl>
-                                          <p:spTgt spid="3"/>
+                                          <p:spTgt spid="3">
+                                            <p:txEl>
+                                              <p:pRg st="3" end="3"/>
+                                            </p:txEl>
+                                          </p:spTgt>
+                                        </p:tgtEl>
+                                      </p:cBhvr>
+                                    </p:animEffect>
+                                  </p:childTnLst>
+                                </p:cTn>
+                              </p:par>
+                              <p:par>
+                                <p:cTn id="17" presetID="14" presetClass="entr" presetSubtype="10" fill="hold" nodeType="withEffect">
+                                  <p:stCondLst>
+                                    <p:cond delay="0"/>
+                                  </p:stCondLst>
+                                  <p:childTnLst>
+                                    <p:set>
+                                      <p:cBhvr>
+                                        <p:cTn id="18" dur="1" fill="hold">
+                                          <p:stCondLst>
+                                            <p:cond delay="0"/>
+                                          </p:stCondLst>
+                                        </p:cTn>
+                                        <p:tgtEl>
+                                          <p:spTgt spid="3">
+                                            <p:txEl>
+                                              <p:pRg st="4" end="4"/>
+                                            </p:txEl>
+                                          </p:spTgt>
                                         </p:tgtEl>
                                         <p:attrNameLst>
-                                          <p:attrName>style.rotation</p:attrName>
+                                          <p:attrName>style.visibility</p:attrName>
                                         </p:attrNameLst>
                                       </p:cBhvr>
-                                      <p:tavLst>
-                                        <p:tav tm="0">
-                                          <p:val>
-                                            <p:fltVal val="90"/>
-                                          </p:val>
-                                        </p:tav>
-                                        <p:tav tm="100000">
-                                          <p:val>
-                                            <p:fltVal val="0"/>
-                                          </p:val>
-                                        </p:tav>
-                                      </p:tavLst>
-                                    </p:anim>
-                                    <p:animEffect transition="in" filter="fade">
+                                      <p:to>
+                                        <p:strVal val="visible"/>
+                                      </p:to>
+                                    </p:set>
+                                    <p:animEffect transition="in" filter="randombar(horizontal)">
                                       <p:cBhvr>
-                                        <p:cTn id="27" dur="1000"/>
+                                        <p:cTn id="19" dur="1000"/>
                                         <p:tgtEl>
-                                          <p:spTgt spid="3"/>
+                                          <p:spTgt spid="3">
+                                            <p:txEl>
+                                              <p:pRg st="4" end="4"/>
+                                            </p:txEl>
+                                          </p:spTgt>
+                                        </p:tgtEl>
+                                      </p:cBhvr>
+                                    </p:animEffect>
+                                  </p:childTnLst>
+                                </p:cTn>
+                              </p:par>
+                              <p:par>
+                                <p:cTn id="20" presetID="14" presetClass="entr" presetSubtype="10" fill="hold" nodeType="withEffect">
+                                  <p:stCondLst>
+                                    <p:cond delay="0"/>
+                                  </p:stCondLst>
+                                  <p:childTnLst>
+                                    <p:set>
+                                      <p:cBhvr>
+                                        <p:cTn id="21" dur="1" fill="hold">
+                                          <p:stCondLst>
+                                            <p:cond delay="0"/>
+                                          </p:stCondLst>
+                                        </p:cTn>
+                                        <p:tgtEl>
+                                          <p:spTgt spid="3">
+                                            <p:txEl>
+                                              <p:pRg st="6" end="6"/>
+                                            </p:txEl>
+                                          </p:spTgt>
+                                        </p:tgtEl>
+                                        <p:attrNameLst>
+                                          <p:attrName>style.visibility</p:attrName>
+                                        </p:attrNameLst>
+                                      </p:cBhvr>
+                                      <p:to>
+                                        <p:strVal val="visible"/>
+                                      </p:to>
+                                    </p:set>
+                                    <p:animEffect transition="in" filter="randombar(horizontal)">
+                                      <p:cBhvr>
+                                        <p:cTn id="22" dur="1000"/>
+                                        <p:tgtEl>
+                                          <p:spTgt spid="3">
+                                            <p:txEl>
+                                              <p:pRg st="6" end="6"/>
+                                            </p:txEl>
+                                          </p:spTgt>
+                                        </p:tgtEl>
+                                      </p:cBhvr>
+                                    </p:animEffect>
+                                  </p:childTnLst>
+                                </p:cTn>
+                              </p:par>
+                              <p:par>
+                                <p:cTn id="23" presetID="14" presetClass="entr" presetSubtype="10" fill="hold" nodeType="withEffect">
+                                  <p:stCondLst>
+                                    <p:cond delay="0"/>
+                                  </p:stCondLst>
+                                  <p:childTnLst>
+                                    <p:set>
+                                      <p:cBhvr>
+                                        <p:cTn id="24" dur="1" fill="hold">
+                                          <p:stCondLst>
+                                            <p:cond delay="0"/>
+                                          </p:stCondLst>
+                                        </p:cTn>
+                                        <p:tgtEl>
+                                          <p:spTgt spid="3">
+                                            <p:txEl>
+                                              <p:pRg st="8" end="8"/>
+                                            </p:txEl>
+                                          </p:spTgt>
+                                        </p:tgtEl>
+                                        <p:attrNameLst>
+                                          <p:attrName>style.visibility</p:attrName>
+                                        </p:attrNameLst>
+                                      </p:cBhvr>
+                                      <p:to>
+                                        <p:strVal val="visible"/>
+                                      </p:to>
+                                    </p:set>
+                                    <p:animEffect transition="in" filter="randombar(horizontal)">
+                                      <p:cBhvr>
+                                        <p:cTn id="25" dur="1000"/>
+                                        <p:tgtEl>
+                                          <p:spTgt spid="3">
+                                            <p:txEl>
+                                              <p:pRg st="8" end="8"/>
+                                            </p:txEl>
+                                          </p:spTgt>
                                         </p:tgtEl>
                                       </p:cBhvr>
                                     </p:animEffect>
@@ -22369,10 +24141,6 @@
         </p:cTn>
       </p:par>
     </p:tnLst>
-    <p:bldLst>
-      <p:bldP spid="2" grpId="0"/>
-      <p:bldP spid="3" grpId="0"/>
-    </p:bldLst>
   </p:timing>
 </p:sld>
 </file>
@@ -22410,7 +24178,7 @@
         </p:nvSpPr>
         <p:spPr>
           <a:xfrm>
-            <a:off x="0" y="1519427"/>
+            <a:off x="0" y="995535"/>
             <a:ext cx="9144000" cy="772133"/>
           </a:xfrm>
           <a:prstGeom prst="rect">
@@ -22592,8 +24360,8 @@
         </p:nvSpPr>
         <p:spPr>
           <a:xfrm>
-            <a:off x="465589" y="2291560"/>
-            <a:ext cx="8212822" cy="4247317"/>
+            <a:off x="329665" y="1767668"/>
+            <a:ext cx="5478011" cy="3477875"/>
           </a:xfrm>
           <a:prstGeom prst="rect">
             <a:avLst/>
@@ -22612,15 +24380,7 @@
             </a:pPr>
             <a:r>
               <a:rPr lang="en-US" sz="2000" dirty="0" err="1"/>
-              <a:t>Ngoài</a:t>
-            </a:r>
-            <a:r>
-              <a:rPr lang="en-US" sz="2000" dirty="0"/>
-              <a:t> ra </a:t>
-            </a:r>
-            <a:r>
-              <a:rPr lang="en-US" sz="2000" dirty="0" err="1"/>
-              <a:t>còn</a:t>
+              <a:t>Tích</a:t>
             </a:r>
             <a:r>
               <a:rPr lang="en-US" sz="2000" dirty="0"/>
@@ -22628,51 +24388,11 @@
             </a:r>
             <a:r>
               <a:rPr lang="en-US" sz="2000" dirty="0" err="1"/>
-              <a:t>có</a:t>
+              <a:t>hợp</a:t>
             </a:r>
             <a:r>
               <a:rPr lang="en-US" sz="2000" dirty="0"/>
-              <a:t> 5 </a:t>
-            </a:r>
-            <a:r>
-              <a:rPr lang="en-US" sz="2000" dirty="0" err="1"/>
-              <a:t>tính</a:t>
-            </a:r>
-            <a:r>
-              <a:rPr lang="en-US" sz="2000" dirty="0"/>
-              <a:t> </a:t>
-            </a:r>
-            <a:r>
-              <a:rPr lang="en-US" sz="2000" dirty="0" err="1"/>
-              <a:t>năng</a:t>
-            </a:r>
-            <a:r>
-              <a:rPr lang="en-US" sz="2000" dirty="0"/>
-              <a:t> </a:t>
-            </a:r>
-            <a:r>
-              <a:rPr lang="en-US" sz="2000" dirty="0" err="1"/>
-              <a:t>nổi</a:t>
-            </a:r>
-            <a:r>
-              <a:rPr lang="en-US" sz="2000" dirty="0"/>
-              <a:t> </a:t>
-            </a:r>
-            <a:r>
-              <a:rPr lang="en-US" sz="2000" dirty="0" err="1"/>
-              <a:t>bật</a:t>
-            </a:r>
-            <a:r>
-              <a:rPr lang="en-US" sz="2000" dirty="0"/>
-              <a:t> </a:t>
-            </a:r>
-            <a:r>
-              <a:rPr lang="en-US" sz="2000" dirty="0" err="1"/>
-              <a:t>khác</a:t>
-            </a:r>
-            <a:r>
-              <a:rPr lang="en-US" sz="2000" dirty="0"/>
-              <a:t>:</a:t>
+              <a:t> Jira.</a:t>
             </a:r>
           </a:p>
           <a:p>
@@ -22683,61 +24403,13 @@
             <a:endParaRPr lang="en-US" sz="2000" dirty="0"/>
           </a:p>
           <a:p>
-            <a:pPr marL="457200" indent="-457200">
+            <a:pPr marL="457200" indent="-457200" algn="just">
               <a:buFont typeface="Wingdings" panose="05000000000000000000" pitchFamily="2" charset="2"/>
               <a:buChar char="v"/>
             </a:pPr>
             <a:r>
-              <a:rPr lang="en-US" sz="2000" i="1" dirty="0" err="1"/>
-              <a:t>Không</a:t>
-            </a:r>
-            <a:r>
-              <a:rPr lang="en-US" sz="2000" i="1" dirty="0"/>
-              <a:t> </a:t>
-            </a:r>
-            <a:r>
-              <a:rPr lang="en-US" sz="2000" i="1" dirty="0" err="1"/>
-              <a:t>giới</a:t>
-            </a:r>
-            <a:r>
-              <a:rPr lang="en-US" sz="2000" i="1" dirty="0"/>
-              <a:t> </a:t>
-            </a:r>
-            <a:r>
-              <a:rPr lang="en-US" sz="2000" i="1" dirty="0" err="1"/>
-              <a:t>hạn</a:t>
-            </a:r>
-            <a:r>
-              <a:rPr lang="en-US" sz="2000" i="1" dirty="0"/>
-              <a:t> </a:t>
-            </a:r>
-            <a:r>
-              <a:rPr lang="en-US" sz="2000" i="1" dirty="0" err="1"/>
-              <a:t>số</a:t>
-            </a:r>
-            <a:r>
-              <a:rPr lang="en-US" sz="2000" i="1" dirty="0"/>
-              <a:t> </a:t>
-            </a:r>
-            <a:r>
-              <a:rPr lang="en-US" sz="2000" i="1" dirty="0" err="1"/>
-              <a:t>lượng</a:t>
-            </a:r>
-            <a:r>
-              <a:rPr lang="en-US" sz="2000" i="1" dirty="0"/>
-              <a:t> private </a:t>
-            </a:r>
-            <a:r>
-              <a:rPr lang="en-US" sz="2000" i="1" dirty="0" err="1"/>
-              <a:t>reposity</a:t>
-            </a:r>
-            <a:r>
-              <a:rPr lang="en-US" sz="2000" i="1" dirty="0"/>
-              <a:t>: </a:t>
-            </a:r>
-            <a:r>
               <a:rPr lang="en-US" sz="2000" dirty="0" err="1"/>
-              <a:t>Với</a:t>
+              <a:t>Hợp</a:t>
             </a:r>
             <a:r>
               <a:rPr lang="en-US" sz="2000" dirty="0"/>
@@ -22745,7 +24417,7 @@
             </a:r>
             <a:r>
               <a:rPr lang="en-US" sz="2000" dirty="0" err="1"/>
-              <a:t>số</a:t>
+              <a:t>nhất</a:t>
             </a:r>
             <a:r>
               <a:rPr lang="en-US" sz="2000" dirty="0"/>
@@ -22753,7 +24425,7 @@
             </a:r>
             <a:r>
               <a:rPr lang="en-US" sz="2000" dirty="0" err="1"/>
-              <a:t>lượng</a:t>
+              <a:t>với</a:t>
             </a:r>
             <a:r>
               <a:rPr lang="en-US" sz="2000" dirty="0"/>
@@ -22761,7 +24433,7 @@
             </a:r>
             <a:r>
               <a:rPr lang="en-US" sz="2000" dirty="0" err="1"/>
-              <a:t>thành</a:t>
+              <a:t>bên</a:t>
             </a:r>
             <a:r>
               <a:rPr lang="en-US" sz="2000" dirty="0"/>
@@ -22769,7 +24441,15 @@
             </a:r>
             <a:r>
               <a:rPr lang="en-US" sz="2000" dirty="0" err="1"/>
-              <a:t>viên</a:t>
+              <a:t>thứ</a:t>
+            </a:r>
+            <a:r>
+              <a:rPr lang="en-US" sz="2000" dirty="0"/>
+              <a:t> 3: </a:t>
+            </a:r>
+            <a:r>
+              <a:rPr lang="en-US" sz="2000" dirty="0" err="1"/>
+              <a:t>Hợp</a:t>
             </a:r>
             <a:r>
               <a:rPr lang="en-US" sz="2000" dirty="0"/>
@@ -22777,7 +24457,7 @@
             </a:r>
             <a:r>
               <a:rPr lang="en-US" sz="2000" dirty="0" err="1"/>
-              <a:t>dự</a:t>
+              <a:t>nhất</a:t>
             </a:r>
             <a:r>
               <a:rPr lang="en-US" sz="2000" dirty="0"/>
@@ -22785,7 +24465,7 @@
             </a:r>
             <a:r>
               <a:rPr lang="en-US" sz="2000" dirty="0" err="1"/>
-              <a:t>án</a:t>
+              <a:t>các</a:t>
             </a:r>
             <a:r>
               <a:rPr lang="en-US" sz="2000" dirty="0"/>
@@ -22793,7 +24473,7 @@
             </a:r>
             <a:r>
               <a:rPr lang="en-US" sz="2000" dirty="0" err="1"/>
-              <a:t>không</a:t>
+              <a:t>thao</a:t>
             </a:r>
             <a:r>
               <a:rPr lang="en-US" sz="2000" dirty="0"/>
@@ -22801,7 +24481,7 @@
             </a:r>
             <a:r>
               <a:rPr lang="en-US" sz="2000" dirty="0" err="1"/>
-              <a:t>vượt</a:t>
+              <a:t>tác</a:t>
             </a:r>
             <a:r>
               <a:rPr lang="en-US" sz="2000" dirty="0"/>
@@ -22809,23 +24489,23 @@
             </a:r>
             <a:r>
               <a:rPr lang="en-US" sz="2000" dirty="0" err="1"/>
-              <a:t>quá</a:t>
+              <a:t>trên</a:t>
             </a:r>
             <a:r>
               <a:rPr lang="en-US" sz="2000" dirty="0"/>
-              <a:t> 5 </a:t>
+              <a:t> Bitbucket </a:t>
             </a:r>
             <a:r>
               <a:rPr lang="en-US" sz="2000" dirty="0" err="1"/>
-              <a:t>người</a:t>
+              <a:t>với</a:t>
             </a:r>
             <a:r>
               <a:rPr lang="en-US" sz="2000" dirty="0"/>
-              <a:t>, ta </a:t>
+              <a:t> workflow </a:t>
             </a:r>
             <a:r>
               <a:rPr lang="en-US" sz="2000" dirty="0" err="1"/>
-              <a:t>có</a:t>
+              <a:t>hiện</a:t>
             </a:r>
             <a:r>
               <a:rPr lang="en-US" sz="2000" dirty="0"/>
@@ -22833,7 +24513,7 @@
             </a:r>
             <a:r>
               <a:rPr lang="en-US" sz="2000" dirty="0" err="1"/>
-              <a:t>thể</a:t>
+              <a:t>tại</a:t>
             </a:r>
             <a:r>
               <a:rPr lang="en-US" sz="2000" dirty="0"/>
@@ -22841,7 +24521,7 @@
             </a:r>
             <a:r>
               <a:rPr lang="en-US" sz="2000" dirty="0" err="1"/>
-              <a:t>thoải</a:t>
+              <a:t>nhằm</a:t>
             </a:r>
             <a:r>
               <a:rPr lang="en-US" sz="2000" dirty="0"/>
@@ -22849,7 +24529,7 @@
             </a:r>
             <a:r>
               <a:rPr lang="en-US" sz="2000" dirty="0" err="1"/>
-              <a:t>mái</a:t>
+              <a:t>tinh</a:t>
             </a:r>
             <a:r>
               <a:rPr lang="en-US" sz="2000" dirty="0"/>
@@ -22857,7 +24537,7 @@
             </a:r>
             <a:r>
               <a:rPr lang="en-US" sz="2000" dirty="0" err="1"/>
-              <a:t>tạo</a:t>
+              <a:t>giản</a:t>
             </a:r>
             <a:r>
               <a:rPr lang="en-US" sz="2000" dirty="0"/>
@@ -22865,7 +24545,7 @@
             </a:r>
             <a:r>
               <a:rPr lang="en-US" sz="2000" dirty="0" err="1"/>
-              <a:t>reposity</a:t>
+              <a:t>quy</a:t>
             </a:r>
             <a:r>
               <a:rPr lang="en-US" sz="2000" dirty="0"/>
@@ -22873,7 +24553,7 @@
             </a:r>
             <a:r>
               <a:rPr lang="en-US" sz="2000" dirty="0" err="1"/>
-              <a:t>cá</a:t>
+              <a:t>trình</a:t>
             </a:r>
             <a:r>
               <a:rPr lang="en-US" sz="2000" dirty="0"/>
@@ -22881,7 +24561,7 @@
             </a:r>
             <a:r>
               <a:rPr lang="en-US" sz="2000" dirty="0" err="1"/>
-              <a:t>nhân</a:t>
+              <a:t>phát</a:t>
             </a:r>
             <a:r>
               <a:rPr lang="en-US" sz="2000" dirty="0"/>
@@ -22889,7 +24569,7 @@
             </a:r>
             <a:r>
               <a:rPr lang="en-US" sz="2000" dirty="0" err="1"/>
-              <a:t>mà</a:t>
+              <a:t>triển</a:t>
             </a:r>
             <a:r>
               <a:rPr lang="en-US" sz="2000" dirty="0"/>
@@ -22897,7 +24577,7 @@
             </a:r>
             <a:r>
               <a:rPr lang="en-US" sz="2000" dirty="0" err="1"/>
-              <a:t>không</a:t>
+              <a:t>dự</a:t>
             </a:r>
             <a:r>
               <a:rPr lang="en-US" sz="2000" dirty="0"/>
@@ -22905,39 +24585,7 @@
             </a:r>
             <a:r>
               <a:rPr lang="en-US" sz="2000" dirty="0" err="1"/>
-              <a:t>tốn</a:t>
-            </a:r>
-            <a:r>
-              <a:rPr lang="en-US" sz="2000" dirty="0"/>
-              <a:t> </a:t>
-            </a:r>
-            <a:r>
-              <a:rPr lang="en-US" sz="2000" dirty="0" err="1"/>
-              <a:t>bất</a:t>
-            </a:r>
-            <a:r>
-              <a:rPr lang="en-US" sz="2000" dirty="0"/>
-              <a:t> </a:t>
-            </a:r>
-            <a:r>
-              <a:rPr lang="en-US" sz="2000" dirty="0" err="1"/>
-              <a:t>kì</a:t>
-            </a:r>
-            <a:r>
-              <a:rPr lang="en-US" sz="2000" dirty="0"/>
-              <a:t> chi </a:t>
-            </a:r>
-            <a:r>
-              <a:rPr lang="en-US" sz="2000" dirty="0" err="1"/>
-              <a:t>phí</a:t>
-            </a:r>
-            <a:r>
-              <a:rPr lang="en-US" sz="2000" dirty="0"/>
-              <a:t> </a:t>
-            </a:r>
-            <a:r>
-              <a:rPr lang="en-US" sz="2000" dirty="0" err="1"/>
-              <a:t>nào</a:t>
+              <a:t>án</a:t>
             </a:r>
             <a:r>
               <a:rPr lang="en-US" sz="2000" dirty="0"/>
@@ -22945,20 +24593,60 @@
             </a:r>
           </a:p>
           <a:p>
-            <a:pPr marL="457200" indent="-457200">
+            <a:pPr marL="457200" indent="-457200" algn="just">
               <a:buFont typeface="Wingdings" panose="05000000000000000000" pitchFamily="2" charset="2"/>
               <a:buChar char="v"/>
             </a:pPr>
             <a:endParaRPr lang="en-US" sz="2000" dirty="0"/>
           </a:p>
           <a:p>
-            <a:pPr marL="457200" indent="-457200">
+            <a:pPr marL="457200" indent="-457200" algn="just">
               <a:buFont typeface="Wingdings" panose="05000000000000000000" pitchFamily="2" charset="2"/>
               <a:buChar char="v"/>
             </a:pPr>
             <a:r>
-              <a:rPr lang="en-US" sz="2000" i="1" dirty="0" err="1"/>
-              <a:t>Omnibar</a:t>
+              <a:rPr lang="en-US" sz="2000" dirty="0" err="1"/>
+              <a:t>Không</a:t>
+            </a:r>
+            <a:r>
+              <a:rPr lang="en-US" sz="2000" dirty="0"/>
+              <a:t> </a:t>
+            </a:r>
+            <a:r>
+              <a:rPr lang="en-US" sz="2000" dirty="0" err="1"/>
+              <a:t>giới</a:t>
+            </a:r>
+            <a:r>
+              <a:rPr lang="en-US" sz="2000" dirty="0"/>
+              <a:t> </a:t>
+            </a:r>
+            <a:r>
+              <a:rPr lang="en-US" sz="2000" dirty="0" err="1"/>
+              <a:t>hạn</a:t>
+            </a:r>
+            <a:r>
+              <a:rPr lang="en-US" sz="2000" dirty="0"/>
+              <a:t> </a:t>
+            </a:r>
+            <a:r>
+              <a:rPr lang="en-US" sz="2000" dirty="0" err="1"/>
+              <a:t>số</a:t>
+            </a:r>
+            <a:r>
+              <a:rPr lang="en-US" sz="2000" dirty="0"/>
+              <a:t> </a:t>
+            </a:r>
+            <a:r>
+              <a:rPr lang="en-US" sz="2000" dirty="0" err="1"/>
+              <a:t>lượng</a:t>
+            </a:r>
+            <a:r>
+              <a:rPr lang="en-US" sz="2000" dirty="0"/>
+              <a:t> private </a:t>
+            </a:r>
+            <a:r>
+              <a:rPr lang="en-US" sz="2000" dirty="0" err="1"/>
+              <a:t>reposity</a:t>
             </a:r>
             <a:r>
               <a:rPr lang="en-US" sz="2000" i="1" dirty="0"/>
@@ -22966,7 +24654,7 @@
             </a:r>
             <a:r>
               <a:rPr lang="en-US" sz="2000" dirty="0" err="1"/>
-              <a:t>là</a:t>
+              <a:t>Với</a:t>
             </a:r>
             <a:r>
               <a:rPr lang="en-US" sz="2000" dirty="0"/>
@@ -22974,7 +24662,7 @@
             </a:r>
             <a:r>
               <a:rPr lang="en-US" sz="2000" dirty="0" err="1"/>
-              <a:t>một</a:t>
+              <a:t>số</a:t>
             </a:r>
             <a:r>
               <a:rPr lang="en-US" sz="2000" dirty="0"/>
@@ -22982,15 +24670,7 @@
             </a:r>
             <a:r>
               <a:rPr lang="en-US" sz="2000" dirty="0" err="1"/>
-              <a:t>thanh</a:t>
-            </a:r>
-            <a:r>
-              <a:rPr lang="en-US" sz="2000" dirty="0"/>
-              <a:t> action </a:t>
-            </a:r>
-            <a:r>
-              <a:rPr lang="en-US" sz="2000" dirty="0" err="1"/>
-              <a:t>nhanh</a:t>
+              <a:t>lượng</a:t>
             </a:r>
             <a:r>
               <a:rPr lang="en-US" sz="2000" dirty="0"/>
@@ -22998,15 +24678,7 @@
             </a:r>
             <a:r>
               <a:rPr lang="en-US" sz="2000" dirty="0" err="1"/>
-              <a:t>trên</a:t>
-            </a:r>
-            <a:r>
-              <a:rPr lang="en-US" sz="2000" dirty="0"/>
-              <a:t> Bitbucket, </a:t>
-            </a:r>
-            <a:r>
-              <a:rPr lang="en-US" sz="2000" dirty="0" err="1"/>
-              <a:t>rất</a:t>
+              <a:t>thành</a:t>
             </a:r>
             <a:r>
               <a:rPr lang="en-US" sz="2000" dirty="0"/>
@@ -23014,7 +24686,7 @@
             </a:r>
             <a:r>
               <a:rPr lang="en-US" sz="2000" dirty="0" err="1"/>
-              <a:t>linh</a:t>
+              <a:t>viên</a:t>
             </a:r>
             <a:r>
               <a:rPr lang="en-US" sz="2000" dirty="0"/>
@@ -23022,7 +24694,7 @@
             </a:r>
             <a:r>
               <a:rPr lang="en-US" sz="2000" dirty="0" err="1"/>
-              <a:t>hoạt</a:t>
+              <a:t>dự</a:t>
             </a:r>
             <a:r>
               <a:rPr lang="en-US" sz="2000" dirty="0"/>
@@ -23030,7 +24702,7 @@
             </a:r>
             <a:r>
               <a:rPr lang="en-US" sz="2000" dirty="0" err="1"/>
-              <a:t>trong</a:t>
+              <a:t>án</a:t>
             </a:r>
             <a:r>
               <a:rPr lang="en-US" sz="2000" dirty="0"/>
@@ -23038,15 +24710,7 @@
             </a:r>
             <a:r>
               <a:rPr lang="en-US" sz="2000" dirty="0" err="1"/>
-              <a:t>việc</a:t>
-            </a:r>
-            <a:r>
-              <a:rPr lang="en-US" sz="2000" dirty="0"/>
-              <a:t> matching </a:t>
-            </a:r>
-            <a:r>
-              <a:rPr lang="en-US" sz="2000" dirty="0" err="1"/>
-              <a:t>từ</a:t>
+              <a:t>không</a:t>
             </a:r>
             <a:r>
               <a:rPr lang="en-US" sz="2000" dirty="0"/>
@@ -23054,47 +24718,38 @@
             </a:r>
             <a:r>
               <a:rPr lang="en-US" sz="2000" dirty="0" err="1"/>
-              <a:t>khóa</a:t>
-            </a:r>
+              <a:t>vượt</a:t>
+            </a:r>
+            <a:r>
+              <a:rPr lang="en-US" sz="2000" dirty="0"/>
+              <a:t> </a:t>
+            </a:r>
+            <a:r>
+              <a:rPr lang="en-US" sz="2000" dirty="0" err="1"/>
+              <a:t>quá</a:t>
+            </a:r>
+            <a:r>
+              <a:rPr lang="en-US" sz="2000" dirty="0"/>
+              <a:t> 5 </a:t>
+            </a:r>
+            <a:r>
+              <a:rPr lang="en-US" sz="2000" dirty="0" err="1"/>
+              <a:t>người</a:t>
+            </a:r>
+            <a:r>
+              <a:rPr lang="en-US" sz="2000" dirty="0"/>
+              <a:t>.</a:t>
+            </a:r>
+          </a:p>
+          <a:p>
+            <a:pPr marL="457200" indent="-457200" algn="just">
+              <a:buFont typeface="Wingdings" panose="05000000000000000000" pitchFamily="2" charset="2"/>
+              <a:buChar char="v"/>
+            </a:pPr>
             <a:endParaRPr lang="en-US" sz="2000" dirty="0"/>
           </a:p>
           <a:p>
-            <a:pPr marL="457200" indent="-457200">
-              <a:buFont typeface="Wingdings" panose="05000000000000000000" pitchFamily="2" charset="2"/>
-              <a:buChar char="v"/>
-            </a:pPr>
-            <a:endParaRPr lang="en-US" dirty="0"/>
-          </a:p>
-          <a:p>
-            <a:pPr marL="457200" indent="-457200">
-              <a:buFont typeface="Wingdings" panose="05000000000000000000" pitchFamily="2" charset="2"/>
-              <a:buChar char="v"/>
-            </a:pPr>
-            <a:endParaRPr lang="en-US" dirty="0"/>
-          </a:p>
-          <a:p>
-            <a:pPr marL="457200" indent="-457200">
-              <a:buFont typeface="Wingdings" panose="05000000000000000000" pitchFamily="2" charset="2"/>
-              <a:buChar char="v"/>
-            </a:pPr>
-            <a:endParaRPr lang="en-US" dirty="0"/>
-          </a:p>
-          <a:p>
-            <a:pPr marL="457200" indent="-457200">
-              <a:buFont typeface="Wingdings" panose="05000000000000000000" pitchFamily="2" charset="2"/>
-              <a:buChar char="v"/>
-            </a:pPr>
-            <a:endParaRPr lang="en-US" i="1" dirty="0"/>
-          </a:p>
-          <a:p>
-            <a:pPr marL="457200" indent="-457200">
-              <a:buFont typeface="Wingdings" panose="05000000000000000000" pitchFamily="2" charset="2"/>
-              <a:buChar char="v"/>
-            </a:pPr>
-            <a:endParaRPr lang="en-US" dirty="0"/>
-          </a:p>
-          <a:p>
-            <a:pPr marL="457200" indent="-457200">
+            <a:pPr marL="457200" indent="-457200" algn="just">
               <a:buFont typeface="Wingdings" panose="05000000000000000000" pitchFamily="2" charset="2"/>
               <a:buChar char="v"/>
             </a:pPr>
@@ -23108,10 +24763,87 @@
           </a:p>
         </p:txBody>
       </p:sp>
+      <p:pic>
+        <p:nvPicPr>
+          <p:cNvPr id="4" name="Picture 2" descr="Free icons - Free vector icons - Free SVG, PSD, PNG, EPS, Ai &amp; Icon Font">
+            <a:extLst>
+              <a:ext uri="{FF2B5EF4-FFF2-40B4-BE49-F238E27FC236}">
+                <a16:creationId xmlns:a16="http://schemas.microsoft.com/office/drawing/2014/main" id="{35A6EB2A-1F7E-4747-95B1-BDB3309359C2}"/>
+              </a:ext>
+            </a:extLst>
+          </p:cNvPr>
+          <p:cNvPicPr>
+            <a:picLocks noChangeAspect="1" noChangeArrowheads="1"/>
+          </p:cNvPicPr>
+          <p:nvPr/>
+        </p:nvPicPr>
+        <p:blipFill>
+          <a:blip r:embed="rId2">
+            <a:extLst>
+              <a:ext uri="{28A0092B-C50C-407E-A947-70E740481C1C}">
+                <a14:useLocalDpi xmlns:a14="http://schemas.microsoft.com/office/drawing/2010/main" val="0"/>
+              </a:ext>
+            </a:extLst>
+          </a:blip>
+          <a:srcRect/>
+          <a:stretch>
+            <a:fillRect/>
+          </a:stretch>
+        </p:blipFill>
+        <p:spPr bwMode="auto">
+          <a:xfrm>
+            <a:off x="6190735" y="1683572"/>
+            <a:ext cx="2815282" cy="2815282"/>
+          </a:xfrm>
+          <a:prstGeom prst="rect">
+            <a:avLst/>
+          </a:prstGeom>
+          <a:noFill/>
+          <a:extLst>
+            <a:ext uri="{909E8E84-426E-40DD-AFC4-6F175D3DCCD1}">
+              <a14:hiddenFill xmlns:a14="http://schemas.microsoft.com/office/drawing/2010/main">
+                <a:solidFill>
+                  <a:srgbClr val="FFFFFF"/>
+                </a:solidFill>
+              </a14:hiddenFill>
+            </a:ext>
+          </a:extLst>
+        </p:spPr>
+      </p:pic>
+      <p:pic>
+        <p:nvPicPr>
+          <p:cNvPr id="5" name="Picture 4">
+            <a:extLst>
+              <a:ext uri="{FF2B5EF4-FFF2-40B4-BE49-F238E27FC236}">
+                <a16:creationId xmlns:a16="http://schemas.microsoft.com/office/drawing/2014/main" id="{1D573630-7047-400E-882F-87A12FFC8A8F}"/>
+              </a:ext>
+            </a:extLst>
+          </p:cNvPr>
+          <p:cNvPicPr>
+            <a:picLocks noChangeAspect="1"/>
+          </p:cNvPicPr>
+          <p:nvPr/>
+        </p:nvPicPr>
+        <p:blipFill>
+          <a:blip r:embed="rId3"/>
+          <a:stretch>
+            <a:fillRect/>
+          </a:stretch>
+        </p:blipFill>
+        <p:spPr>
+          <a:xfrm>
+            <a:off x="6350536" y="3913731"/>
+            <a:ext cx="2495679" cy="551172"/>
+          </a:xfrm>
+          <a:prstGeom prst="rect">
+            <a:avLst/>
+          </a:prstGeom>
+        </p:spPr>
+      </p:pic>
     </p:spTree>
     <p:extLst>
       <p:ext uri="{BB962C8B-B14F-4D97-AF65-F5344CB8AC3E}">
-        <p14:creationId xmlns:p14="http://schemas.microsoft.com/office/powerpoint/2010/main" val="1901801783"/>
+        <p14:creationId xmlns:p14="http://schemas.microsoft.com/office/powerpoint/2010/main" val="3825567392"/>
       </p:ext>
     </p:extLst>
   </p:cSld>
@@ -23142,7 +24874,7 @@
                             </p:stCondLst>
                             <p:childTnLst>
                               <p:par>
-                                <p:cTn id="5" presetID="26" presetClass="entr" presetSubtype="0" fill="hold" grpId="0" nodeType="withEffect">
+                                <p:cTn id="5" presetID="14" presetClass="entr" presetSubtype="10" fill="hold" nodeType="withEffect">
                                   <p:stCondLst>
                                     <p:cond delay="0"/>
                                   </p:stCondLst>
@@ -23155,7 +24887,11 @@
                                           </p:stCondLst>
                                         </p:cTn>
                                         <p:tgtEl>
-                                          <p:spTgt spid="2"/>
+                                          <p:spTgt spid="3">
+                                            <p:txEl>
+                                              <p:pRg st="0" end="0"/>
+                                            </p:txEl>
+                                          </p:spTgt>
                                         </p:tgtEl>
                                         <p:attrNameLst>
                                           <p:attrName>style.visibility</p:attrName>
@@ -23165,284 +24901,40 @@
                                         <p:strVal val="visible"/>
                                       </p:to>
                                     </p:set>
-                                    <p:animEffect transition="in" filter="wipe(down)">
+                                    <p:animEffect transition="in" filter="randombar(horizontal)">
                                       <p:cBhvr>
-                                        <p:cTn id="7" dur="290">
-                                          <p:stCondLst>
-                                            <p:cond delay="0"/>
-                                          </p:stCondLst>
-                                        </p:cTn>
+                                        <p:cTn id="7" dur="1000"/>
                                         <p:tgtEl>
-                                          <p:spTgt spid="2"/>
+                                          <p:spTgt spid="3">
+                                            <p:txEl>
+                                              <p:pRg st="0" end="0"/>
+                                            </p:txEl>
+                                          </p:spTgt>
                                         </p:tgtEl>
                                       </p:cBhvr>
                                     </p:animEffect>
-                                    <p:anim calcmode="lin" valueType="num">
-                                      <p:cBhvr>
-                                        <p:cTn id="8" dur="911" tmFilter="0,0; 0.14,0.36; 0.43,0.73; 0.71,0.91; 1.0,1.0">
-                                          <p:stCondLst>
-                                            <p:cond delay="0"/>
-                                          </p:stCondLst>
-                                        </p:cTn>
-                                        <p:tgtEl>
-                                          <p:spTgt spid="2"/>
-                                        </p:tgtEl>
-                                        <p:attrNameLst>
-                                          <p:attrName>ppt_x</p:attrName>
-                                        </p:attrNameLst>
-                                      </p:cBhvr>
-                                      <p:tavLst>
-                                        <p:tav tm="0">
-                                          <p:val>
-                                            <p:strVal val="#ppt_x-0.25"/>
-                                          </p:val>
-                                        </p:tav>
-                                        <p:tav tm="100000">
-                                          <p:val>
-                                            <p:strVal val="#ppt_x"/>
-                                          </p:val>
-                                        </p:tav>
-                                      </p:tavLst>
-                                    </p:anim>
-                                    <p:anim calcmode="lin" valueType="num">
-                                      <p:cBhvr>
-                                        <p:cTn id="9" dur="332" tmFilter="0.0,0.0; 0.25,0.07; 0.50,0.2; 0.75,0.467; 1.0,1.0">
-                                          <p:stCondLst>
-                                            <p:cond delay="0"/>
-                                          </p:stCondLst>
-                                        </p:cTn>
-                                        <p:tgtEl>
-                                          <p:spTgt spid="2"/>
-                                        </p:tgtEl>
-                                        <p:attrNameLst>
-                                          <p:attrName>ppt_y</p:attrName>
-                                        </p:attrNameLst>
-                                      </p:cBhvr>
-                                      <p:tavLst>
-                                        <p:tav tm="0" fmla="#ppt_y-sin(pi*$)/3">
-                                          <p:val>
-                                            <p:fltVal val="0.5"/>
-                                          </p:val>
-                                        </p:tav>
-                                        <p:tav tm="100000">
-                                          <p:val>
-                                            <p:fltVal val="1"/>
-                                          </p:val>
-                                        </p:tav>
-                                      </p:tavLst>
-                                    </p:anim>
-                                    <p:anim calcmode="lin" valueType="num">
-                                      <p:cBhvr>
-                                        <p:cTn id="10" dur="332" tmFilter="0, 0; 0.125,0.2665; 0.25,0.4; 0.375,0.465; 0.5,0.5;  0.625,0.535; 0.75,0.6; 0.875,0.7335; 1,1">
-                                          <p:stCondLst>
-                                            <p:cond delay="332"/>
-                                          </p:stCondLst>
-                                        </p:cTn>
-                                        <p:tgtEl>
-                                          <p:spTgt spid="2"/>
-                                        </p:tgtEl>
-                                        <p:attrNameLst>
-                                          <p:attrName>ppt_y</p:attrName>
-                                        </p:attrNameLst>
-                                      </p:cBhvr>
-                                      <p:tavLst>
-                                        <p:tav tm="0" fmla="#ppt_y-sin(pi*$)/9">
-                                          <p:val>
-                                            <p:fltVal val="0"/>
-                                          </p:val>
-                                        </p:tav>
-                                        <p:tav tm="100000">
-                                          <p:val>
-                                            <p:fltVal val="1"/>
-                                          </p:val>
-                                        </p:tav>
-                                      </p:tavLst>
-                                    </p:anim>
-                                    <p:anim calcmode="lin" valueType="num">
-                                      <p:cBhvr>
-                                        <p:cTn id="11" dur="166" tmFilter="0, 0; 0.125,0.2665; 0.25,0.4; 0.375,0.465; 0.5,0.5;  0.625,0.535; 0.75,0.6; 0.875,0.7335; 1,1">
-                                          <p:stCondLst>
-                                            <p:cond delay="662"/>
-                                          </p:stCondLst>
-                                        </p:cTn>
-                                        <p:tgtEl>
-                                          <p:spTgt spid="2"/>
-                                        </p:tgtEl>
-                                        <p:attrNameLst>
-                                          <p:attrName>ppt_y</p:attrName>
-                                        </p:attrNameLst>
-                                      </p:cBhvr>
-                                      <p:tavLst>
-                                        <p:tav tm="0" fmla="#ppt_y-sin(pi*$)/27">
-                                          <p:val>
-                                            <p:fltVal val="0"/>
-                                          </p:val>
-                                        </p:tav>
-                                        <p:tav tm="100000">
-                                          <p:val>
-                                            <p:fltVal val="1"/>
-                                          </p:val>
-                                        </p:tav>
-                                      </p:tavLst>
-                                    </p:anim>
-                                    <p:anim calcmode="lin" valueType="num">
-                                      <p:cBhvr>
-                                        <p:cTn id="12" dur="82" tmFilter="0, 0; 0.125,0.2665; 0.25,0.4; 0.375,0.465; 0.5,0.5;  0.625,0.535; 0.75,0.6; 0.875,0.7335; 1,1">
-                                          <p:stCondLst>
-                                            <p:cond delay="828"/>
-                                          </p:stCondLst>
-                                        </p:cTn>
-                                        <p:tgtEl>
-                                          <p:spTgt spid="2"/>
-                                        </p:tgtEl>
-                                        <p:attrNameLst>
-                                          <p:attrName>ppt_y</p:attrName>
-                                        </p:attrNameLst>
-                                      </p:cBhvr>
-                                      <p:tavLst>
-                                        <p:tav tm="0" fmla="#ppt_y-sin(pi*$)/81">
-                                          <p:val>
-                                            <p:fltVal val="0"/>
-                                          </p:val>
-                                        </p:tav>
-                                        <p:tav tm="100000">
-                                          <p:val>
-                                            <p:fltVal val="1"/>
-                                          </p:val>
-                                        </p:tav>
-                                      </p:tavLst>
-                                    </p:anim>
-                                    <p:animScale>
-                                      <p:cBhvr>
-                                        <p:cTn id="13" dur="13">
-                                          <p:stCondLst>
-                                            <p:cond delay="325"/>
-                                          </p:stCondLst>
-                                        </p:cTn>
-                                        <p:tgtEl>
-                                          <p:spTgt spid="2"/>
-                                        </p:tgtEl>
-                                      </p:cBhvr>
-                                      <p:to x="100000" y="60000"/>
-                                    </p:animScale>
-                                    <p:animScale>
-                                      <p:cBhvr>
-                                        <p:cTn id="14" dur="83" decel="50000">
-                                          <p:stCondLst>
-                                            <p:cond delay="338"/>
-                                          </p:stCondLst>
-                                        </p:cTn>
-                                        <p:tgtEl>
-                                          <p:spTgt spid="2"/>
-                                        </p:tgtEl>
-                                      </p:cBhvr>
-                                      <p:to x="100000" y="100000"/>
-                                    </p:animScale>
-                                    <p:animScale>
-                                      <p:cBhvr>
-                                        <p:cTn id="15" dur="13">
-                                          <p:stCondLst>
-                                            <p:cond delay="656"/>
-                                          </p:stCondLst>
-                                        </p:cTn>
-                                        <p:tgtEl>
-                                          <p:spTgt spid="2"/>
-                                        </p:tgtEl>
-                                      </p:cBhvr>
-                                      <p:to x="100000" y="80000"/>
-                                    </p:animScale>
-                                    <p:animScale>
-                                      <p:cBhvr>
-                                        <p:cTn id="16" dur="83" decel="50000">
-                                          <p:stCondLst>
-                                            <p:cond delay="669"/>
-                                          </p:stCondLst>
-                                        </p:cTn>
-                                        <p:tgtEl>
-                                          <p:spTgt spid="2"/>
-                                        </p:tgtEl>
-                                      </p:cBhvr>
-                                      <p:to x="100000" y="100000"/>
-                                    </p:animScale>
-                                    <p:animScale>
-                                      <p:cBhvr>
-                                        <p:cTn id="17" dur="13">
-                                          <p:stCondLst>
-                                            <p:cond delay="821"/>
-                                          </p:stCondLst>
-                                        </p:cTn>
-                                        <p:tgtEl>
-                                          <p:spTgt spid="2"/>
-                                        </p:tgtEl>
-                                      </p:cBhvr>
-                                      <p:to x="100000" y="90000"/>
-                                    </p:animScale>
-                                    <p:animScale>
-                                      <p:cBhvr>
-                                        <p:cTn id="18" dur="83" decel="50000">
-                                          <p:stCondLst>
-                                            <p:cond delay="834"/>
-                                          </p:stCondLst>
-                                        </p:cTn>
-                                        <p:tgtEl>
-                                          <p:spTgt spid="2"/>
-                                        </p:tgtEl>
-                                      </p:cBhvr>
-                                      <p:to x="100000" y="100000"/>
-                                    </p:animScale>
-                                    <p:animScale>
-                                      <p:cBhvr>
-                                        <p:cTn id="19" dur="13">
-                                          <p:stCondLst>
-                                            <p:cond delay="904"/>
-                                          </p:stCondLst>
-                                        </p:cTn>
-                                        <p:tgtEl>
-                                          <p:spTgt spid="2"/>
-                                        </p:tgtEl>
-                                      </p:cBhvr>
-                                      <p:to x="100000" y="95000"/>
-                                    </p:animScale>
-                                    <p:animScale>
-                                      <p:cBhvr>
-                                        <p:cTn id="20" dur="83" decel="50000">
-                                          <p:stCondLst>
-                                            <p:cond delay="917"/>
-                                          </p:stCondLst>
-                                        </p:cTn>
-                                        <p:tgtEl>
-                                          <p:spTgt spid="2"/>
-                                        </p:tgtEl>
-                                      </p:cBhvr>
-                                      <p:to x="100000" y="100000"/>
-                                    </p:animScale>
                                   </p:childTnLst>
                                 </p:cTn>
                               </p:par>
-                            </p:childTnLst>
-                          </p:cTn>
-                        </p:par>
-                        <p:par>
-                          <p:cTn id="21" fill="hold">
-                            <p:stCondLst>
-                              <p:cond delay="1000"/>
-                            </p:stCondLst>
-                            <p:childTnLst>
                               <p:par>
-                                <p:cTn id="22" presetID="31" presetClass="entr" presetSubtype="0" fill="hold" grpId="0" nodeType="afterEffect">
+                                <p:cTn id="8" presetID="14" presetClass="entr" presetSubtype="10" fill="hold" nodeType="withEffect">
                                   <p:stCondLst>
                                     <p:cond delay="0"/>
                                   </p:stCondLst>
                                   <p:childTnLst>
                                     <p:set>
                                       <p:cBhvr>
-                                        <p:cTn id="23" dur="1" fill="hold">
+                                        <p:cTn id="9" dur="1" fill="hold">
                                           <p:stCondLst>
                                             <p:cond delay="0"/>
                                           </p:stCondLst>
                                         </p:cTn>
                                         <p:tgtEl>
-                                          <p:spTgt spid="3"/>
+                                          <p:spTgt spid="3">
+                                            <p:txEl>
+                                              <p:pRg st="2" end="2"/>
+                                            </p:txEl>
+                                          </p:spTgt>
                                         </p:tgtEl>
                                         <p:attrNameLst>
                                           <p:attrName>style.visibility</p:attrName>
@@ -23452,80 +24944,58 @@
                                         <p:strVal val="visible"/>
                                       </p:to>
                                     </p:set>
-                                    <p:anim calcmode="lin" valueType="num">
+                                    <p:animEffect transition="in" filter="randombar(horizontal)">
                                       <p:cBhvr>
-                                        <p:cTn id="24" dur="1000" fill="hold"/>
+                                        <p:cTn id="10" dur="1000"/>
                                         <p:tgtEl>
-                                          <p:spTgt spid="3"/>
+                                          <p:spTgt spid="3">
+                                            <p:txEl>
+                                              <p:pRg st="2" end="2"/>
+                                            </p:txEl>
+                                          </p:spTgt>
+                                        </p:tgtEl>
+                                      </p:cBhvr>
+                                    </p:animEffect>
+                                  </p:childTnLst>
+                                </p:cTn>
+                              </p:par>
+                              <p:par>
+                                <p:cTn id="11" presetID="14" presetClass="entr" presetSubtype="10" fill="hold" nodeType="withEffect">
+                                  <p:stCondLst>
+                                    <p:cond delay="0"/>
+                                  </p:stCondLst>
+                                  <p:childTnLst>
+                                    <p:set>
+                                      <p:cBhvr>
+                                        <p:cTn id="12" dur="1" fill="hold">
+                                          <p:stCondLst>
+                                            <p:cond delay="0"/>
+                                          </p:stCondLst>
+                                        </p:cTn>
+                                        <p:tgtEl>
+                                          <p:spTgt spid="3">
+                                            <p:txEl>
+                                              <p:pRg st="4" end="4"/>
+                                            </p:txEl>
+                                          </p:spTgt>
                                         </p:tgtEl>
                                         <p:attrNameLst>
-                                          <p:attrName>ppt_w</p:attrName>
+                                          <p:attrName>style.visibility</p:attrName>
                                         </p:attrNameLst>
                                       </p:cBhvr>
-                                      <p:tavLst>
-                                        <p:tav tm="0">
-                                          <p:val>
-                                            <p:fltVal val="0"/>
-                                          </p:val>
-                                        </p:tav>
-                                        <p:tav tm="100000">
-                                          <p:val>
-                                            <p:strVal val="#ppt_w"/>
-                                          </p:val>
-                                        </p:tav>
-                                      </p:tavLst>
-                                    </p:anim>
-                                    <p:anim calcmode="lin" valueType="num">
+                                      <p:to>
+                                        <p:strVal val="visible"/>
+                                      </p:to>
+                                    </p:set>
+                                    <p:animEffect transition="in" filter="randombar(horizontal)">
                                       <p:cBhvr>
-                                        <p:cTn id="25" dur="1000" fill="hold"/>
+                                        <p:cTn id="13" dur="1000"/>
                                         <p:tgtEl>
-                                          <p:spTgt spid="3"/>
-                                        </p:tgtEl>
-                                        <p:attrNameLst>
-                                          <p:attrName>ppt_h</p:attrName>
-                                        </p:attrNameLst>
-                                      </p:cBhvr>
-                                      <p:tavLst>
-                                        <p:tav tm="0">
-                                          <p:val>
-                                            <p:fltVal val="0"/>
-                                          </p:val>
-                                        </p:tav>
-                                        <p:tav tm="100000">
-                                          <p:val>
-                                            <p:strVal val="#ppt_h"/>
-                                          </p:val>
-                                        </p:tav>
-                                      </p:tavLst>
-                                    </p:anim>
-                                    <p:anim calcmode="lin" valueType="num">
-                                      <p:cBhvr>
-                                        <p:cTn id="26" dur="1000" fill="hold"/>
-                                        <p:tgtEl>
-                                          <p:spTgt spid="3"/>
-                                        </p:tgtEl>
-                                        <p:attrNameLst>
-                                          <p:attrName>style.rotation</p:attrName>
-                                        </p:attrNameLst>
-                                      </p:cBhvr>
-                                      <p:tavLst>
-                                        <p:tav tm="0">
-                                          <p:val>
-                                            <p:fltVal val="90"/>
-                                          </p:val>
-                                        </p:tav>
-                                        <p:tav tm="100000">
-                                          <p:val>
-                                            <p:fltVal val="0"/>
-                                          </p:val>
-                                        </p:tav>
-                                      </p:tavLst>
-                                    </p:anim>
-                                    <p:animEffect transition="in" filter="fade">
-                                      <p:cBhvr>
-                                        <p:cTn id="27" dur="1000"/>
-                                        <p:tgtEl>
-                                          <p:spTgt spid="3"/>
+                                          <p:spTgt spid="3">
+                                            <p:txEl>
+                                              <p:pRg st="4" end="4"/>
+                                            </p:txEl>
+                                          </p:spTgt>
                                         </p:tgtEl>
                                       </p:cBhvr>
                                     </p:animEffect>
@@ -23559,10 +25029,6 @@
         </p:cTn>
       </p:par>
     </p:tnLst>
-    <p:bldLst>
-      <p:bldP spid="2" grpId="0"/>
-      <p:bldP spid="3" grpId="0"/>
-    </p:bldLst>
   </p:timing>
 </p:sld>
 </file>
@@ -23600,7 +25066,7 @@
         </p:nvSpPr>
         <p:spPr>
           <a:xfrm>
-            <a:off x="0" y="1519427"/>
+            <a:off x="0" y="995535"/>
             <a:ext cx="9144000" cy="772133"/>
           </a:xfrm>
           <a:prstGeom prst="rect">
@@ -23782,8 +25248,8 @@
         </p:nvSpPr>
         <p:spPr>
           <a:xfrm>
-            <a:off x="465589" y="2291560"/>
-            <a:ext cx="8212822" cy="4555093"/>
+            <a:off x="329665" y="1767668"/>
+            <a:ext cx="5478011" cy="1938992"/>
           </a:xfrm>
           <a:prstGeom prst="rect">
             <a:avLst/>
@@ -23796,37 +25262,25 @@
           </a:bodyPr>
           <a:lstStyle/>
           <a:p>
-            <a:pPr marL="457200" indent="-457200">
+            <a:pPr marL="457200" indent="-457200" algn="just">
               <a:buFont typeface="Wingdings" panose="05000000000000000000" pitchFamily="2" charset="2"/>
               <a:buChar char="v"/>
             </a:pPr>
             <a:r>
-              <a:rPr lang="en-US" sz="2000" i="1" dirty="0" err="1"/>
-              <a:t>Những</a:t>
+              <a:rPr lang="en-US" sz="2000" dirty="0" err="1"/>
+              <a:t>Omnibar</a:t>
+            </a:r>
+            <a:r>
+              <a:rPr lang="en-US" sz="2000" dirty="0"/>
+              <a:t>:</a:t>
             </a:r>
             <a:r>
               <a:rPr lang="en-US" sz="2000" i="1" dirty="0"/>
               <a:t> </a:t>
             </a:r>
             <a:r>
-              <a:rPr lang="en-US" sz="2000" i="1" dirty="0" err="1"/>
-              <a:t>phím</a:t>
-            </a:r>
-            <a:r>
-              <a:rPr lang="en-US" sz="2000" i="1" dirty="0"/>
-              <a:t> </a:t>
-            </a:r>
-            <a:r>
-              <a:rPr lang="en-US" sz="2000" i="1" dirty="0" err="1"/>
-              <a:t>tắt</a:t>
-            </a:r>
-            <a:r>
-              <a:rPr lang="en-US" sz="2000" i="1" dirty="0"/>
-              <a:t>: </a:t>
-            </a:r>
-            <a:r>
               <a:rPr lang="en-US" sz="2000" dirty="0" err="1"/>
-              <a:t>Dùng</a:t>
+              <a:t>Là</a:t>
             </a:r>
             <a:r>
               <a:rPr lang="en-US" sz="2000" dirty="0"/>
@@ -23834,7 +25288,7 @@
             </a:r>
             <a:r>
               <a:rPr lang="en-US" sz="2000" dirty="0" err="1"/>
-              <a:t>tổ</a:t>
+              <a:t>một</a:t>
             </a:r>
             <a:r>
               <a:rPr lang="en-US" sz="2000" dirty="0"/>
@@ -23842,7 +25296,15 @@
             </a:r>
             <a:r>
               <a:rPr lang="en-US" sz="2000" dirty="0" err="1"/>
-              <a:t>hợp</a:t>
+              <a:t>thanh</a:t>
+            </a:r>
+            <a:r>
+              <a:rPr lang="en-US" sz="2000" dirty="0"/>
+              <a:t> action </a:t>
+            </a:r>
+            <a:r>
+              <a:rPr lang="en-US" sz="2000" dirty="0" err="1"/>
+              <a:t>nhanh</a:t>
             </a:r>
             <a:r>
               <a:rPr lang="en-US" sz="2000" dirty="0"/>
@@ -23850,15 +25312,15 @@
             </a:r>
             <a:r>
               <a:rPr lang="en-US" sz="2000" dirty="0" err="1"/>
-              <a:t>phím</a:t>
+              <a:t>trên</a:t>
             </a:r>
             <a:r>
               <a:rPr lang="en-US" sz="2000" dirty="0"/>
-              <a:t> ⇧+? </a:t>
+              <a:t> Bitbucket, </a:t>
             </a:r>
             <a:r>
               <a:rPr lang="en-US" sz="2000" dirty="0" err="1"/>
-              <a:t>để</a:t>
+              <a:t>rất</a:t>
             </a:r>
             <a:r>
               <a:rPr lang="en-US" sz="2000" dirty="0"/>
@@ -23866,7 +25328,7 @@
             </a:r>
             <a:r>
               <a:rPr lang="en-US" sz="2000" dirty="0" err="1"/>
-              <a:t>xem</a:t>
+              <a:t>linh</a:t>
             </a:r>
             <a:r>
               <a:rPr lang="en-US" sz="2000" dirty="0"/>
@@ -23874,7 +25336,7 @@
             </a:r>
             <a:r>
               <a:rPr lang="en-US" sz="2000" dirty="0" err="1"/>
-              <a:t>đầy</a:t>
+              <a:t>hoạt</a:t>
             </a:r>
             <a:r>
               <a:rPr lang="en-US" sz="2000" dirty="0"/>
@@ -23882,7 +25344,7 @@
             </a:r>
             <a:r>
               <a:rPr lang="en-US" sz="2000" dirty="0" err="1"/>
-              <a:t>đủ</a:t>
+              <a:t>trong</a:t>
             </a:r>
             <a:r>
               <a:rPr lang="en-US" sz="2000" dirty="0"/>
@@ -23890,7 +25352,15 @@
             </a:r>
             <a:r>
               <a:rPr lang="en-US" sz="2000" dirty="0" err="1"/>
-              <a:t>danh</a:t>
+              <a:t>việc</a:t>
+            </a:r>
+            <a:r>
+              <a:rPr lang="en-US" sz="2000" dirty="0"/>
+              <a:t> matching </a:t>
+            </a:r>
+            <a:r>
+              <a:rPr lang="en-US" sz="2000" dirty="0" err="1"/>
+              <a:t>từ</a:t>
             </a:r>
             <a:r>
               <a:rPr lang="en-US" sz="2000" dirty="0"/>
@@ -23898,461 +25368,27 @@
             </a:r>
             <a:r>
               <a:rPr lang="en-US" sz="2000" dirty="0" err="1"/>
-              <a:t>sách</a:t>
-            </a:r>
-            <a:r>
-              <a:rPr lang="en-US" sz="2000" dirty="0"/>
-              <a:t> </a:t>
-            </a:r>
-            <a:r>
-              <a:rPr lang="en-US" sz="2000" dirty="0" err="1"/>
-              <a:t>các</a:t>
-            </a:r>
-            <a:r>
-              <a:rPr lang="en-US" sz="2000" dirty="0"/>
-              <a:t> </a:t>
-            </a:r>
-            <a:r>
-              <a:rPr lang="en-US" sz="2000" dirty="0" err="1"/>
-              <a:t>phím</a:t>
-            </a:r>
-            <a:r>
-              <a:rPr lang="en-US" sz="2000" dirty="0"/>
-              <a:t> </a:t>
-            </a:r>
-            <a:r>
-              <a:rPr lang="en-US" sz="2000" dirty="0" err="1"/>
-              <a:t>tắt</a:t>
+              <a:t>khóa</a:t>
             </a:r>
             <a:r>
               <a:rPr lang="en-US" sz="2000" dirty="0"/>
               <a:t>.</a:t>
             </a:r>
+            <a:endParaRPr lang="en-US" sz="2000" i="1" dirty="0"/>
           </a:p>
           <a:p>
-            <a:pPr marL="457200" indent="-457200">
+            <a:pPr marL="457200" indent="-457200" algn="just">
               <a:buFont typeface="Wingdings" panose="05000000000000000000" pitchFamily="2" charset="2"/>
               <a:buChar char="v"/>
             </a:pPr>
             <a:endParaRPr lang="en-US" sz="2000" dirty="0"/>
           </a:p>
           <a:p>
-            <a:pPr marL="457200" indent="-457200">
+            <a:pPr marL="457200" indent="-457200" algn="just">
               <a:buFont typeface="Wingdings" panose="05000000000000000000" pitchFamily="2" charset="2"/>
               <a:buChar char="v"/>
             </a:pPr>
-            <a:r>
-              <a:rPr lang="en-US" sz="2000" i="1" dirty="0"/>
-              <a:t>Binary Snippets: </a:t>
-            </a:r>
-            <a:r>
-              <a:rPr lang="en-US" sz="2000" dirty="0" err="1"/>
-              <a:t>hỗ</a:t>
-            </a:r>
-            <a:r>
-              <a:rPr lang="en-US" sz="2000" dirty="0"/>
-              <a:t> </a:t>
-            </a:r>
-            <a:r>
-              <a:rPr lang="en-US" sz="2000" dirty="0" err="1"/>
-              <a:t>trợ</a:t>
-            </a:r>
-            <a:r>
-              <a:rPr lang="en-US" sz="2000" dirty="0"/>
-              <a:t> </a:t>
-            </a:r>
-            <a:r>
-              <a:rPr lang="en-US" sz="2000" dirty="0" err="1"/>
-              <a:t>người</a:t>
-            </a:r>
-            <a:r>
-              <a:rPr lang="en-US" sz="2000" dirty="0"/>
-              <a:t> </a:t>
-            </a:r>
-            <a:r>
-              <a:rPr lang="en-US" sz="2000" dirty="0" err="1"/>
-              <a:t>dùng</a:t>
-            </a:r>
-            <a:r>
-              <a:rPr lang="en-US" sz="2000" dirty="0"/>
-              <a:t> chia </a:t>
-            </a:r>
-            <a:r>
-              <a:rPr lang="en-US" sz="2000" dirty="0" err="1"/>
-              <a:t>sẻ</a:t>
-            </a:r>
-            <a:r>
-              <a:rPr lang="en-US" sz="2000" dirty="0"/>
-              <a:t> </a:t>
-            </a:r>
-            <a:r>
-              <a:rPr lang="en-US" sz="2000" dirty="0" err="1"/>
-              <a:t>nhiều</a:t>
-            </a:r>
-            <a:r>
-              <a:rPr lang="en-US" sz="2000" dirty="0"/>
-              <a:t> </a:t>
-            </a:r>
-            <a:r>
-              <a:rPr lang="en-US" sz="2000" dirty="0" err="1"/>
-              <a:t>loại</a:t>
-            </a:r>
-            <a:r>
-              <a:rPr lang="en-US" sz="2000" dirty="0"/>
-              <a:t> </a:t>
-            </a:r>
-            <a:r>
-              <a:rPr lang="en-US" sz="2000" dirty="0" err="1"/>
-              <a:t>tệp</a:t>
-            </a:r>
-            <a:r>
-              <a:rPr lang="en-US" sz="2000" dirty="0"/>
-              <a:t> </a:t>
-            </a:r>
-            <a:r>
-              <a:rPr lang="en-US" sz="2000" dirty="0" err="1"/>
-              <a:t>khác</a:t>
-            </a:r>
-            <a:r>
-              <a:rPr lang="en-US" sz="2000" dirty="0"/>
-              <a:t> </a:t>
-            </a:r>
-            <a:r>
-              <a:rPr lang="en-US" sz="2000" dirty="0" err="1"/>
-              <a:t>nhau</a:t>
-            </a:r>
-            <a:r>
-              <a:rPr lang="en-US" sz="2000" dirty="0"/>
-              <a:t> </a:t>
-            </a:r>
-            <a:r>
-              <a:rPr lang="en-US" sz="2000" dirty="0" err="1"/>
-              <a:t>với</a:t>
-            </a:r>
-            <a:r>
-              <a:rPr lang="en-US" sz="2000" dirty="0"/>
-              <a:t> dung </a:t>
-            </a:r>
-            <a:r>
-              <a:rPr lang="en-US" sz="2000" dirty="0" err="1"/>
-              <a:t>lượng</a:t>
-            </a:r>
-            <a:r>
-              <a:rPr lang="en-US" sz="2000" dirty="0"/>
-              <a:t> </a:t>
-            </a:r>
-            <a:r>
-              <a:rPr lang="en-US" sz="2000" dirty="0" err="1"/>
-              <a:t>tối</a:t>
-            </a:r>
-            <a:r>
-              <a:rPr lang="en-US" sz="2000" dirty="0"/>
-              <a:t> </a:t>
-            </a:r>
-            <a:r>
-              <a:rPr lang="en-US" sz="2000" dirty="0" err="1"/>
-              <a:t>đa</a:t>
-            </a:r>
-            <a:r>
-              <a:rPr lang="en-US" sz="2000" dirty="0"/>
-              <a:t> </a:t>
-            </a:r>
-            <a:r>
-              <a:rPr lang="en-US" sz="2000" dirty="0" err="1"/>
-              <a:t>10MB</a:t>
-            </a:r>
-            <a:r>
-              <a:rPr lang="en-US" sz="2000" dirty="0"/>
-              <a:t>/ file.</a:t>
-            </a:r>
-          </a:p>
-          <a:p>
-            <a:pPr marL="457200" indent="-457200">
-              <a:buFont typeface="Wingdings" panose="05000000000000000000" pitchFamily="2" charset="2"/>
-              <a:buChar char="v"/>
-            </a:pPr>
-            <a:endParaRPr lang="en-US" sz="2000" dirty="0"/>
-          </a:p>
-          <a:p>
-            <a:pPr marL="457200" indent="-457200">
-              <a:buFont typeface="Wingdings" panose="05000000000000000000" pitchFamily="2" charset="2"/>
-              <a:buChar char="v"/>
-            </a:pPr>
-            <a:r>
-              <a:rPr lang="en-US" sz="2000" i="1" dirty="0" err="1"/>
-              <a:t>Có</a:t>
-            </a:r>
-            <a:r>
-              <a:rPr lang="en-US" sz="2000" i="1" dirty="0"/>
-              <a:t> app </a:t>
-            </a:r>
-            <a:r>
-              <a:rPr lang="en-US" sz="2000" i="1" dirty="0" err="1"/>
-              <a:t>quản</a:t>
-            </a:r>
-            <a:r>
-              <a:rPr lang="en-US" sz="2000" i="1" dirty="0"/>
-              <a:t> </a:t>
-            </a:r>
-            <a:r>
-              <a:rPr lang="en-US" sz="2000" i="1" dirty="0" err="1"/>
-              <a:t>lý</a:t>
-            </a:r>
-            <a:r>
-              <a:rPr lang="en-US" sz="2000" i="1" dirty="0"/>
-              <a:t> </a:t>
-            </a:r>
-            <a:r>
-              <a:rPr lang="en-US" sz="2000" i="1" dirty="0" err="1"/>
-              <a:t>riêng</a:t>
-            </a:r>
-            <a:r>
-              <a:rPr lang="en-US" sz="2000" i="1" dirty="0"/>
-              <a:t>: </a:t>
-            </a:r>
-            <a:r>
-              <a:rPr lang="en-US" sz="2000" dirty="0" err="1"/>
-              <a:t>quản</a:t>
-            </a:r>
-            <a:r>
-              <a:rPr lang="en-US" sz="2000" dirty="0"/>
-              <a:t> </a:t>
-            </a:r>
-            <a:r>
-              <a:rPr lang="en-US" sz="2000" dirty="0" err="1"/>
-              <a:t>lý</a:t>
-            </a:r>
-            <a:r>
-              <a:rPr lang="en-US" sz="2000" dirty="0"/>
-              <a:t> </a:t>
-            </a:r>
-            <a:r>
-              <a:rPr lang="en-US" sz="2000" dirty="0" err="1"/>
-              <a:t>các</a:t>
-            </a:r>
-            <a:r>
-              <a:rPr lang="en-US" sz="2000" dirty="0"/>
-              <a:t> repository, </a:t>
-            </a:r>
-            <a:r>
-              <a:rPr lang="en-US" sz="2000" dirty="0" err="1"/>
-              <a:t>kiểm</a:t>
-            </a:r>
-            <a:r>
-              <a:rPr lang="en-US" sz="2000" dirty="0"/>
-              <a:t> </a:t>
-            </a:r>
-            <a:r>
-              <a:rPr lang="en-US" sz="2000" dirty="0" err="1"/>
-              <a:t>tra</a:t>
-            </a:r>
-            <a:r>
-              <a:rPr lang="en-US" sz="2000" dirty="0"/>
-              <a:t> </a:t>
-            </a:r>
-            <a:r>
-              <a:rPr lang="en-US" sz="2000" dirty="0" err="1"/>
-              <a:t>thay</a:t>
-            </a:r>
-            <a:r>
-              <a:rPr lang="en-US" sz="2000" dirty="0"/>
-              <a:t> </a:t>
-            </a:r>
-            <a:r>
-              <a:rPr lang="en-US" sz="2000" dirty="0" err="1"/>
-              <a:t>đổi</a:t>
-            </a:r>
-            <a:r>
-              <a:rPr lang="en-US" sz="2000" dirty="0"/>
-              <a:t> </a:t>
-            </a:r>
-            <a:r>
-              <a:rPr lang="en-US" sz="2000" dirty="0" err="1"/>
-              <a:t>và</a:t>
-            </a:r>
-            <a:r>
-              <a:rPr lang="en-US" sz="2000" dirty="0"/>
-              <a:t> </a:t>
-            </a:r>
-            <a:r>
-              <a:rPr lang="en-US" sz="2000" dirty="0" err="1"/>
-              <a:t>nắm</a:t>
-            </a:r>
-            <a:r>
-              <a:rPr lang="en-US" sz="2000" dirty="0"/>
-              <a:t> </a:t>
-            </a:r>
-            <a:r>
-              <a:rPr lang="en-US" sz="2000" dirty="0" err="1"/>
-              <a:t>được</a:t>
-            </a:r>
-            <a:r>
-              <a:rPr lang="en-US" sz="2000" dirty="0"/>
-              <a:t> </a:t>
-            </a:r>
-            <a:r>
-              <a:rPr lang="en-US" sz="2000" dirty="0" err="1"/>
-              <a:t>các</a:t>
-            </a:r>
-            <a:r>
-              <a:rPr lang="en-US" sz="2000" dirty="0"/>
-              <a:t> issues </a:t>
-            </a:r>
-            <a:r>
-              <a:rPr lang="en-US" sz="2000" dirty="0" err="1"/>
-              <a:t>của</a:t>
-            </a:r>
-            <a:r>
-              <a:rPr lang="en-US" sz="2000" dirty="0"/>
-              <a:t> </a:t>
-            </a:r>
-            <a:r>
-              <a:rPr lang="en-US" sz="2000" dirty="0" err="1"/>
-              <a:t>dự</a:t>
-            </a:r>
-            <a:r>
-              <a:rPr lang="en-US" sz="2000" dirty="0"/>
-              <a:t> </a:t>
-            </a:r>
-            <a:r>
-              <a:rPr lang="en-US" sz="2000" dirty="0" err="1"/>
-              <a:t>án</a:t>
-            </a:r>
-            <a:r>
-              <a:rPr lang="en-US" sz="2000" dirty="0"/>
-              <a:t> </a:t>
-            </a:r>
-            <a:r>
-              <a:rPr lang="en-US" sz="2000" dirty="0" err="1"/>
-              <a:t>khi</a:t>
-            </a:r>
-            <a:r>
-              <a:rPr lang="en-US" sz="2000" dirty="0"/>
-              <a:t> </a:t>
-            </a:r>
-            <a:r>
-              <a:rPr lang="en-US" sz="2000" dirty="0" err="1"/>
-              <a:t>takhông</a:t>
-            </a:r>
-            <a:r>
-              <a:rPr lang="en-US" sz="2000" dirty="0"/>
-              <a:t> </a:t>
-            </a:r>
-            <a:r>
-              <a:rPr lang="en-US" sz="2000" dirty="0" err="1"/>
-              <a:t>ngồi</a:t>
-            </a:r>
-            <a:r>
-              <a:rPr lang="en-US" sz="2000" dirty="0"/>
-              <a:t> </a:t>
-            </a:r>
-            <a:r>
-              <a:rPr lang="en-US" sz="2000" dirty="0" err="1"/>
-              <a:t>trước</a:t>
-            </a:r>
-            <a:r>
-              <a:rPr lang="en-US" sz="2000" dirty="0"/>
-              <a:t> </a:t>
-            </a:r>
-            <a:r>
-              <a:rPr lang="en-US" sz="2000" dirty="0" err="1"/>
-              <a:t>màn</a:t>
-            </a:r>
-            <a:r>
-              <a:rPr lang="en-US" sz="2000" dirty="0"/>
-              <a:t> </a:t>
-            </a:r>
-            <a:r>
-              <a:rPr lang="en-US" sz="2000" dirty="0" err="1"/>
-              <a:t>hình</a:t>
-            </a:r>
-            <a:r>
-              <a:rPr lang="en-US" sz="2000" dirty="0"/>
-              <a:t> </a:t>
-            </a:r>
-            <a:r>
-              <a:rPr lang="en-US" sz="2000" dirty="0" err="1"/>
-              <a:t>máy</a:t>
-            </a:r>
-            <a:r>
-              <a:rPr lang="en-US" sz="2000" dirty="0"/>
-              <a:t> </a:t>
-            </a:r>
-            <a:r>
-              <a:rPr lang="en-US" sz="2000" dirty="0" err="1"/>
-              <a:t>tính</a:t>
-            </a:r>
-            <a:r>
-              <a:rPr lang="en-US" sz="2000" dirty="0"/>
-              <a:t> </a:t>
-            </a:r>
-            <a:r>
-              <a:rPr lang="en-US" sz="2000" dirty="0" err="1"/>
-              <a:t>thông</a:t>
-            </a:r>
-            <a:r>
-              <a:rPr lang="en-US" sz="2000" dirty="0"/>
-              <a:t> qua </a:t>
-            </a:r>
-            <a:r>
-              <a:rPr lang="en-US" sz="2000" dirty="0" err="1"/>
-              <a:t>ứng</a:t>
-            </a:r>
-            <a:r>
-              <a:rPr lang="en-US" sz="2000" dirty="0"/>
-              <a:t> </a:t>
-            </a:r>
-            <a:r>
-              <a:rPr lang="en-US" sz="2000" dirty="0" err="1"/>
-              <a:t>dụng</a:t>
-            </a:r>
-            <a:r>
-              <a:rPr lang="en-US" sz="2000" dirty="0"/>
-              <a:t>: </a:t>
-            </a:r>
-            <a:r>
-              <a:rPr lang="en-US" sz="2000" dirty="0" err="1"/>
-              <a:t>Bitbeaker</a:t>
-            </a:r>
-            <a:r>
-              <a:rPr lang="en-US" sz="2000" dirty="0"/>
-              <a:t> (Android).</a:t>
-            </a:r>
-          </a:p>
-          <a:p>
-            <a:pPr marL="457200" indent="-457200">
-              <a:buFont typeface="Wingdings" panose="05000000000000000000" pitchFamily="2" charset="2"/>
-              <a:buChar char="v"/>
-            </a:pPr>
-            <a:endParaRPr lang="en-US" dirty="0"/>
-          </a:p>
-          <a:p>
-            <a:pPr marL="457200" indent="-457200">
-              <a:buFont typeface="Wingdings" panose="05000000000000000000" pitchFamily="2" charset="2"/>
-              <a:buChar char="v"/>
-            </a:pPr>
-            <a:endParaRPr lang="en-US" dirty="0"/>
-          </a:p>
-          <a:p>
-            <a:pPr marL="457200" indent="-457200">
-              <a:buFont typeface="Wingdings" panose="05000000000000000000" pitchFamily="2" charset="2"/>
-              <a:buChar char="v"/>
-            </a:pPr>
-            <a:endParaRPr lang="en-US" dirty="0"/>
-          </a:p>
-          <a:p>
-            <a:pPr marL="457200" indent="-457200">
-              <a:buFont typeface="Wingdings" panose="05000000000000000000" pitchFamily="2" charset="2"/>
-              <a:buChar char="v"/>
-            </a:pPr>
-            <a:endParaRPr lang="en-US" i="1" dirty="0"/>
-          </a:p>
-          <a:p>
-            <a:pPr marL="457200" indent="-457200">
-              <a:buFont typeface="Wingdings" panose="05000000000000000000" pitchFamily="2" charset="2"/>
-              <a:buChar char="v"/>
-            </a:pPr>
-            <a:endParaRPr lang="en-US" dirty="0"/>
+            <a:endParaRPr lang="en-US" sz="2000" i="1" dirty="0"/>
           </a:p>
           <a:p>
             <a:pPr marL="457200" indent="-457200">
@@ -24369,10 +25405,87 @@
           </a:p>
         </p:txBody>
       </p:sp>
+      <p:pic>
+        <p:nvPicPr>
+          <p:cNvPr id="4" name="Picture 2" descr="Free icons - Free vector icons - Free SVG, PSD, PNG, EPS, Ai &amp; Icon Font">
+            <a:extLst>
+              <a:ext uri="{FF2B5EF4-FFF2-40B4-BE49-F238E27FC236}">
+                <a16:creationId xmlns:a16="http://schemas.microsoft.com/office/drawing/2014/main" id="{35A6EB2A-1F7E-4747-95B1-BDB3309359C2}"/>
+              </a:ext>
+            </a:extLst>
+          </p:cNvPr>
+          <p:cNvPicPr>
+            <a:picLocks noChangeAspect="1" noChangeArrowheads="1"/>
+          </p:cNvPicPr>
+          <p:nvPr/>
+        </p:nvPicPr>
+        <p:blipFill>
+          <a:blip r:embed="rId2">
+            <a:extLst>
+              <a:ext uri="{28A0092B-C50C-407E-A947-70E740481C1C}">
+                <a14:useLocalDpi xmlns:a14="http://schemas.microsoft.com/office/drawing/2010/main" val="0"/>
+              </a:ext>
+            </a:extLst>
+          </a:blip>
+          <a:srcRect/>
+          <a:stretch>
+            <a:fillRect/>
+          </a:stretch>
+        </p:blipFill>
+        <p:spPr bwMode="auto">
+          <a:xfrm>
+            <a:off x="6190735" y="1683572"/>
+            <a:ext cx="2815282" cy="2815282"/>
+          </a:xfrm>
+          <a:prstGeom prst="rect">
+            <a:avLst/>
+          </a:prstGeom>
+          <a:noFill/>
+          <a:extLst>
+            <a:ext uri="{909E8E84-426E-40DD-AFC4-6F175D3DCCD1}">
+              <a14:hiddenFill xmlns:a14="http://schemas.microsoft.com/office/drawing/2010/main">
+                <a:solidFill>
+                  <a:srgbClr val="FFFFFF"/>
+                </a:solidFill>
+              </a14:hiddenFill>
+            </a:ext>
+          </a:extLst>
+        </p:spPr>
+      </p:pic>
+      <p:pic>
+        <p:nvPicPr>
+          <p:cNvPr id="5" name="Picture 4">
+            <a:extLst>
+              <a:ext uri="{FF2B5EF4-FFF2-40B4-BE49-F238E27FC236}">
+                <a16:creationId xmlns:a16="http://schemas.microsoft.com/office/drawing/2014/main" id="{1D573630-7047-400E-882F-87A12FFC8A8F}"/>
+              </a:ext>
+            </a:extLst>
+          </p:cNvPr>
+          <p:cNvPicPr>
+            <a:picLocks noChangeAspect="1"/>
+          </p:cNvPicPr>
+          <p:nvPr/>
+        </p:nvPicPr>
+        <p:blipFill>
+          <a:blip r:embed="rId3"/>
+          <a:stretch>
+            <a:fillRect/>
+          </a:stretch>
+        </p:blipFill>
+        <p:spPr>
+          <a:xfrm>
+            <a:off x="6350536" y="3913731"/>
+            <a:ext cx="2495679" cy="551172"/>
+          </a:xfrm>
+          <a:prstGeom prst="rect">
+            <a:avLst/>
+          </a:prstGeom>
+        </p:spPr>
+      </p:pic>
     </p:spTree>
     <p:extLst>
       <p:ext uri="{BB962C8B-B14F-4D97-AF65-F5344CB8AC3E}">
-        <p14:creationId xmlns:p14="http://schemas.microsoft.com/office/powerpoint/2010/main" val="1688086479"/>
+        <p14:creationId xmlns:p14="http://schemas.microsoft.com/office/powerpoint/2010/main" val="2480839128"/>
       </p:ext>
     </p:extLst>
   </p:cSld>
@@ -24403,7 +25516,7 @@
                             </p:stCondLst>
                             <p:childTnLst>
                               <p:par>
-                                <p:cTn id="5" presetID="26" presetClass="entr" presetSubtype="0" fill="hold" grpId="0" nodeType="withEffect">
+                                <p:cTn id="5" presetID="14" presetClass="entr" presetSubtype="10" fill="hold" nodeType="withEffect">
                                   <p:stCondLst>
                                     <p:cond delay="0"/>
                                   </p:stCondLst>
@@ -24416,7 +25529,11 @@
                                           </p:stCondLst>
                                         </p:cTn>
                                         <p:tgtEl>
-                                          <p:spTgt spid="2"/>
+                                          <p:spTgt spid="3">
+                                            <p:txEl>
+                                              <p:pRg st="0" end="0"/>
+                                            </p:txEl>
+                                          </p:spTgt>
                                         </p:tgtEl>
                                         <p:attrNameLst>
                                           <p:attrName>style.visibility</p:attrName>
@@ -24426,367 +25543,15 @@
                                         <p:strVal val="visible"/>
                                       </p:to>
                                     </p:set>
-                                    <p:animEffect transition="in" filter="wipe(down)">
+                                    <p:animEffect transition="in" filter="randombar(horizontal)">
                                       <p:cBhvr>
-                                        <p:cTn id="7" dur="290">
-                                          <p:stCondLst>
-                                            <p:cond delay="0"/>
-                                          </p:stCondLst>
-                                        </p:cTn>
+                                        <p:cTn id="7" dur="1000"/>
                                         <p:tgtEl>
-                                          <p:spTgt spid="2"/>
-                                        </p:tgtEl>
-                                      </p:cBhvr>
-                                    </p:animEffect>
-                                    <p:anim calcmode="lin" valueType="num">
-                                      <p:cBhvr>
-                                        <p:cTn id="8" dur="911" tmFilter="0,0; 0.14,0.36; 0.43,0.73; 0.71,0.91; 1.0,1.0">
-                                          <p:stCondLst>
-                                            <p:cond delay="0"/>
-                                          </p:stCondLst>
-                                        </p:cTn>
-                                        <p:tgtEl>
-                                          <p:spTgt spid="2"/>
-                                        </p:tgtEl>
-                                        <p:attrNameLst>
-                                          <p:attrName>ppt_x</p:attrName>
-                                        </p:attrNameLst>
-                                      </p:cBhvr>
-                                      <p:tavLst>
-                                        <p:tav tm="0">
-                                          <p:val>
-                                            <p:strVal val="#ppt_x-0.25"/>
-                                          </p:val>
-                                        </p:tav>
-                                        <p:tav tm="100000">
-                                          <p:val>
-                                            <p:strVal val="#ppt_x"/>
-                                          </p:val>
-                                        </p:tav>
-                                      </p:tavLst>
-                                    </p:anim>
-                                    <p:anim calcmode="lin" valueType="num">
-                                      <p:cBhvr>
-                                        <p:cTn id="9" dur="332" tmFilter="0.0,0.0; 0.25,0.07; 0.50,0.2; 0.75,0.467; 1.0,1.0">
-                                          <p:stCondLst>
-                                            <p:cond delay="0"/>
-                                          </p:stCondLst>
-                                        </p:cTn>
-                                        <p:tgtEl>
-                                          <p:spTgt spid="2"/>
-                                        </p:tgtEl>
-                                        <p:attrNameLst>
-                                          <p:attrName>ppt_y</p:attrName>
-                                        </p:attrNameLst>
-                                      </p:cBhvr>
-                                      <p:tavLst>
-                                        <p:tav tm="0" fmla="#ppt_y-sin(pi*$)/3">
-                                          <p:val>
-                                            <p:fltVal val="0.5"/>
-                                          </p:val>
-                                        </p:tav>
-                                        <p:tav tm="100000">
-                                          <p:val>
-                                            <p:fltVal val="1"/>
-                                          </p:val>
-                                        </p:tav>
-                                      </p:tavLst>
-                                    </p:anim>
-                                    <p:anim calcmode="lin" valueType="num">
-                                      <p:cBhvr>
-                                        <p:cTn id="10" dur="332" tmFilter="0, 0; 0.125,0.2665; 0.25,0.4; 0.375,0.465; 0.5,0.5;  0.625,0.535; 0.75,0.6; 0.875,0.7335; 1,1">
-                                          <p:stCondLst>
-                                            <p:cond delay="332"/>
-                                          </p:stCondLst>
-                                        </p:cTn>
-                                        <p:tgtEl>
-                                          <p:spTgt spid="2"/>
-                                        </p:tgtEl>
-                                        <p:attrNameLst>
-                                          <p:attrName>ppt_y</p:attrName>
-                                        </p:attrNameLst>
-                                      </p:cBhvr>
-                                      <p:tavLst>
-                                        <p:tav tm="0" fmla="#ppt_y-sin(pi*$)/9">
-                                          <p:val>
-                                            <p:fltVal val="0"/>
-                                          </p:val>
-                                        </p:tav>
-                                        <p:tav tm="100000">
-                                          <p:val>
-                                            <p:fltVal val="1"/>
-                                          </p:val>
-                                        </p:tav>
-                                      </p:tavLst>
-                                    </p:anim>
-                                    <p:anim calcmode="lin" valueType="num">
-                                      <p:cBhvr>
-                                        <p:cTn id="11" dur="166" tmFilter="0, 0; 0.125,0.2665; 0.25,0.4; 0.375,0.465; 0.5,0.5;  0.625,0.535; 0.75,0.6; 0.875,0.7335; 1,1">
-                                          <p:stCondLst>
-                                            <p:cond delay="662"/>
-                                          </p:stCondLst>
-                                        </p:cTn>
-                                        <p:tgtEl>
-                                          <p:spTgt spid="2"/>
-                                        </p:tgtEl>
-                                        <p:attrNameLst>
-                                          <p:attrName>ppt_y</p:attrName>
-                                        </p:attrNameLst>
-                                      </p:cBhvr>
-                                      <p:tavLst>
-                                        <p:tav tm="0" fmla="#ppt_y-sin(pi*$)/27">
-                                          <p:val>
-                                            <p:fltVal val="0"/>
-                                          </p:val>
-                                        </p:tav>
-                                        <p:tav tm="100000">
-                                          <p:val>
-                                            <p:fltVal val="1"/>
-                                          </p:val>
-                                        </p:tav>
-                                      </p:tavLst>
-                                    </p:anim>
-                                    <p:anim calcmode="lin" valueType="num">
-                                      <p:cBhvr>
-                                        <p:cTn id="12" dur="82" tmFilter="0, 0; 0.125,0.2665; 0.25,0.4; 0.375,0.465; 0.5,0.5;  0.625,0.535; 0.75,0.6; 0.875,0.7335; 1,1">
-                                          <p:stCondLst>
-                                            <p:cond delay="828"/>
-                                          </p:stCondLst>
-                                        </p:cTn>
-                                        <p:tgtEl>
-                                          <p:spTgt spid="2"/>
-                                        </p:tgtEl>
-                                        <p:attrNameLst>
-                                          <p:attrName>ppt_y</p:attrName>
-                                        </p:attrNameLst>
-                                      </p:cBhvr>
-                                      <p:tavLst>
-                                        <p:tav tm="0" fmla="#ppt_y-sin(pi*$)/81">
-                                          <p:val>
-                                            <p:fltVal val="0"/>
-                                          </p:val>
-                                        </p:tav>
-                                        <p:tav tm="100000">
-                                          <p:val>
-                                            <p:fltVal val="1"/>
-                                          </p:val>
-                                        </p:tav>
-                                      </p:tavLst>
-                                    </p:anim>
-                                    <p:animScale>
-                                      <p:cBhvr>
-                                        <p:cTn id="13" dur="13">
-                                          <p:stCondLst>
-                                            <p:cond delay="325"/>
-                                          </p:stCondLst>
-                                        </p:cTn>
-                                        <p:tgtEl>
-                                          <p:spTgt spid="2"/>
-                                        </p:tgtEl>
-                                      </p:cBhvr>
-                                      <p:to x="100000" y="60000"/>
-                                    </p:animScale>
-                                    <p:animScale>
-                                      <p:cBhvr>
-                                        <p:cTn id="14" dur="83" decel="50000">
-                                          <p:stCondLst>
-                                            <p:cond delay="338"/>
-                                          </p:stCondLst>
-                                        </p:cTn>
-                                        <p:tgtEl>
-                                          <p:spTgt spid="2"/>
-                                        </p:tgtEl>
-                                      </p:cBhvr>
-                                      <p:to x="100000" y="100000"/>
-                                    </p:animScale>
-                                    <p:animScale>
-                                      <p:cBhvr>
-                                        <p:cTn id="15" dur="13">
-                                          <p:stCondLst>
-                                            <p:cond delay="656"/>
-                                          </p:stCondLst>
-                                        </p:cTn>
-                                        <p:tgtEl>
-                                          <p:spTgt spid="2"/>
-                                        </p:tgtEl>
-                                      </p:cBhvr>
-                                      <p:to x="100000" y="80000"/>
-                                    </p:animScale>
-                                    <p:animScale>
-                                      <p:cBhvr>
-                                        <p:cTn id="16" dur="83" decel="50000">
-                                          <p:stCondLst>
-                                            <p:cond delay="669"/>
-                                          </p:stCondLst>
-                                        </p:cTn>
-                                        <p:tgtEl>
-                                          <p:spTgt spid="2"/>
-                                        </p:tgtEl>
-                                      </p:cBhvr>
-                                      <p:to x="100000" y="100000"/>
-                                    </p:animScale>
-                                    <p:animScale>
-                                      <p:cBhvr>
-                                        <p:cTn id="17" dur="13">
-                                          <p:stCondLst>
-                                            <p:cond delay="821"/>
-                                          </p:stCondLst>
-                                        </p:cTn>
-                                        <p:tgtEl>
-                                          <p:spTgt spid="2"/>
-                                        </p:tgtEl>
-                                      </p:cBhvr>
-                                      <p:to x="100000" y="90000"/>
-                                    </p:animScale>
-                                    <p:animScale>
-                                      <p:cBhvr>
-                                        <p:cTn id="18" dur="83" decel="50000">
-                                          <p:stCondLst>
-                                            <p:cond delay="834"/>
-                                          </p:stCondLst>
-                                        </p:cTn>
-                                        <p:tgtEl>
-                                          <p:spTgt spid="2"/>
-                                        </p:tgtEl>
-                                      </p:cBhvr>
-                                      <p:to x="100000" y="100000"/>
-                                    </p:animScale>
-                                    <p:animScale>
-                                      <p:cBhvr>
-                                        <p:cTn id="19" dur="13">
-                                          <p:stCondLst>
-                                            <p:cond delay="904"/>
-                                          </p:stCondLst>
-                                        </p:cTn>
-                                        <p:tgtEl>
-                                          <p:spTgt spid="2"/>
-                                        </p:tgtEl>
-                                      </p:cBhvr>
-                                      <p:to x="100000" y="95000"/>
-                                    </p:animScale>
-                                    <p:animScale>
-                                      <p:cBhvr>
-                                        <p:cTn id="20" dur="83" decel="50000">
-                                          <p:stCondLst>
-                                            <p:cond delay="917"/>
-                                          </p:stCondLst>
-                                        </p:cTn>
-                                        <p:tgtEl>
-                                          <p:spTgt spid="2"/>
-                                        </p:tgtEl>
-                                      </p:cBhvr>
-                                      <p:to x="100000" y="100000"/>
-                                    </p:animScale>
-                                  </p:childTnLst>
-                                </p:cTn>
-                              </p:par>
-                            </p:childTnLst>
-                          </p:cTn>
-                        </p:par>
-                        <p:par>
-                          <p:cTn id="21" fill="hold">
-                            <p:stCondLst>
-                              <p:cond delay="1000"/>
-                            </p:stCondLst>
-                            <p:childTnLst>
-                              <p:par>
-                                <p:cTn id="22" presetID="31" presetClass="entr" presetSubtype="0" fill="hold" grpId="0" nodeType="afterEffect">
-                                  <p:stCondLst>
-                                    <p:cond delay="0"/>
-                                  </p:stCondLst>
-                                  <p:childTnLst>
-                                    <p:set>
-                                      <p:cBhvr>
-                                        <p:cTn id="23" dur="1" fill="hold">
-                                          <p:stCondLst>
-                                            <p:cond delay="0"/>
-                                          </p:stCondLst>
-                                        </p:cTn>
-                                        <p:tgtEl>
-                                          <p:spTgt spid="3"/>
-                                        </p:tgtEl>
-                                        <p:attrNameLst>
-                                          <p:attrName>style.visibility</p:attrName>
-                                        </p:attrNameLst>
-                                      </p:cBhvr>
-                                      <p:to>
-                                        <p:strVal val="visible"/>
-                                      </p:to>
-                                    </p:set>
-                                    <p:anim calcmode="lin" valueType="num">
-                                      <p:cBhvr>
-                                        <p:cTn id="24" dur="1000" fill="hold"/>
-                                        <p:tgtEl>
-                                          <p:spTgt spid="3"/>
-                                        </p:tgtEl>
-                                        <p:attrNameLst>
-                                          <p:attrName>ppt_w</p:attrName>
-                                        </p:attrNameLst>
-                                      </p:cBhvr>
-                                      <p:tavLst>
-                                        <p:tav tm="0">
-                                          <p:val>
-                                            <p:fltVal val="0"/>
-                                          </p:val>
-                                        </p:tav>
-                                        <p:tav tm="100000">
-                                          <p:val>
-                                            <p:strVal val="#ppt_w"/>
-                                          </p:val>
-                                        </p:tav>
-                                      </p:tavLst>
-                                    </p:anim>
-                                    <p:anim calcmode="lin" valueType="num">
-                                      <p:cBhvr>
-                                        <p:cTn id="25" dur="1000" fill="hold"/>
-                                        <p:tgtEl>
-                                          <p:spTgt spid="3"/>
-                                        </p:tgtEl>
-                                        <p:attrNameLst>
-                                          <p:attrName>ppt_h</p:attrName>
-                                        </p:attrNameLst>
-                                      </p:cBhvr>
-                                      <p:tavLst>
-                                        <p:tav tm="0">
-                                          <p:val>
-                                            <p:fltVal val="0"/>
-                                          </p:val>
-                                        </p:tav>
-                                        <p:tav tm="100000">
-                                          <p:val>
-                                            <p:strVal val="#ppt_h"/>
-                                          </p:val>
-                                        </p:tav>
-                                      </p:tavLst>
-                                    </p:anim>
-                                    <p:anim calcmode="lin" valueType="num">
-                                      <p:cBhvr>
-                                        <p:cTn id="26" dur="1000" fill="hold"/>
-                                        <p:tgtEl>
-                                          <p:spTgt spid="3"/>
-                                        </p:tgtEl>
-                                        <p:attrNameLst>
-                                          <p:attrName>style.rotation</p:attrName>
-                                        </p:attrNameLst>
-                                      </p:cBhvr>
-                                      <p:tavLst>
-                                        <p:tav tm="0">
-                                          <p:val>
-                                            <p:fltVal val="90"/>
-                                          </p:val>
-                                        </p:tav>
-                                        <p:tav tm="100000">
-                                          <p:val>
-                                            <p:fltVal val="0"/>
-                                          </p:val>
-                                        </p:tav>
-                                      </p:tavLst>
-                                    </p:anim>
-                                    <p:animEffect transition="in" filter="fade">
-                                      <p:cBhvr>
-                                        <p:cTn id="27" dur="1000"/>
-                                        <p:tgtEl>
-                                          <p:spTgt spid="3"/>
+                                          <p:spTgt spid="3">
+                                            <p:txEl>
+                                              <p:pRg st="0" end="0"/>
+                                            </p:txEl>
+                                          </p:spTgt>
                                         </p:tgtEl>
                                       </p:cBhvr>
                                     </p:animEffect>
@@ -24820,15 +25585,186 @@
         </p:cTn>
       </p:par>
     </p:tnLst>
-    <p:bldLst>
-      <p:bldP spid="2" grpId="0"/>
-      <p:bldP spid="3" grpId="0"/>
-    </p:bldLst>
   </p:timing>
 </p:sld>
 </file>
 
 <file path=ppt/slides/slide8.xml><?xml version="1.0" encoding="utf-8"?>
+<p:sld xmlns:a="http://schemas.openxmlformats.org/drawingml/2006/main" xmlns:r="http://schemas.openxmlformats.org/officeDocument/2006/relationships" xmlns:p="http://schemas.openxmlformats.org/presentationml/2006/main">
+  <p:cSld>
+    <p:spTree>
+      <p:nvGrpSpPr>
+        <p:cNvPr id="1" name=""/>
+        <p:cNvGrpSpPr/>
+        <p:nvPr/>
+      </p:nvGrpSpPr>
+      <p:grpSpPr>
+        <a:xfrm>
+          <a:off x="0" y="0"/>
+          <a:ext cx="0" cy="0"/>
+          <a:chOff x="0" y="0"/>
+          <a:chExt cx="0" cy="0"/>
+        </a:xfrm>
+      </p:grpSpPr>
+      <p:pic>
+        <p:nvPicPr>
+          <p:cNvPr id="2" name="Picture 1">
+            <a:extLst>
+              <a:ext uri="{FF2B5EF4-FFF2-40B4-BE49-F238E27FC236}">
+                <a16:creationId xmlns:a16="http://schemas.microsoft.com/office/drawing/2014/main" id="{4035BC61-AADE-4940-A3C6-4E086435A43C}"/>
+              </a:ext>
+            </a:extLst>
+          </p:cNvPr>
+          <p:cNvPicPr>
+            <a:picLocks noChangeAspect="1"/>
+          </p:cNvPicPr>
+          <p:nvPr/>
+        </p:nvPicPr>
+        <p:blipFill>
+          <a:blip r:embed="rId2"/>
+          <a:stretch>
+            <a:fillRect/>
+          </a:stretch>
+        </p:blipFill>
+        <p:spPr>
+          <a:xfrm>
+            <a:off x="0" y="0"/>
+            <a:ext cx="9144000" cy="6858000"/>
+          </a:xfrm>
+          <a:prstGeom prst="rect">
+            <a:avLst/>
+          </a:prstGeom>
+        </p:spPr>
+      </p:pic>
+      <p:cxnSp>
+        <p:nvCxnSpPr>
+          <p:cNvPr id="4" name="Straight Arrow Connector 3">
+            <a:extLst>
+              <a:ext uri="{FF2B5EF4-FFF2-40B4-BE49-F238E27FC236}">
+                <a16:creationId xmlns:a16="http://schemas.microsoft.com/office/drawing/2014/main" id="{7C7AF12D-5C9A-436B-951E-093C9BAEC227}"/>
+              </a:ext>
+            </a:extLst>
+          </p:cNvPr>
+          <p:cNvCxnSpPr>
+            <a:cxnSpLocks/>
+          </p:cNvCxnSpPr>
+          <p:nvPr/>
+        </p:nvCxnSpPr>
+        <p:spPr>
+          <a:xfrm flipV="1">
+            <a:off x="2397211" y="889686"/>
+            <a:ext cx="902043" cy="568411"/>
+          </a:xfrm>
+          <a:prstGeom prst="straightConnector1">
+            <a:avLst/>
+          </a:prstGeom>
+          <a:ln>
+            <a:tailEnd type="triangle"/>
+          </a:ln>
+        </p:spPr>
+        <p:style>
+          <a:lnRef idx="3">
+            <a:schemeClr val="accent2"/>
+          </a:lnRef>
+          <a:fillRef idx="0">
+            <a:schemeClr val="accent2"/>
+          </a:fillRef>
+          <a:effectRef idx="2">
+            <a:schemeClr val="accent2"/>
+          </a:effectRef>
+          <a:fontRef idx="minor">
+            <a:schemeClr val="tx1"/>
+          </a:fontRef>
+        </p:style>
+      </p:cxnSp>
+      <p:sp>
+        <p:nvSpPr>
+          <p:cNvPr id="6" name="Rectangle: Rounded Corners 5">
+            <a:extLst>
+              <a:ext uri="{FF2B5EF4-FFF2-40B4-BE49-F238E27FC236}">
+                <a16:creationId xmlns:a16="http://schemas.microsoft.com/office/drawing/2014/main" id="{E41621F0-1C80-4932-A22F-9F36A08F167D}"/>
+              </a:ext>
+            </a:extLst>
+          </p:cNvPr>
+          <p:cNvSpPr/>
+          <p:nvPr/>
+        </p:nvSpPr>
+        <p:spPr>
+          <a:xfrm>
+            <a:off x="1383957" y="1458097"/>
+            <a:ext cx="1433384" cy="679622"/>
+          </a:xfrm>
+          <a:prstGeom prst="roundRect">
+            <a:avLst/>
+          </a:prstGeom>
+        </p:spPr>
+        <p:style>
+          <a:lnRef idx="2">
+            <a:schemeClr val="accent2">
+              <a:shade val="50000"/>
+            </a:schemeClr>
+          </a:lnRef>
+          <a:fillRef idx="1">
+            <a:schemeClr val="accent2"/>
+          </a:fillRef>
+          <a:effectRef idx="0">
+            <a:schemeClr val="accent2"/>
+          </a:effectRef>
+          <a:fontRef idx="minor">
+            <a:schemeClr val="lt1"/>
+          </a:fontRef>
+        </p:style>
+        <p:txBody>
+          <a:bodyPr rtlCol="0" anchor="ctr"/>
+          <a:lstStyle/>
+          <a:p>
+            <a:pPr algn="ctr"/>
+            <a:r>
+              <a:rPr lang="en-US" dirty="0" err="1"/>
+              <a:t>Nhấn</a:t>
+            </a:r>
+            <a:r>
+              <a:rPr lang="en-US" dirty="0"/>
+              <a:t> “.” </a:t>
+            </a:r>
+            <a:r>
+              <a:rPr lang="en-US" dirty="0" err="1"/>
+              <a:t>để</a:t>
+            </a:r>
+            <a:r>
+              <a:rPr lang="en-US" dirty="0"/>
+              <a:t> </a:t>
+            </a:r>
+            <a:r>
+              <a:rPr lang="en-US" dirty="0" err="1"/>
+              <a:t>mở</a:t>
+            </a:r>
+            <a:r>
+              <a:rPr lang="en-US" dirty="0"/>
+              <a:t> </a:t>
+            </a:r>
+            <a:r>
+              <a:rPr lang="en-US" dirty="0" err="1"/>
+              <a:t>Omnibar</a:t>
+            </a:r>
+            <a:endParaRPr lang="en-US" dirty="0"/>
+          </a:p>
+        </p:txBody>
+      </p:sp>
+    </p:spTree>
+    <p:extLst>
+      <p:ext uri="{BB962C8B-B14F-4D97-AF65-F5344CB8AC3E}">
+        <p14:creationId xmlns:p14="http://schemas.microsoft.com/office/powerpoint/2010/main" val="1549732201"/>
+      </p:ext>
+    </p:extLst>
+  </p:cSld>
+  <p:clrMapOvr>
+    <a:masterClrMapping/>
+  </p:clrMapOvr>
+</p:sld>
+</file>
+
+<file path=ppt/slides/slide9.xml><?xml version="1.0" encoding="utf-8"?>
 <p:sld xmlns:a="http://schemas.openxmlformats.org/drawingml/2006/main" xmlns:r="http://schemas.openxmlformats.org/officeDocument/2006/relationships" xmlns:p="http://schemas.openxmlformats.org/presentationml/2006/main">
   <p:cSld>
     <p:spTree>
@@ -24861,7 +25797,7 @@
         </p:nvSpPr>
         <p:spPr>
           <a:xfrm>
-            <a:off x="0" y="948975"/>
+            <a:off x="0" y="995535"/>
             <a:ext cx="9144000" cy="772133"/>
           </a:xfrm>
           <a:prstGeom prst="rect">
@@ -24970,6 +25906,16 @@
           <a:p>
             <a:pPr algn="ctr"/>
             <a:r>
+              <a:rPr lang="en-US" sz="3000" b="1" dirty="0" err="1">
+                <a:solidFill>
+                  <a:srgbClr val="FF0000"/>
+                </a:solidFill>
+                <a:latin typeface="Times New Roman" panose="02020603050405020304" pitchFamily="18" charset="0"/>
+                <a:cs typeface="Times New Roman" panose="02020603050405020304" pitchFamily="18" charset="0"/>
+              </a:rPr>
+              <a:t>Các</a:t>
+            </a:r>
+            <a:r>
               <a:rPr lang="en-US" sz="3000" b="1" dirty="0">
                 <a:solidFill>
                   <a:srgbClr val="FF0000"/>
@@ -24977,7 +25923,7 @@
                 <a:latin typeface="Times New Roman" panose="02020603050405020304" pitchFamily="18" charset="0"/>
                 <a:cs typeface="Times New Roman" panose="02020603050405020304" pitchFamily="18" charset="0"/>
               </a:rPr>
-              <a:t>So </a:t>
+              <a:t> </a:t>
             </a:r>
             <a:r>
               <a:rPr lang="en-US" sz="3000" b="1" dirty="0" err="1">
@@ -24987,7 +25933,7 @@
                 <a:latin typeface="Times New Roman" panose="02020603050405020304" pitchFamily="18" charset="0"/>
                 <a:cs typeface="Times New Roman" panose="02020603050405020304" pitchFamily="18" charset="0"/>
               </a:rPr>
-              <a:t>Sánh</a:t>
+              <a:t>Tính</a:t>
             </a:r>
             <a:r>
               <a:rPr lang="en-US" sz="3000" b="1" dirty="0">
@@ -24997,7 +25943,7 @@
                 <a:latin typeface="Times New Roman" panose="02020603050405020304" pitchFamily="18" charset="0"/>
                 <a:cs typeface="Times New Roman" panose="02020603050405020304" pitchFamily="18" charset="0"/>
               </a:rPr>
-              <a:t> Bitbucket &amp; </a:t>
+              <a:t> </a:t>
             </a:r>
             <a:r>
               <a:rPr lang="en-US" sz="3000" b="1" dirty="0" err="1">
@@ -25007,7 +25953,7 @@
                 <a:latin typeface="Times New Roman" panose="02020603050405020304" pitchFamily="18" charset="0"/>
                 <a:cs typeface="Times New Roman" panose="02020603050405020304" pitchFamily="18" charset="0"/>
               </a:rPr>
-              <a:t>Github</a:t>
+              <a:t>Năng</a:t>
             </a:r>
             <a:endParaRPr lang="en-US" sz="3000" b="1" dirty="0">
               <a:solidFill>
@@ -25019,838 +25965,392 @@
           </a:p>
         </p:txBody>
       </p:sp>
-      <p:graphicFrame>
-        <p:nvGraphicFramePr>
-          <p:cNvPr id="5" name="Table 5">
+      <p:sp>
+        <p:nvSpPr>
+          <p:cNvPr id="3" name="TextBox 2">
             <a:extLst>
               <a:ext uri="{FF2B5EF4-FFF2-40B4-BE49-F238E27FC236}">
-                <a16:creationId xmlns:a16="http://schemas.microsoft.com/office/drawing/2014/main" id="{4C78874A-430A-4AE6-A7EE-B842733E5758}"/>
+                <a16:creationId xmlns:a16="http://schemas.microsoft.com/office/drawing/2014/main" id="{91B878CF-3E07-4BF4-B584-9AFB68547460}"/>
               </a:ext>
             </a:extLst>
           </p:cNvPr>
-          <p:cNvGraphicFramePr>
-            <a:graphicFrameLocks noGrp="1"/>
-          </p:cNvGraphicFramePr>
-          <p:nvPr>
-            <p:extLst>
-              <p:ext uri="{D42A27DB-BD31-4B8C-83A1-F6EECF244321}">
-                <p14:modId xmlns:p14="http://schemas.microsoft.com/office/powerpoint/2010/main" val="154176432"/>
-              </p:ext>
-            </p:extLst>
-          </p:nvPr>
-        </p:nvGraphicFramePr>
-        <p:xfrm>
-          <a:off x="0" y="1585184"/>
-          <a:ext cx="9144000" cy="4689198"/>
-        </p:xfrm>
-        <a:graphic>
-          <a:graphicData uri="http://schemas.openxmlformats.org/drawingml/2006/table">
-            <a:tbl>
-              <a:tblPr firstRow="1" bandRow="1">
-                <a:tableStyleId>{5C22544A-7EE6-4342-B048-85BDC9FD1C3A}</a:tableStyleId>
-              </a:tblPr>
-              <a:tblGrid>
-                <a:gridCol w="1902941">
-                  <a:extLst>
-                    <a:ext uri="{9D8B030D-6E8A-4147-A177-3AD203B41FA5}">
-                      <a16:colId xmlns:a16="http://schemas.microsoft.com/office/drawing/2014/main" val="3564408920"/>
-                    </a:ext>
-                  </a:extLst>
-                </a:gridCol>
-                <a:gridCol w="4193059">
-                  <a:extLst>
-                    <a:ext uri="{9D8B030D-6E8A-4147-A177-3AD203B41FA5}">
-                      <a16:colId xmlns:a16="http://schemas.microsoft.com/office/drawing/2014/main" val="2652272397"/>
-                    </a:ext>
-                  </a:extLst>
-                </a:gridCol>
-                <a:gridCol w="3048000">
-                  <a:extLst>
-                    <a:ext uri="{9D8B030D-6E8A-4147-A177-3AD203B41FA5}">
-                      <a16:colId xmlns:a16="http://schemas.microsoft.com/office/drawing/2014/main" val="3752606907"/>
-                    </a:ext>
-                  </a:extLst>
-                </a:gridCol>
-              </a:tblGrid>
-              <a:tr h="470079">
-                <a:tc>
-                  <a:txBody>
-                    <a:bodyPr/>
-                    <a:lstStyle/>
-                    <a:p>
-                      <a:r>
-                        <a:rPr lang="en-US" dirty="0" err="1"/>
-                        <a:t>Tính</a:t>
-                      </a:r>
-                      <a:r>
-                        <a:rPr lang="en-US" dirty="0"/>
-                        <a:t> </a:t>
-                      </a:r>
-                      <a:r>
-                        <a:rPr lang="en-US" dirty="0" err="1"/>
-                        <a:t>Năng</a:t>
-                      </a:r>
-                      <a:endParaRPr lang="en-US" dirty="0"/>
-                    </a:p>
-                  </a:txBody>
-                  <a:tcPr/>
-                </a:tc>
-                <a:tc>
-                  <a:txBody>
-                    <a:bodyPr/>
-                    <a:lstStyle/>
-                    <a:p>
-                      <a:r>
-                        <a:rPr lang="en-US" dirty="0"/>
-                        <a:t>Bitbucket</a:t>
-                      </a:r>
-                    </a:p>
-                  </a:txBody>
-                  <a:tcPr/>
-                </a:tc>
-                <a:tc>
-                  <a:txBody>
-                    <a:bodyPr/>
-                    <a:lstStyle/>
-                    <a:p>
-                      <a:r>
-                        <a:rPr lang="en-US" dirty="0" err="1"/>
-                        <a:t>Github</a:t>
-                      </a:r>
-                      <a:endParaRPr lang="en-US" dirty="0"/>
-                    </a:p>
-                  </a:txBody>
-                  <a:tcPr/>
-                </a:tc>
-                <a:extLst>
-                  <a:ext uri="{0D108BD9-81ED-4DB2-BD59-A6C34878D82A}">
-                    <a16:rowId xmlns:a16="http://schemas.microsoft.com/office/drawing/2014/main" val="665703505"/>
-                  </a:ext>
-                </a:extLst>
-              </a:tr>
-              <a:tr h="470079">
-                <a:tc>
-                  <a:txBody>
-                    <a:bodyPr/>
-                    <a:lstStyle/>
-                    <a:p>
-                      <a:r>
-                        <a:rPr lang="en-US" dirty="0"/>
-                        <a:t>VCS đ</a:t>
-                      </a:r>
-                      <a:r>
-                        <a:rPr lang="vi-VN" dirty="0"/>
-                        <a:t>ư</a:t>
-                      </a:r>
-                      <a:r>
-                        <a:rPr lang="en-US" dirty="0" err="1"/>
-                        <a:t>ợc</a:t>
-                      </a:r>
-                      <a:r>
-                        <a:rPr lang="en-US" dirty="0"/>
-                        <a:t> </a:t>
-                      </a:r>
-                      <a:r>
-                        <a:rPr lang="en-US" dirty="0" err="1"/>
-                        <a:t>hỗ</a:t>
-                      </a:r>
-                      <a:r>
-                        <a:rPr lang="en-US" dirty="0"/>
-                        <a:t> </a:t>
-                      </a:r>
-                      <a:r>
-                        <a:rPr lang="en-US" dirty="0" err="1"/>
-                        <a:t>trợ</a:t>
-                      </a:r>
-                      <a:endParaRPr lang="en-US" dirty="0"/>
-                    </a:p>
-                  </a:txBody>
-                  <a:tcPr/>
-                </a:tc>
-                <a:tc>
-                  <a:txBody>
-                    <a:bodyPr/>
-                    <a:lstStyle/>
-                    <a:p>
-                      <a:r>
-                        <a:rPr lang="en-US" dirty="0"/>
-                        <a:t>Mercurial, Git</a:t>
-                      </a:r>
-                    </a:p>
-                  </a:txBody>
-                  <a:tcPr/>
-                </a:tc>
-                <a:tc>
-                  <a:txBody>
-                    <a:bodyPr/>
-                    <a:lstStyle/>
-                    <a:p>
-                      <a:r>
-                        <a:rPr lang="en-US" dirty="0"/>
-                        <a:t>Git</a:t>
-                      </a:r>
-                    </a:p>
-                  </a:txBody>
-                  <a:tcPr/>
-                </a:tc>
-                <a:extLst>
-                  <a:ext uri="{0D108BD9-81ED-4DB2-BD59-A6C34878D82A}">
-                    <a16:rowId xmlns:a16="http://schemas.microsoft.com/office/drawing/2014/main" val="2110928280"/>
-                  </a:ext>
-                </a:extLst>
-              </a:tr>
-              <a:tr h="570947">
-                <a:tc>
-                  <a:txBody>
-                    <a:bodyPr/>
-                    <a:lstStyle/>
-                    <a:p>
-                      <a:r>
-                        <a:rPr lang="en-US" dirty="0"/>
-                        <a:t>Public Repositories</a:t>
-                      </a:r>
-                    </a:p>
-                  </a:txBody>
-                  <a:tcPr/>
-                </a:tc>
-                <a:tc>
-                  <a:txBody>
-                    <a:bodyPr/>
-                    <a:lstStyle/>
-                    <a:p>
-                      <a:r>
-                        <a:rPr lang="en-US" dirty="0" err="1"/>
-                        <a:t>Miễn</a:t>
-                      </a:r>
-                      <a:r>
-                        <a:rPr lang="en-US" dirty="0"/>
-                        <a:t> </a:t>
-                      </a:r>
-                      <a:r>
-                        <a:rPr lang="en-US" dirty="0" err="1"/>
-                        <a:t>phí</a:t>
-                      </a:r>
-                      <a:r>
-                        <a:rPr lang="en-US" dirty="0"/>
-                        <a:t>, </a:t>
-                      </a:r>
-                      <a:r>
-                        <a:rPr lang="en-US" dirty="0" err="1"/>
-                        <a:t>không</a:t>
-                      </a:r>
-                      <a:r>
-                        <a:rPr lang="en-US" dirty="0"/>
-                        <a:t> </a:t>
-                      </a:r>
-                      <a:r>
-                        <a:rPr lang="en-US" dirty="0" err="1"/>
-                        <a:t>giới</a:t>
-                      </a:r>
-                      <a:r>
-                        <a:rPr lang="en-US" dirty="0"/>
-                        <a:t> </a:t>
-                      </a:r>
-                      <a:r>
-                        <a:rPr lang="en-US" dirty="0" err="1"/>
-                        <a:t>hạn</a:t>
-                      </a:r>
-                      <a:r>
-                        <a:rPr lang="en-US" dirty="0"/>
-                        <a:t> </a:t>
-                      </a:r>
-                      <a:r>
-                        <a:rPr lang="en-US" dirty="0" err="1"/>
-                        <a:t>số</a:t>
-                      </a:r>
-                      <a:r>
-                        <a:rPr lang="en-US" dirty="0"/>
-                        <a:t> l</a:t>
-                      </a:r>
-                      <a:r>
-                        <a:rPr lang="vi-VN" dirty="0"/>
-                        <a:t>ư</a:t>
-                      </a:r>
-                      <a:r>
-                        <a:rPr lang="en-US" dirty="0" err="1"/>
-                        <a:t>ợng</a:t>
-                      </a:r>
-                      <a:endParaRPr lang="en-US" dirty="0"/>
-                    </a:p>
-                  </a:txBody>
-                  <a:tcPr/>
-                </a:tc>
-                <a:tc>
-                  <a:txBody>
-                    <a:bodyPr/>
-                    <a:lstStyle/>
-                    <a:p>
-                      <a:pPr marL="0" marR="0" lvl="0" indent="0" algn="l" defTabSz="914400" rtl="0" eaLnBrk="1" fontAlgn="auto" latinLnBrk="0" hangingPunct="1">
-                        <a:lnSpc>
-                          <a:spcPct val="100000"/>
-                        </a:lnSpc>
-                        <a:spcBef>
-                          <a:spcPts val="0"/>
-                        </a:spcBef>
-                        <a:spcAft>
-                          <a:spcPts val="0"/>
-                        </a:spcAft>
-                        <a:buClrTx/>
-                        <a:buSzTx/>
-                        <a:buFontTx/>
-                        <a:buNone/>
-                        <a:tabLst/>
-                        <a:defRPr/>
-                      </a:pPr>
-                      <a:r>
-                        <a:rPr lang="en-US" dirty="0" err="1"/>
-                        <a:t>Miễn</a:t>
-                      </a:r>
-                      <a:r>
-                        <a:rPr lang="en-US" dirty="0"/>
-                        <a:t> </a:t>
-                      </a:r>
-                      <a:r>
-                        <a:rPr lang="en-US" dirty="0" err="1"/>
-                        <a:t>phí</a:t>
-                      </a:r>
-                      <a:r>
-                        <a:rPr lang="en-US" dirty="0"/>
-                        <a:t>, </a:t>
-                      </a:r>
-                      <a:r>
-                        <a:rPr lang="en-US" dirty="0" err="1"/>
-                        <a:t>không</a:t>
-                      </a:r>
-                      <a:r>
-                        <a:rPr lang="en-US" dirty="0"/>
-                        <a:t> </a:t>
-                      </a:r>
-                      <a:r>
-                        <a:rPr lang="en-US" dirty="0" err="1"/>
-                        <a:t>giới</a:t>
-                      </a:r>
-                      <a:r>
-                        <a:rPr lang="en-US" dirty="0"/>
-                        <a:t> </a:t>
-                      </a:r>
-                      <a:r>
-                        <a:rPr lang="en-US" dirty="0" err="1"/>
-                        <a:t>hạn</a:t>
-                      </a:r>
-                      <a:r>
-                        <a:rPr lang="en-US" dirty="0"/>
-                        <a:t> </a:t>
-                      </a:r>
-                      <a:r>
-                        <a:rPr lang="en-US" dirty="0" err="1"/>
-                        <a:t>số</a:t>
-                      </a:r>
-                      <a:r>
-                        <a:rPr lang="en-US" dirty="0"/>
-                        <a:t> l</a:t>
-                      </a:r>
-                      <a:r>
-                        <a:rPr lang="vi-VN" dirty="0"/>
-                        <a:t>ư</a:t>
-                      </a:r>
-                      <a:r>
-                        <a:rPr lang="en-US" dirty="0" err="1"/>
-                        <a:t>ợng</a:t>
-                      </a:r>
-                      <a:endParaRPr lang="en-US" dirty="0"/>
-                    </a:p>
-                  </a:txBody>
-                  <a:tcPr/>
-                </a:tc>
-                <a:extLst>
-                  <a:ext uri="{0D108BD9-81ED-4DB2-BD59-A6C34878D82A}">
-                    <a16:rowId xmlns:a16="http://schemas.microsoft.com/office/drawing/2014/main" val="3566849602"/>
-                  </a:ext>
-                </a:extLst>
-              </a:tr>
-              <a:tr h="570947">
-                <a:tc>
-                  <a:txBody>
-                    <a:bodyPr/>
-                    <a:lstStyle/>
-                    <a:p>
-                      <a:pPr marL="0" marR="0" lvl="0" indent="0" algn="l" defTabSz="914400" rtl="0" eaLnBrk="1" fontAlgn="auto" latinLnBrk="0" hangingPunct="1">
-                        <a:lnSpc>
-                          <a:spcPct val="100000"/>
-                        </a:lnSpc>
-                        <a:spcBef>
-                          <a:spcPts val="0"/>
-                        </a:spcBef>
-                        <a:spcAft>
-                          <a:spcPts val="0"/>
-                        </a:spcAft>
-                        <a:buClrTx/>
-                        <a:buSzTx/>
-                        <a:buFontTx/>
-                        <a:buNone/>
-                        <a:tabLst/>
-                        <a:defRPr/>
-                      </a:pPr>
-                      <a:r>
-                        <a:rPr lang="en-US" dirty="0"/>
-                        <a:t>Private Repositories</a:t>
-                      </a:r>
-                    </a:p>
-                  </a:txBody>
-                  <a:tcPr/>
-                </a:tc>
-                <a:tc>
-                  <a:txBody>
-                    <a:bodyPr/>
-                    <a:lstStyle/>
-                    <a:p>
-                      <a:r>
-                        <a:rPr lang="en-US" dirty="0" err="1"/>
-                        <a:t>Miễn</a:t>
-                      </a:r>
-                      <a:r>
-                        <a:rPr lang="en-US" dirty="0"/>
-                        <a:t> </a:t>
-                      </a:r>
-                      <a:r>
-                        <a:rPr lang="en-US" dirty="0" err="1"/>
-                        <a:t>phí</a:t>
-                      </a:r>
-                      <a:r>
-                        <a:rPr lang="en-US" dirty="0"/>
-                        <a:t> </a:t>
-                      </a:r>
-                      <a:r>
-                        <a:rPr lang="en-US" dirty="0" err="1"/>
-                        <a:t>cho</a:t>
-                      </a:r>
-                      <a:r>
-                        <a:rPr lang="en-US" dirty="0"/>
-                        <a:t> </a:t>
-                      </a:r>
-                      <a:r>
-                        <a:rPr lang="en-US" dirty="0" err="1"/>
-                        <a:t>nhóm</a:t>
-                      </a:r>
-                      <a:r>
-                        <a:rPr lang="en-US" dirty="0"/>
-                        <a:t> 5 ng</a:t>
-                      </a:r>
-                      <a:r>
-                        <a:rPr lang="vi-VN" dirty="0"/>
-                        <a:t>ư</a:t>
-                      </a:r>
-                      <a:r>
-                        <a:rPr lang="en-US" dirty="0" err="1"/>
-                        <a:t>ời</a:t>
-                      </a:r>
-                      <a:r>
-                        <a:rPr lang="en-US" dirty="0"/>
-                        <a:t> </a:t>
-                      </a:r>
-                      <a:r>
-                        <a:rPr lang="en-US" dirty="0" err="1"/>
-                        <a:t>trở</a:t>
-                      </a:r>
-                      <a:r>
-                        <a:rPr lang="en-US" dirty="0"/>
-                        <a:t> </a:t>
-                      </a:r>
-                      <a:r>
-                        <a:rPr lang="en-US" dirty="0" err="1"/>
-                        <a:t>xuống</a:t>
-                      </a:r>
-                      <a:endParaRPr lang="en-US" dirty="0"/>
-                    </a:p>
-                  </a:txBody>
-                  <a:tcPr/>
-                </a:tc>
-                <a:tc>
-                  <a:txBody>
-                    <a:bodyPr/>
-                    <a:lstStyle/>
-                    <a:p>
-                      <a:r>
-                        <a:rPr lang="en-US" dirty="0"/>
-                        <a:t>7$/</a:t>
-                      </a:r>
-                      <a:r>
-                        <a:rPr lang="en-US" dirty="0" err="1"/>
-                        <a:t>tháng</a:t>
-                      </a:r>
-                      <a:r>
-                        <a:rPr lang="en-US" dirty="0"/>
-                        <a:t>, </a:t>
-                      </a:r>
-                      <a:r>
-                        <a:rPr lang="en-US" dirty="0" err="1"/>
-                        <a:t>không</a:t>
-                      </a:r>
-                      <a:r>
-                        <a:rPr lang="en-US" dirty="0"/>
-                        <a:t> </a:t>
-                      </a:r>
-                      <a:r>
-                        <a:rPr lang="en-US" dirty="0" err="1"/>
-                        <a:t>giới</a:t>
-                      </a:r>
-                      <a:r>
-                        <a:rPr lang="en-US" dirty="0"/>
-                        <a:t> </a:t>
-                      </a:r>
-                      <a:r>
-                        <a:rPr lang="en-US" dirty="0" err="1"/>
-                        <a:t>hạn</a:t>
-                      </a:r>
-                      <a:r>
-                        <a:rPr lang="en-US" dirty="0"/>
-                        <a:t> </a:t>
-                      </a:r>
-                      <a:r>
-                        <a:rPr lang="en-US" dirty="0" err="1"/>
-                        <a:t>số</a:t>
-                      </a:r>
-                      <a:r>
-                        <a:rPr lang="en-US" dirty="0"/>
-                        <a:t> ng</a:t>
-                      </a:r>
-                      <a:r>
-                        <a:rPr lang="vi-VN" dirty="0"/>
-                        <a:t>ư</a:t>
-                      </a:r>
-                      <a:r>
-                        <a:rPr lang="en-US" dirty="0" err="1"/>
-                        <a:t>ời</a:t>
-                      </a:r>
-                      <a:r>
-                        <a:rPr lang="en-US" dirty="0"/>
-                        <a:t> </a:t>
-                      </a:r>
-                      <a:r>
-                        <a:rPr lang="en-US" dirty="0" err="1"/>
-                        <a:t>dùng</a:t>
-                      </a:r>
-                      <a:endParaRPr lang="en-US" dirty="0"/>
-                    </a:p>
-                  </a:txBody>
-                  <a:tcPr/>
-                </a:tc>
-                <a:extLst>
-                  <a:ext uri="{0D108BD9-81ED-4DB2-BD59-A6C34878D82A}">
-                    <a16:rowId xmlns:a16="http://schemas.microsoft.com/office/drawing/2014/main" val="3161730755"/>
-                  </a:ext>
-                </a:extLst>
-              </a:tr>
-              <a:tr h="815639">
-                <a:tc>
-                  <a:txBody>
-                    <a:bodyPr/>
-                    <a:lstStyle/>
-                    <a:p>
-                      <a:r>
-                        <a:rPr lang="en-US" dirty="0" err="1"/>
-                        <a:t>Tích</a:t>
-                      </a:r>
-                      <a:r>
-                        <a:rPr lang="en-US" dirty="0"/>
-                        <a:t> </a:t>
-                      </a:r>
-                      <a:r>
-                        <a:rPr lang="en-US" dirty="0" err="1"/>
-                        <a:t>hợp</a:t>
-                      </a:r>
-                      <a:endParaRPr lang="en-US" dirty="0"/>
-                    </a:p>
-                  </a:txBody>
-                  <a:tcPr/>
-                </a:tc>
-                <a:tc>
-                  <a:txBody>
-                    <a:bodyPr/>
-                    <a:lstStyle/>
-                    <a:p>
-                      <a:r>
-                        <a:rPr lang="en-US" dirty="0"/>
-                        <a:t>Jira, Crucible, Jenkins, Bamboo</a:t>
-                      </a:r>
-                    </a:p>
-                  </a:txBody>
-                  <a:tcPr/>
-                </a:tc>
-                <a:tc>
-                  <a:txBody>
-                    <a:bodyPr/>
-                    <a:lstStyle/>
-                    <a:p>
-                      <a:r>
-                        <a:rPr lang="en-US" dirty="0"/>
-                        <a:t>Asana, Zendesk, </a:t>
-                      </a:r>
-                      <a:r>
-                        <a:rPr lang="en-US" dirty="0" err="1"/>
-                        <a:t>CloudBees</a:t>
-                      </a:r>
-                      <a:r>
-                        <a:rPr lang="en-US" dirty="0"/>
-                        <a:t>, </a:t>
-                      </a:r>
-                      <a:r>
-                        <a:rPr lang="en-US" dirty="0" err="1"/>
-                        <a:t>CodeClimate</a:t>
-                      </a:r>
-                      <a:r>
-                        <a:rPr lang="en-US" dirty="0"/>
-                        <a:t>, AWS, Windows Azure, Google Cloud, Heroku</a:t>
-                      </a:r>
-                    </a:p>
-                  </a:txBody>
-                  <a:tcPr/>
-                </a:tc>
-                <a:extLst>
-                  <a:ext uri="{0D108BD9-81ED-4DB2-BD59-A6C34878D82A}">
-                    <a16:rowId xmlns:a16="http://schemas.microsoft.com/office/drawing/2014/main" val="3249433736"/>
-                  </a:ext>
-                </a:extLst>
-              </a:tr>
-              <a:tr h="570947">
-                <a:tc>
-                  <a:txBody>
-                    <a:bodyPr/>
-                    <a:lstStyle/>
-                    <a:p>
-                      <a:r>
-                        <a:rPr lang="en-US" dirty="0"/>
-                        <a:t>Host l</a:t>
-                      </a:r>
-                      <a:r>
-                        <a:rPr lang="vi-VN" dirty="0"/>
-                        <a:t>ư</a:t>
-                      </a:r>
-                      <a:r>
-                        <a:rPr lang="en-US" dirty="0"/>
-                        <a:t>u </a:t>
-                      </a:r>
-                      <a:r>
-                        <a:rPr lang="en-US" dirty="0" err="1"/>
-                        <a:t>trữ</a:t>
-                      </a:r>
-                      <a:r>
-                        <a:rPr lang="en-US" dirty="0"/>
-                        <a:t> </a:t>
-                      </a:r>
-                      <a:r>
-                        <a:rPr lang="en-US" dirty="0" err="1"/>
-                        <a:t>dự</a:t>
-                      </a:r>
-                      <a:r>
-                        <a:rPr lang="en-US" dirty="0"/>
-                        <a:t> </a:t>
-                      </a:r>
-                      <a:r>
-                        <a:rPr lang="en-US" dirty="0" err="1"/>
-                        <a:t>án</a:t>
-                      </a:r>
-                      <a:r>
-                        <a:rPr lang="en-US" dirty="0"/>
-                        <a:t> </a:t>
-                      </a:r>
-                      <a:r>
-                        <a:rPr lang="en-US" dirty="0" err="1"/>
-                        <a:t>phổ</a:t>
-                      </a:r>
-                      <a:r>
-                        <a:rPr lang="en-US" dirty="0"/>
-                        <a:t> </a:t>
-                      </a:r>
-                      <a:r>
-                        <a:rPr lang="en-US" dirty="0" err="1"/>
-                        <a:t>biến</a:t>
-                      </a:r>
-                      <a:endParaRPr lang="en-US" dirty="0"/>
-                    </a:p>
-                  </a:txBody>
-                  <a:tcPr/>
-                </a:tc>
-                <a:tc>
-                  <a:txBody>
-                    <a:bodyPr/>
-                    <a:lstStyle/>
-                    <a:p>
-                      <a:r>
-                        <a:rPr lang="en-US" dirty="0" err="1"/>
-                        <a:t>Adium</a:t>
-                      </a:r>
-                      <a:r>
-                        <a:rPr lang="en-US" dirty="0"/>
-                        <a:t>, Mailchimp, Opera, Python, Django</a:t>
-                      </a:r>
-                    </a:p>
-                  </a:txBody>
-                  <a:tcPr/>
-                </a:tc>
-                <a:tc>
-                  <a:txBody>
-                    <a:bodyPr/>
-                    <a:lstStyle/>
-                    <a:p>
-                      <a:r>
-                        <a:rPr lang="en-US" dirty="0"/>
-                        <a:t>Bootstrap, Node.js, jQuery, Rails, Homebrew</a:t>
-                      </a:r>
-                    </a:p>
-                  </a:txBody>
-                  <a:tcPr/>
-                </a:tc>
-                <a:extLst>
-                  <a:ext uri="{0D108BD9-81ED-4DB2-BD59-A6C34878D82A}">
-                    <a16:rowId xmlns:a16="http://schemas.microsoft.com/office/drawing/2014/main" val="3029666413"/>
-                  </a:ext>
-                </a:extLst>
-              </a:tr>
-              <a:tr h="815639">
-                <a:tc>
-                  <a:txBody>
-                    <a:bodyPr/>
-                    <a:lstStyle/>
-                    <a:p>
-                      <a:r>
-                        <a:rPr lang="en-US" dirty="0" err="1"/>
-                        <a:t>Tính</a:t>
-                      </a:r>
-                      <a:r>
-                        <a:rPr lang="en-US" dirty="0"/>
-                        <a:t> </a:t>
-                      </a:r>
-                      <a:r>
-                        <a:rPr lang="en-US" dirty="0" err="1"/>
-                        <a:t>năng</a:t>
-                      </a:r>
-                      <a:r>
-                        <a:rPr lang="en-US" dirty="0"/>
-                        <a:t> </a:t>
-                      </a:r>
-                      <a:r>
-                        <a:rPr lang="en-US" dirty="0" err="1"/>
-                        <a:t>mở</a:t>
-                      </a:r>
-                      <a:r>
-                        <a:rPr lang="en-US" dirty="0"/>
-                        <a:t> </a:t>
-                      </a:r>
-                      <a:r>
-                        <a:rPr lang="en-US" dirty="0" err="1"/>
-                        <a:t>rộng</a:t>
-                      </a:r>
-                      <a:r>
-                        <a:rPr lang="en-US" dirty="0"/>
-                        <a:t> </a:t>
-                      </a:r>
-                      <a:r>
-                        <a:rPr lang="en-US" dirty="0" err="1"/>
-                        <a:t>nổi</a:t>
-                      </a:r>
-                      <a:r>
-                        <a:rPr lang="en-US" dirty="0"/>
-                        <a:t> </a:t>
-                      </a:r>
-                      <a:r>
-                        <a:rPr lang="en-US" dirty="0" err="1"/>
-                        <a:t>bật</a:t>
-                      </a:r>
-                      <a:endParaRPr lang="en-US" dirty="0"/>
-                    </a:p>
-                  </a:txBody>
-                  <a:tcPr/>
-                </a:tc>
-                <a:tc>
-                  <a:txBody>
-                    <a:bodyPr/>
-                    <a:lstStyle/>
-                    <a:p>
-                      <a:r>
-                        <a:rPr lang="en-US" dirty="0"/>
-                        <a:t>Spoon, Jira Integration, External Authentication, Via </a:t>
-                      </a:r>
-                      <a:r>
-                        <a:rPr lang="en-US" dirty="0" err="1"/>
-                        <a:t>Github</a:t>
-                      </a:r>
-                      <a:r>
-                        <a:rPr lang="en-US" dirty="0"/>
-                        <a:t>, Twitter, Facebook, Google</a:t>
-                      </a:r>
-                    </a:p>
-                  </a:txBody>
-                  <a:tcPr/>
-                </a:tc>
-                <a:tc>
-                  <a:txBody>
-                    <a:bodyPr/>
-                    <a:lstStyle/>
-                    <a:p>
-                      <a:r>
-                        <a:rPr lang="en-US" dirty="0" err="1"/>
-                        <a:t>Xác</a:t>
-                      </a:r>
-                      <a:r>
-                        <a:rPr lang="en-US" dirty="0"/>
-                        <a:t> </a:t>
-                      </a:r>
-                      <a:r>
-                        <a:rPr lang="en-US" dirty="0" err="1"/>
-                        <a:t>nhận</a:t>
-                      </a:r>
-                      <a:r>
-                        <a:rPr lang="en-US" dirty="0"/>
-                        <a:t> 2 </a:t>
-                      </a:r>
-                      <a:r>
-                        <a:rPr lang="en-US" dirty="0" err="1"/>
-                        <a:t>lớp</a:t>
-                      </a:r>
-                      <a:r>
-                        <a:rPr lang="en-US" dirty="0"/>
-                        <a:t>, </a:t>
-                      </a:r>
-                      <a:r>
-                        <a:rPr lang="en-US" dirty="0" err="1"/>
-                        <a:t>Github</a:t>
-                      </a:r>
-                      <a:r>
-                        <a:rPr lang="en-US" dirty="0"/>
-                        <a:t> Pages, </a:t>
-                      </a:r>
-                      <a:r>
-                        <a:rPr lang="en-US" dirty="0" err="1"/>
-                        <a:t>Github</a:t>
-                      </a:r>
-                      <a:r>
-                        <a:rPr lang="en-US" dirty="0"/>
-                        <a:t> </a:t>
-                      </a:r>
-                      <a:r>
-                        <a:rPr lang="en-US" dirty="0" err="1"/>
-                        <a:t>Gists</a:t>
-                      </a:r>
-                      <a:endParaRPr lang="en-US" dirty="0"/>
-                    </a:p>
-                  </a:txBody>
-                  <a:tcPr/>
-                </a:tc>
-                <a:extLst>
-                  <a:ext uri="{0D108BD9-81ED-4DB2-BD59-A6C34878D82A}">
-                    <a16:rowId xmlns:a16="http://schemas.microsoft.com/office/drawing/2014/main" val="179163796"/>
-                  </a:ext>
-                </a:extLst>
-              </a:tr>
-            </a:tbl>
-          </a:graphicData>
-        </a:graphic>
-      </p:graphicFrame>
+          <p:cNvSpPr txBox="1"/>
+          <p:nvPr/>
+        </p:nvSpPr>
+        <p:spPr>
+          <a:xfrm>
+            <a:off x="329665" y="1767668"/>
+            <a:ext cx="5478011" cy="2862322"/>
+          </a:xfrm>
+          <a:prstGeom prst="rect">
+            <a:avLst/>
+          </a:prstGeom>
+          <a:noFill/>
+        </p:spPr>
+        <p:txBody>
+          <a:bodyPr wrap="square" rtlCol="0">
+            <a:spAutoFit/>
+          </a:bodyPr>
+          <a:lstStyle/>
+          <a:p>
+            <a:pPr marL="457200" indent="-457200" algn="just">
+              <a:buFont typeface="Wingdings" panose="05000000000000000000" pitchFamily="2" charset="2"/>
+              <a:buChar char="v"/>
+            </a:pPr>
+            <a:r>
+              <a:rPr lang="en-US" sz="2000" dirty="0" err="1"/>
+              <a:t>Omnibar</a:t>
+            </a:r>
+            <a:r>
+              <a:rPr lang="en-US" sz="2000" dirty="0"/>
+              <a:t>:</a:t>
+            </a:r>
+            <a:r>
+              <a:rPr lang="en-US" sz="2000" i="1" dirty="0"/>
+              <a:t> </a:t>
+            </a:r>
+            <a:r>
+              <a:rPr lang="en-US" sz="2000" dirty="0" err="1"/>
+              <a:t>Là</a:t>
+            </a:r>
+            <a:r>
+              <a:rPr lang="en-US" sz="2000" dirty="0"/>
+              <a:t> </a:t>
+            </a:r>
+            <a:r>
+              <a:rPr lang="en-US" sz="2000" dirty="0" err="1"/>
+              <a:t>một</a:t>
+            </a:r>
+            <a:r>
+              <a:rPr lang="en-US" sz="2000" dirty="0"/>
+              <a:t> </a:t>
+            </a:r>
+            <a:r>
+              <a:rPr lang="en-US" sz="2000" dirty="0" err="1"/>
+              <a:t>thanh</a:t>
+            </a:r>
+            <a:r>
+              <a:rPr lang="en-US" sz="2000" dirty="0"/>
+              <a:t> action </a:t>
+            </a:r>
+            <a:r>
+              <a:rPr lang="en-US" sz="2000" dirty="0" err="1"/>
+              <a:t>nhanh</a:t>
+            </a:r>
+            <a:r>
+              <a:rPr lang="en-US" sz="2000" dirty="0"/>
+              <a:t> </a:t>
+            </a:r>
+            <a:r>
+              <a:rPr lang="en-US" sz="2000" dirty="0" err="1"/>
+              <a:t>trên</a:t>
+            </a:r>
+            <a:r>
+              <a:rPr lang="en-US" sz="2000" dirty="0"/>
+              <a:t> Bitbucket, </a:t>
+            </a:r>
+            <a:r>
+              <a:rPr lang="en-US" sz="2000" dirty="0" err="1"/>
+              <a:t>rất</a:t>
+            </a:r>
+            <a:r>
+              <a:rPr lang="en-US" sz="2000" dirty="0"/>
+              <a:t> </a:t>
+            </a:r>
+            <a:r>
+              <a:rPr lang="en-US" sz="2000" dirty="0" err="1"/>
+              <a:t>linh</a:t>
+            </a:r>
+            <a:r>
+              <a:rPr lang="en-US" sz="2000" dirty="0"/>
+              <a:t> </a:t>
+            </a:r>
+            <a:r>
+              <a:rPr lang="en-US" sz="2000" dirty="0" err="1"/>
+              <a:t>hoạt</a:t>
+            </a:r>
+            <a:r>
+              <a:rPr lang="en-US" sz="2000" dirty="0"/>
+              <a:t> </a:t>
+            </a:r>
+            <a:r>
+              <a:rPr lang="en-US" sz="2000" dirty="0" err="1"/>
+              <a:t>trong</a:t>
+            </a:r>
+            <a:r>
+              <a:rPr lang="en-US" sz="2000" dirty="0"/>
+              <a:t> </a:t>
+            </a:r>
+            <a:r>
+              <a:rPr lang="en-US" sz="2000" dirty="0" err="1"/>
+              <a:t>việc</a:t>
+            </a:r>
+            <a:r>
+              <a:rPr lang="en-US" sz="2000" dirty="0"/>
+              <a:t> matching </a:t>
+            </a:r>
+            <a:r>
+              <a:rPr lang="en-US" sz="2000" dirty="0" err="1"/>
+              <a:t>từ</a:t>
+            </a:r>
+            <a:r>
+              <a:rPr lang="en-US" sz="2000" dirty="0"/>
+              <a:t> </a:t>
+            </a:r>
+            <a:r>
+              <a:rPr lang="en-US" sz="2000" dirty="0" err="1"/>
+              <a:t>khóa</a:t>
+            </a:r>
+            <a:r>
+              <a:rPr lang="en-US" sz="2000" dirty="0"/>
+              <a:t>.</a:t>
+            </a:r>
+            <a:endParaRPr lang="en-US" sz="2000" i="1" dirty="0"/>
+          </a:p>
+          <a:p>
+            <a:pPr marL="457200" indent="-457200" algn="just">
+              <a:buFont typeface="Wingdings" panose="05000000000000000000" pitchFamily="2" charset="2"/>
+              <a:buChar char="v"/>
+            </a:pPr>
+            <a:endParaRPr lang="en-US" sz="2000" dirty="0"/>
+          </a:p>
+          <a:p>
+            <a:pPr marL="457200" indent="-457200" algn="just">
+              <a:buFont typeface="Wingdings" panose="05000000000000000000" pitchFamily="2" charset="2"/>
+              <a:buChar char="v"/>
+            </a:pPr>
+            <a:r>
+              <a:rPr lang="en-US" sz="2000" dirty="0"/>
+              <a:t>Binary Snippets:</a:t>
+            </a:r>
+            <a:r>
+              <a:rPr lang="en-US" sz="2000" i="1" dirty="0"/>
+              <a:t> </a:t>
+            </a:r>
+            <a:r>
+              <a:rPr lang="en-US" sz="2000" dirty="0" err="1"/>
+              <a:t>Hỗ</a:t>
+            </a:r>
+            <a:r>
+              <a:rPr lang="en-US" sz="2000" dirty="0"/>
+              <a:t> </a:t>
+            </a:r>
+            <a:r>
+              <a:rPr lang="en-US" sz="2000" dirty="0" err="1"/>
+              <a:t>trợ</a:t>
+            </a:r>
+            <a:r>
+              <a:rPr lang="en-US" sz="2000" dirty="0"/>
+              <a:t> </a:t>
+            </a:r>
+            <a:r>
+              <a:rPr lang="en-US" sz="2000" dirty="0" err="1"/>
+              <a:t>người</a:t>
+            </a:r>
+            <a:r>
+              <a:rPr lang="en-US" sz="2000" dirty="0"/>
+              <a:t> </a:t>
+            </a:r>
+            <a:r>
+              <a:rPr lang="en-US" sz="2000" dirty="0" err="1"/>
+              <a:t>dùng</a:t>
+            </a:r>
+            <a:r>
+              <a:rPr lang="en-US" sz="2000" dirty="0"/>
+              <a:t> chia </a:t>
+            </a:r>
+            <a:r>
+              <a:rPr lang="en-US" sz="2000" dirty="0" err="1"/>
+              <a:t>sẻ</a:t>
+            </a:r>
+            <a:r>
+              <a:rPr lang="en-US" sz="2000" dirty="0"/>
+              <a:t> </a:t>
+            </a:r>
+            <a:r>
+              <a:rPr lang="en-US" sz="2000" dirty="0" err="1"/>
+              <a:t>nhiều</a:t>
+            </a:r>
+            <a:r>
+              <a:rPr lang="en-US" sz="2000" dirty="0"/>
+              <a:t> </a:t>
+            </a:r>
+            <a:r>
+              <a:rPr lang="en-US" sz="2000" dirty="0" err="1"/>
+              <a:t>loại</a:t>
+            </a:r>
+            <a:r>
+              <a:rPr lang="en-US" sz="2000" dirty="0"/>
+              <a:t> </a:t>
+            </a:r>
+            <a:r>
+              <a:rPr lang="en-US" sz="2000" dirty="0" err="1"/>
+              <a:t>tệp</a:t>
+            </a:r>
+            <a:r>
+              <a:rPr lang="en-US" sz="2000" dirty="0"/>
+              <a:t> </a:t>
+            </a:r>
+            <a:r>
+              <a:rPr lang="en-US" sz="2000" dirty="0" err="1"/>
+              <a:t>khác</a:t>
+            </a:r>
+            <a:r>
+              <a:rPr lang="en-US" sz="2000" dirty="0"/>
+              <a:t> </a:t>
+            </a:r>
+            <a:r>
+              <a:rPr lang="en-US" sz="2000" dirty="0" err="1"/>
+              <a:t>nhau</a:t>
+            </a:r>
+            <a:r>
+              <a:rPr lang="en-US" sz="2000" dirty="0"/>
+              <a:t> </a:t>
+            </a:r>
+            <a:r>
+              <a:rPr lang="en-US" sz="2000" dirty="0" err="1"/>
+              <a:t>với</a:t>
+            </a:r>
+            <a:r>
+              <a:rPr lang="en-US" sz="2000" dirty="0"/>
+              <a:t> dung </a:t>
+            </a:r>
+            <a:r>
+              <a:rPr lang="en-US" sz="2000" dirty="0" err="1"/>
+              <a:t>lượng</a:t>
+            </a:r>
+            <a:r>
+              <a:rPr lang="en-US" sz="2000" dirty="0"/>
+              <a:t> </a:t>
+            </a:r>
+            <a:r>
+              <a:rPr lang="en-US" sz="2000" dirty="0" err="1"/>
+              <a:t>tối</a:t>
+            </a:r>
+            <a:r>
+              <a:rPr lang="en-US" sz="2000" dirty="0"/>
+              <a:t> </a:t>
+            </a:r>
+            <a:r>
+              <a:rPr lang="en-US" sz="2000" dirty="0" err="1"/>
+              <a:t>đa</a:t>
+            </a:r>
+            <a:r>
+              <a:rPr lang="en-US" sz="2000" dirty="0"/>
+              <a:t> </a:t>
+            </a:r>
+            <a:r>
+              <a:rPr lang="en-US" sz="2000" dirty="0" err="1"/>
+              <a:t>10MB</a:t>
+            </a:r>
+            <a:r>
+              <a:rPr lang="en-US" sz="2000" dirty="0"/>
+              <a:t>/ file.</a:t>
+            </a:r>
+          </a:p>
+          <a:p>
+            <a:pPr marL="457200" indent="-457200" algn="just">
+              <a:buFont typeface="Wingdings" panose="05000000000000000000" pitchFamily="2" charset="2"/>
+              <a:buChar char="v"/>
+            </a:pPr>
+            <a:endParaRPr lang="en-US" sz="2000" i="1" dirty="0"/>
+          </a:p>
+          <a:p>
+            <a:pPr marL="457200" indent="-457200">
+              <a:buFont typeface="Wingdings" panose="05000000000000000000" pitchFamily="2" charset="2"/>
+              <a:buChar char="v"/>
+            </a:pPr>
+            <a:endParaRPr lang="en-US" sz="2000" b="1" dirty="0">
+              <a:solidFill>
+                <a:srgbClr val="00B050"/>
+              </a:solidFill>
+              <a:latin typeface="Arial" panose="020B0604020202020204" pitchFamily="34" charset="0"/>
+              <a:cs typeface="Arial" panose="020B0604020202020204" pitchFamily="34" charset="0"/>
+            </a:endParaRPr>
+          </a:p>
+        </p:txBody>
+      </p:sp>
+      <p:pic>
+        <p:nvPicPr>
+          <p:cNvPr id="4" name="Picture 2" descr="Free icons - Free vector icons - Free SVG, PSD, PNG, EPS, Ai &amp; Icon Font">
+            <a:extLst>
+              <a:ext uri="{FF2B5EF4-FFF2-40B4-BE49-F238E27FC236}">
+                <a16:creationId xmlns:a16="http://schemas.microsoft.com/office/drawing/2014/main" id="{35A6EB2A-1F7E-4747-95B1-BDB3309359C2}"/>
+              </a:ext>
+            </a:extLst>
+          </p:cNvPr>
+          <p:cNvPicPr>
+            <a:picLocks noChangeAspect="1" noChangeArrowheads="1"/>
+          </p:cNvPicPr>
+          <p:nvPr/>
+        </p:nvPicPr>
+        <p:blipFill>
+          <a:blip r:embed="rId2">
+            <a:extLst>
+              <a:ext uri="{28A0092B-C50C-407E-A947-70E740481C1C}">
+                <a14:useLocalDpi xmlns:a14="http://schemas.microsoft.com/office/drawing/2010/main" val="0"/>
+              </a:ext>
+            </a:extLst>
+          </a:blip>
+          <a:srcRect/>
+          <a:stretch>
+            <a:fillRect/>
+          </a:stretch>
+        </p:blipFill>
+        <p:spPr bwMode="auto">
+          <a:xfrm>
+            <a:off x="6190735" y="1683572"/>
+            <a:ext cx="2815282" cy="2815282"/>
+          </a:xfrm>
+          <a:prstGeom prst="rect">
+            <a:avLst/>
+          </a:prstGeom>
+          <a:noFill/>
+          <a:extLst>
+            <a:ext uri="{909E8E84-426E-40DD-AFC4-6F175D3DCCD1}">
+              <a14:hiddenFill xmlns:a14="http://schemas.microsoft.com/office/drawing/2010/main">
+                <a:solidFill>
+                  <a:srgbClr val="FFFFFF"/>
+                </a:solidFill>
+              </a14:hiddenFill>
+            </a:ext>
+          </a:extLst>
+        </p:spPr>
+      </p:pic>
+      <p:pic>
+        <p:nvPicPr>
+          <p:cNvPr id="5" name="Picture 4">
+            <a:extLst>
+              <a:ext uri="{FF2B5EF4-FFF2-40B4-BE49-F238E27FC236}">
+                <a16:creationId xmlns:a16="http://schemas.microsoft.com/office/drawing/2014/main" id="{1D573630-7047-400E-882F-87A12FFC8A8F}"/>
+              </a:ext>
+            </a:extLst>
+          </p:cNvPr>
+          <p:cNvPicPr>
+            <a:picLocks noChangeAspect="1"/>
+          </p:cNvPicPr>
+          <p:nvPr/>
+        </p:nvPicPr>
+        <p:blipFill>
+          <a:blip r:embed="rId3"/>
+          <a:stretch>
+            <a:fillRect/>
+          </a:stretch>
+        </p:blipFill>
+        <p:spPr>
+          <a:xfrm>
+            <a:off x="6350536" y="3913731"/>
+            <a:ext cx="2495679" cy="551172"/>
+          </a:xfrm>
+          <a:prstGeom prst="rect">
+            <a:avLst/>
+          </a:prstGeom>
+        </p:spPr>
+      </p:pic>
     </p:spTree>
     <p:extLst>
       <p:ext uri="{BB962C8B-B14F-4D97-AF65-F5344CB8AC3E}">
-        <p14:creationId xmlns:p14="http://schemas.microsoft.com/office/powerpoint/2010/main" val="3474235683"/>
+        <p14:creationId xmlns:p14="http://schemas.microsoft.com/office/powerpoint/2010/main" val="3215043666"/>
       </p:ext>
     </p:extLst>
   </p:cSld>
@@ -25881,7 +26381,7 @@
                             </p:stCondLst>
                             <p:childTnLst>
                               <p:par>
-                                <p:cTn id="5" presetID="26" presetClass="entr" presetSubtype="0" fill="hold" grpId="0" nodeType="withEffect">
+                                <p:cTn id="5" presetID="14" presetClass="entr" presetSubtype="10" fill="hold" nodeType="withEffect">
                                   <p:stCondLst>
                                     <p:cond delay="0"/>
                                   </p:stCondLst>
@@ -25894,7 +26394,11 @@
                                           </p:stCondLst>
                                         </p:cTn>
                                         <p:tgtEl>
-                                          <p:spTgt spid="2"/>
+                                          <p:spTgt spid="3">
+                                            <p:txEl>
+                                              <p:pRg st="2" end="2"/>
+                                            </p:txEl>
+                                          </p:spTgt>
                                         </p:tgtEl>
                                         <p:attrNameLst>
                                           <p:attrName>style.visibility</p:attrName>
@@ -25904,499 +26408,15 @@
                                         <p:strVal val="visible"/>
                                       </p:to>
                                     </p:set>
-                                    <p:animEffect transition="in" filter="wipe(down)">
+                                    <p:animEffect transition="in" filter="randombar(horizontal)">
                                       <p:cBhvr>
-                                        <p:cTn id="7" dur="290">
-                                          <p:stCondLst>
-                                            <p:cond delay="0"/>
-                                          </p:stCondLst>
-                                        </p:cTn>
+                                        <p:cTn id="7" dur="1000"/>
                                         <p:tgtEl>
-                                          <p:spTgt spid="2"/>
-                                        </p:tgtEl>
-                                      </p:cBhvr>
-                                    </p:animEffect>
-                                    <p:anim calcmode="lin" valueType="num">
-                                      <p:cBhvr>
-                                        <p:cTn id="8" dur="911" tmFilter="0,0; 0.14,0.36; 0.43,0.73; 0.71,0.91; 1.0,1.0">
-                                          <p:stCondLst>
-                                            <p:cond delay="0"/>
-                                          </p:stCondLst>
-                                        </p:cTn>
-                                        <p:tgtEl>
-                                          <p:spTgt spid="2"/>
-                                        </p:tgtEl>
-                                        <p:attrNameLst>
-                                          <p:attrName>ppt_x</p:attrName>
-                                        </p:attrNameLst>
-                                      </p:cBhvr>
-                                      <p:tavLst>
-                                        <p:tav tm="0">
-                                          <p:val>
-                                            <p:strVal val="#ppt_x-0.25"/>
-                                          </p:val>
-                                        </p:tav>
-                                        <p:tav tm="100000">
-                                          <p:val>
-                                            <p:strVal val="#ppt_x"/>
-                                          </p:val>
-                                        </p:tav>
-                                      </p:tavLst>
-                                    </p:anim>
-                                    <p:anim calcmode="lin" valueType="num">
-                                      <p:cBhvr>
-                                        <p:cTn id="9" dur="332" tmFilter="0.0,0.0; 0.25,0.07; 0.50,0.2; 0.75,0.467; 1.0,1.0">
-                                          <p:stCondLst>
-                                            <p:cond delay="0"/>
-                                          </p:stCondLst>
-                                        </p:cTn>
-                                        <p:tgtEl>
-                                          <p:spTgt spid="2"/>
-                                        </p:tgtEl>
-                                        <p:attrNameLst>
-                                          <p:attrName>ppt_y</p:attrName>
-                                        </p:attrNameLst>
-                                      </p:cBhvr>
-                                      <p:tavLst>
-                                        <p:tav tm="0" fmla="#ppt_y-sin(pi*$)/3">
-                                          <p:val>
-                                            <p:fltVal val="0.5"/>
-                                          </p:val>
-                                        </p:tav>
-                                        <p:tav tm="100000">
-                                          <p:val>
-                                            <p:fltVal val="1"/>
-                                          </p:val>
-                                        </p:tav>
-                                      </p:tavLst>
-                                    </p:anim>
-                                    <p:anim calcmode="lin" valueType="num">
-                                      <p:cBhvr>
-                                        <p:cTn id="10" dur="332" tmFilter="0, 0; 0.125,0.2665; 0.25,0.4; 0.375,0.465; 0.5,0.5;  0.625,0.535; 0.75,0.6; 0.875,0.7335; 1,1">
-                                          <p:stCondLst>
-                                            <p:cond delay="332"/>
-                                          </p:stCondLst>
-                                        </p:cTn>
-                                        <p:tgtEl>
-                                          <p:spTgt spid="2"/>
-                                        </p:tgtEl>
-                                        <p:attrNameLst>
-                                          <p:attrName>ppt_y</p:attrName>
-                                        </p:attrNameLst>
-                                      </p:cBhvr>
-                                      <p:tavLst>
-                                        <p:tav tm="0" fmla="#ppt_y-sin(pi*$)/9">
-                                          <p:val>
-                                            <p:fltVal val="0"/>
-                                          </p:val>
-                                        </p:tav>
-                                        <p:tav tm="100000">
-                                          <p:val>
-                                            <p:fltVal val="1"/>
-                                          </p:val>
-                                        </p:tav>
-                                      </p:tavLst>
-                                    </p:anim>
-                                    <p:anim calcmode="lin" valueType="num">
-                                      <p:cBhvr>
-                                        <p:cTn id="11" dur="166" tmFilter="0, 0; 0.125,0.2665; 0.25,0.4; 0.375,0.465; 0.5,0.5;  0.625,0.535; 0.75,0.6; 0.875,0.7335; 1,1">
-                                          <p:stCondLst>
-                                            <p:cond delay="662"/>
-                                          </p:stCondLst>
-                                        </p:cTn>
-                                        <p:tgtEl>
-                                          <p:spTgt spid="2"/>
-                                        </p:tgtEl>
-                                        <p:attrNameLst>
-                                          <p:attrName>ppt_y</p:attrName>
-                                        </p:attrNameLst>
-                                      </p:cBhvr>
-                                      <p:tavLst>
-                                        <p:tav tm="0" fmla="#ppt_y-sin(pi*$)/27">
-                                          <p:val>
-                                            <p:fltVal val="0"/>
-                                          </p:val>
-                                        </p:tav>
-                                        <p:tav tm="100000">
-                                          <p:val>
-                                            <p:fltVal val="1"/>
-                                          </p:val>
-                                        </p:tav>
-                                      </p:tavLst>
-                                    </p:anim>
-                                    <p:anim calcmode="lin" valueType="num">
-                                      <p:cBhvr>
-                                        <p:cTn id="12" dur="82" tmFilter="0, 0; 0.125,0.2665; 0.25,0.4; 0.375,0.465; 0.5,0.5;  0.625,0.535; 0.75,0.6; 0.875,0.7335; 1,1">
-                                          <p:stCondLst>
-                                            <p:cond delay="828"/>
-                                          </p:stCondLst>
-                                        </p:cTn>
-                                        <p:tgtEl>
-                                          <p:spTgt spid="2"/>
-                                        </p:tgtEl>
-                                        <p:attrNameLst>
-                                          <p:attrName>ppt_y</p:attrName>
-                                        </p:attrNameLst>
-                                      </p:cBhvr>
-                                      <p:tavLst>
-                                        <p:tav tm="0" fmla="#ppt_y-sin(pi*$)/81">
-                                          <p:val>
-                                            <p:fltVal val="0"/>
-                                          </p:val>
-                                        </p:tav>
-                                        <p:tav tm="100000">
-                                          <p:val>
-                                            <p:fltVal val="1"/>
-                                          </p:val>
-                                        </p:tav>
-                                      </p:tavLst>
-                                    </p:anim>
-                                    <p:animScale>
-                                      <p:cBhvr>
-                                        <p:cTn id="13" dur="13">
-                                          <p:stCondLst>
-                                            <p:cond delay="325"/>
-                                          </p:stCondLst>
-                                        </p:cTn>
-                                        <p:tgtEl>
-                                          <p:spTgt spid="2"/>
-                                        </p:tgtEl>
-                                      </p:cBhvr>
-                                      <p:to x="100000" y="60000"/>
-                                    </p:animScale>
-                                    <p:animScale>
-                                      <p:cBhvr>
-                                        <p:cTn id="14" dur="83" decel="50000">
-                                          <p:stCondLst>
-                                            <p:cond delay="338"/>
-                                          </p:stCondLst>
-                                        </p:cTn>
-                                        <p:tgtEl>
-                                          <p:spTgt spid="2"/>
-                                        </p:tgtEl>
-                                      </p:cBhvr>
-                                      <p:to x="100000" y="100000"/>
-                                    </p:animScale>
-                                    <p:animScale>
-                                      <p:cBhvr>
-                                        <p:cTn id="15" dur="13">
-                                          <p:stCondLst>
-                                            <p:cond delay="656"/>
-                                          </p:stCondLst>
-                                        </p:cTn>
-                                        <p:tgtEl>
-                                          <p:spTgt spid="2"/>
-                                        </p:tgtEl>
-                                      </p:cBhvr>
-                                      <p:to x="100000" y="80000"/>
-                                    </p:animScale>
-                                    <p:animScale>
-                                      <p:cBhvr>
-                                        <p:cTn id="16" dur="83" decel="50000">
-                                          <p:stCondLst>
-                                            <p:cond delay="669"/>
-                                          </p:stCondLst>
-                                        </p:cTn>
-                                        <p:tgtEl>
-                                          <p:spTgt spid="2"/>
-                                        </p:tgtEl>
-                                      </p:cBhvr>
-                                      <p:to x="100000" y="100000"/>
-                                    </p:animScale>
-                                    <p:animScale>
-                                      <p:cBhvr>
-                                        <p:cTn id="17" dur="13">
-                                          <p:stCondLst>
-                                            <p:cond delay="821"/>
-                                          </p:stCondLst>
-                                        </p:cTn>
-                                        <p:tgtEl>
-                                          <p:spTgt spid="2"/>
-                                        </p:tgtEl>
-                                      </p:cBhvr>
-                                      <p:to x="100000" y="90000"/>
-                                    </p:animScale>
-                                    <p:animScale>
-                                      <p:cBhvr>
-                                        <p:cTn id="18" dur="83" decel="50000">
-                                          <p:stCondLst>
-                                            <p:cond delay="834"/>
-                                          </p:stCondLst>
-                                        </p:cTn>
-                                        <p:tgtEl>
-                                          <p:spTgt spid="2"/>
-                                        </p:tgtEl>
-                                      </p:cBhvr>
-                                      <p:to x="100000" y="100000"/>
-                                    </p:animScale>
-                                    <p:animScale>
-                                      <p:cBhvr>
-                                        <p:cTn id="19" dur="13">
-                                          <p:stCondLst>
-                                            <p:cond delay="904"/>
-                                          </p:stCondLst>
-                                        </p:cTn>
-                                        <p:tgtEl>
-                                          <p:spTgt spid="2"/>
-                                        </p:tgtEl>
-                                      </p:cBhvr>
-                                      <p:to x="100000" y="95000"/>
-                                    </p:animScale>
-                                    <p:animScale>
-                                      <p:cBhvr>
-                                        <p:cTn id="20" dur="83" decel="50000">
-                                          <p:stCondLst>
-                                            <p:cond delay="917"/>
-                                          </p:stCondLst>
-                                        </p:cTn>
-                                        <p:tgtEl>
-                                          <p:spTgt spid="2"/>
-                                        </p:tgtEl>
-                                      </p:cBhvr>
-                                      <p:to x="100000" y="100000"/>
-                                    </p:animScale>
-                                  </p:childTnLst>
-                                </p:cTn>
-                              </p:par>
-                            </p:childTnLst>
-                          </p:cTn>
-                        </p:par>
-                      </p:childTnLst>
-                    </p:cTn>
-                  </p:par>
-                </p:childTnLst>
-              </p:cTn>
-              <p:prevCondLst>
-                <p:cond evt="onPrev" delay="0">
-                  <p:tgtEl>
-                    <p:sldTgt/>
-                  </p:tgtEl>
-                </p:cond>
-              </p:prevCondLst>
-              <p:nextCondLst>
-                <p:cond evt="onNext" delay="0">
-                  <p:tgtEl>
-                    <p:sldTgt/>
-                  </p:tgtEl>
-                </p:cond>
-              </p:nextCondLst>
-            </p:seq>
-          </p:childTnLst>
-        </p:cTn>
-      </p:par>
-    </p:tnLst>
-    <p:bldLst>
-      <p:bldP spid="2" grpId="0"/>
-    </p:bldLst>
-  </p:timing>
-</p:sld>
-</file>
-
-<file path=ppt/slides/slide9.xml><?xml version="1.0" encoding="utf-8"?>
-<p:sld xmlns:a="http://schemas.openxmlformats.org/drawingml/2006/main" xmlns:r="http://schemas.openxmlformats.org/officeDocument/2006/relationships" xmlns:p="http://schemas.openxmlformats.org/presentationml/2006/main">
-  <p:cSld>
-    <p:spTree>
-      <p:nvGrpSpPr>
-        <p:cNvPr id="1" name="Shape 605"/>
-        <p:cNvGrpSpPr/>
-        <p:nvPr/>
-      </p:nvGrpSpPr>
-      <p:grpSpPr>
-        <a:xfrm>
-          <a:off x="0" y="0"/>
-          <a:ext cx="0" cy="0"/>
-          <a:chOff x="0" y="0"/>
-          <a:chExt cx="0" cy="0"/>
-        </a:xfrm>
-      </p:grpSpPr>
-      <p:sp>
-        <p:nvSpPr>
-          <p:cNvPr id="32" name="Rectangle 31">
-            <a:extLst>
-              <a:ext uri="{FF2B5EF4-FFF2-40B4-BE49-F238E27FC236}">
-                <a16:creationId xmlns:a16="http://schemas.microsoft.com/office/drawing/2014/main" id="{3D793483-F58F-402A-B803-364EF2E02B12}"/>
-              </a:ext>
-            </a:extLst>
-          </p:cNvPr>
-          <p:cNvSpPr/>
-          <p:nvPr/>
-        </p:nvSpPr>
-        <p:spPr>
-          <a:xfrm>
-            <a:off x="-391075" y="2558848"/>
-            <a:ext cx="6210780" cy="553998"/>
-          </a:xfrm>
-          <a:prstGeom prst="rect">
-            <a:avLst/>
-          </a:prstGeom>
-          <a:noFill/>
-          <a:ln>
-            <a:noFill/>
-          </a:ln>
-        </p:spPr>
-        <p:txBody>
-          <a:bodyPr wrap="square">
-            <a:spAutoFit/>
-          </a:bodyPr>
-          <a:lstStyle/>
-          <a:p>
-            <a:pPr algn="ctr"/>
-            <a:r>
-              <a:rPr lang="en-US" sz="3000" b="1" dirty="0" err="1">
-                <a:solidFill>
-                  <a:srgbClr val="002060"/>
-                </a:solidFill>
-                <a:latin typeface="Times New Roman" panose="02020603050405020304" pitchFamily="18" charset="0"/>
-                <a:ea typeface="Arial" charset="0"/>
-                <a:cs typeface="Times New Roman" panose="02020603050405020304" pitchFamily="18" charset="0"/>
-              </a:rPr>
-              <a:t>Mọi</a:t>
-            </a:r>
-            <a:r>
-              <a:rPr lang="en-US" sz="3000" b="1" dirty="0">
-                <a:solidFill>
-                  <a:srgbClr val="002060"/>
-                </a:solidFill>
-                <a:latin typeface="Times New Roman" panose="02020603050405020304" pitchFamily="18" charset="0"/>
-                <a:ea typeface="Arial" charset="0"/>
-                <a:cs typeface="Times New Roman" panose="02020603050405020304" pitchFamily="18" charset="0"/>
-              </a:rPr>
-              <a:t> </a:t>
-            </a:r>
-            <a:r>
-              <a:rPr lang="en-US" sz="3000" b="1" dirty="0" err="1">
-                <a:solidFill>
-                  <a:srgbClr val="002060"/>
-                </a:solidFill>
-                <a:latin typeface="Times New Roman" panose="02020603050405020304" pitchFamily="18" charset="0"/>
-                <a:ea typeface="Arial" charset="0"/>
-                <a:cs typeface="Times New Roman" panose="02020603050405020304" pitchFamily="18" charset="0"/>
-              </a:rPr>
-              <a:t>Người</a:t>
-            </a:r>
-            <a:r>
-              <a:rPr lang="en-US" sz="3000" b="1" dirty="0">
-                <a:solidFill>
-                  <a:srgbClr val="002060"/>
-                </a:solidFill>
-                <a:latin typeface="Times New Roman" panose="02020603050405020304" pitchFamily="18" charset="0"/>
-                <a:ea typeface="Arial" charset="0"/>
-                <a:cs typeface="Times New Roman" panose="02020603050405020304" pitchFamily="18" charset="0"/>
-              </a:rPr>
-              <a:t> </a:t>
-            </a:r>
-            <a:r>
-              <a:rPr lang="en-US" sz="3000" b="1" dirty="0" err="1">
-                <a:solidFill>
-                  <a:srgbClr val="002060"/>
-                </a:solidFill>
-                <a:latin typeface="Times New Roman" panose="02020603050405020304" pitchFamily="18" charset="0"/>
-                <a:ea typeface="Arial" charset="0"/>
-                <a:cs typeface="Times New Roman" panose="02020603050405020304" pitchFamily="18" charset="0"/>
-              </a:rPr>
-              <a:t>Đã</a:t>
-            </a:r>
-            <a:r>
-              <a:rPr lang="en-US" sz="3000" b="1" dirty="0">
-                <a:solidFill>
-                  <a:srgbClr val="002060"/>
-                </a:solidFill>
-                <a:latin typeface="Times New Roman" panose="02020603050405020304" pitchFamily="18" charset="0"/>
-                <a:ea typeface="Arial" charset="0"/>
-                <a:cs typeface="Times New Roman" panose="02020603050405020304" pitchFamily="18" charset="0"/>
-              </a:rPr>
-              <a:t> </a:t>
-            </a:r>
-            <a:r>
-              <a:rPr lang="en-US" sz="3000" b="1" dirty="0" err="1">
-                <a:solidFill>
-                  <a:srgbClr val="002060"/>
-                </a:solidFill>
-                <a:latin typeface="Times New Roman" panose="02020603050405020304" pitchFamily="18" charset="0"/>
-                <a:ea typeface="Arial" charset="0"/>
-                <a:cs typeface="Times New Roman" panose="02020603050405020304" pitchFamily="18" charset="0"/>
-              </a:rPr>
-              <a:t>Lắng</a:t>
-            </a:r>
-            <a:r>
-              <a:rPr lang="en-US" sz="3000" b="1" dirty="0">
-                <a:solidFill>
-                  <a:srgbClr val="002060"/>
-                </a:solidFill>
-                <a:latin typeface="Times New Roman" panose="02020603050405020304" pitchFamily="18" charset="0"/>
-                <a:ea typeface="Arial" charset="0"/>
-                <a:cs typeface="Times New Roman" panose="02020603050405020304" pitchFamily="18" charset="0"/>
-              </a:rPr>
-              <a:t> Nghe</a:t>
-            </a:r>
-          </a:p>
-        </p:txBody>
-      </p:sp>
-    </p:spTree>
-    <p:extLst>
-      <p:ext uri="{BB962C8B-B14F-4D97-AF65-F5344CB8AC3E}">
-        <p14:creationId xmlns:p14="http://schemas.microsoft.com/office/powerpoint/2010/main" val="3347329854"/>
-      </p:ext>
-    </p:extLst>
-  </p:cSld>
-  <p:clrMapOvr>
-    <a:masterClrMapping/>
-  </p:clrMapOvr>
-  <p:transition spd="slow" advClick="0">
-    <p:push/>
-  </p:transition>
-  <p:timing>
-    <p:tnLst>
-      <p:par>
-        <p:cTn id="1" dur="indefinite" restart="never" nodeType="tmRoot">
-          <p:childTnLst>
-            <p:seq concurrent="1" nextAc="seek">
-              <p:cTn id="2" dur="indefinite" nodeType="mainSeq">
-                <p:childTnLst>
-                  <p:par>
-                    <p:cTn id="3" fill="hold">
-                      <p:stCondLst>
-                        <p:cond delay="indefinite"/>
-                        <p:cond evt="onBegin" delay="0">
-                          <p:tn val="2"/>
-                        </p:cond>
-                      </p:stCondLst>
-                      <p:childTnLst>
-                        <p:par>
-                          <p:cTn id="4" fill="hold">
-                            <p:stCondLst>
-                              <p:cond delay="0"/>
-                            </p:stCondLst>
-                            <p:childTnLst>
-                              <p:par>
-                                <p:cTn id="5" presetID="10" presetClass="entr" presetSubtype="0" fill="hold" grpId="0" nodeType="afterEffect">
-                                  <p:stCondLst>
-                                    <p:cond delay="0"/>
-                                  </p:stCondLst>
-                                  <p:childTnLst>
-                                    <p:set>
-                                      <p:cBhvr>
-                                        <p:cTn id="6" dur="1" fill="hold">
-                                          <p:stCondLst>
-                                            <p:cond delay="0"/>
-                                          </p:stCondLst>
-                                        </p:cTn>
-                                        <p:tgtEl>
-                                          <p:spTgt spid="32"/>
-                                        </p:tgtEl>
-                                        <p:attrNameLst>
-                                          <p:attrName>style.visibility</p:attrName>
-                                        </p:attrNameLst>
-                                      </p:cBhvr>
-                                      <p:to>
-                                        <p:strVal val="visible"/>
-                                      </p:to>
-                                    </p:set>
-                                    <p:animEffect transition="in" filter="fade">
-                                      <p:cBhvr>
-                                        <p:cTn id="7" dur="500"/>
-                                        <p:tgtEl>
-                                          <p:spTgt spid="32"/>
+                                          <p:spTgt spid="3">
+                                            <p:txEl>
+                                              <p:pRg st="2" end="2"/>
+                                            </p:txEl>
+                                          </p:spTgt>
                                         </p:tgtEl>
                                       </p:cBhvr>
                                     </p:animEffect>
@@ -26430,9 +26450,6 @@
         </p:cTn>
       </p:par>
     </p:tnLst>
-    <p:bldLst>
-      <p:bldP spid="32" grpId="0"/>
-    </p:bldLst>
   </p:timing>
 </p:sld>
 </file>
